--- a/TEAM 11.pptx
+++ b/TEAM 11.pptx
@@ -16,8 +16,10 @@
     <p:sldId id="285" r:id="rId10"/>
     <p:sldId id="284" r:id="rId11"/>
     <p:sldId id="281" r:id="rId12"/>
-    <p:sldId id="279" r:id="rId13"/>
-    <p:sldId id="273" r:id="rId14"/>
+    <p:sldId id="287" r:id="rId13"/>
+    <p:sldId id="279" r:id="rId14"/>
+    <p:sldId id="288" r:id="rId15"/>
+    <p:sldId id="273" r:id="rId16"/>
   </p:sldIdLst>
   <p:sldSz cx="12192000" cy="6858000"/>
   <p:notesSz cx="6858000" cy="9144000"/>
@@ -4453,7 +4455,7 @@
         </p:nvSpPr>
         <p:spPr>
           <a:xfrm>
-            <a:off x="0" y="662609"/>
+            <a:off x="0" y="670998"/>
             <a:ext cx="12192000" cy="1365802"/>
           </a:xfrm>
           <a:prstGeom prst="rect">
@@ -5010,6 +5012,3979 @@
       </p:grpSpPr>
       <p:sp>
         <p:nvSpPr>
+          <p:cNvPr id="5" name="正方形/長方形 4"/>
+          <p:cNvSpPr/>
+          <p:nvPr/>
+        </p:nvSpPr>
+        <p:spPr>
+          <a:xfrm>
+            <a:off x="0" y="0"/>
+            <a:ext cx="12192000" cy="1141993"/>
+          </a:xfrm>
+          <a:prstGeom prst="rect">
+            <a:avLst/>
+          </a:prstGeom>
+          <a:solidFill>
+            <a:srgbClr val="22578B"/>
+          </a:solidFill>
+          <a:ln>
+            <a:noFill/>
+          </a:ln>
+        </p:spPr>
+        <p:style>
+          <a:lnRef idx="2">
+            <a:schemeClr val="accent1">
+              <a:shade val="50000"/>
+            </a:schemeClr>
+          </a:lnRef>
+          <a:fillRef idx="1">
+            <a:schemeClr val="accent1"/>
+          </a:fillRef>
+          <a:effectRef idx="0">
+            <a:schemeClr val="accent1"/>
+          </a:effectRef>
+          <a:fontRef idx="minor">
+            <a:schemeClr val="lt1"/>
+          </a:fontRef>
+        </p:style>
+        <p:txBody>
+          <a:bodyPr rtlCol="0" anchor="ctr"/>
+          <a:lstStyle/>
+          <a:p>
+            <a:pPr algn="ctr"/>
+            <a:endParaRPr kumimoji="1" lang="ja-JP" altLang="en-US"/>
+          </a:p>
+        </p:txBody>
+      </p:sp>
+      <p:grpSp>
+        <p:nvGrpSpPr>
+          <p:cNvPr id="2" name="グループ化 1"/>
+          <p:cNvGrpSpPr/>
+          <p:nvPr/>
+        </p:nvGrpSpPr>
+        <p:grpSpPr>
+          <a:xfrm>
+            <a:off x="282270" y="199128"/>
+            <a:ext cx="2110410" cy="740357"/>
+            <a:chOff x="556590" y="1460994"/>
+            <a:chExt cx="2110410" cy="904199"/>
+          </a:xfrm>
+        </p:grpSpPr>
+        <p:sp>
+          <p:nvSpPr>
+            <p:cNvPr id="3" name="ホームベース 2"/>
+            <p:cNvSpPr/>
+            <p:nvPr/>
+          </p:nvSpPr>
+          <p:spPr>
+            <a:xfrm>
+              <a:off x="556590" y="1460994"/>
+              <a:ext cx="2110410" cy="904199"/>
+            </a:xfrm>
+            <a:prstGeom prst="homePlate">
+              <a:avLst/>
+            </a:prstGeom>
+            <a:solidFill>
+              <a:schemeClr val="bg1"/>
+            </a:solidFill>
+            <a:ln w="76200">
+              <a:solidFill>
+                <a:srgbClr val="1F3359"/>
+              </a:solidFill>
+            </a:ln>
+          </p:spPr>
+          <p:style>
+            <a:lnRef idx="2">
+              <a:schemeClr val="accent1">
+                <a:shade val="50000"/>
+              </a:schemeClr>
+            </a:lnRef>
+            <a:fillRef idx="1">
+              <a:schemeClr val="accent1"/>
+            </a:fillRef>
+            <a:effectRef idx="0">
+              <a:schemeClr val="accent1"/>
+            </a:effectRef>
+            <a:fontRef idx="minor">
+              <a:schemeClr val="lt1"/>
+            </a:fontRef>
+          </p:style>
+          <p:txBody>
+            <a:bodyPr rtlCol="0" anchor="ctr"/>
+            <a:lstStyle/>
+            <a:p>
+              <a:pPr algn="ctr"/>
+              <a:endParaRPr kumimoji="1" lang="ja-JP" altLang="en-US"/>
+            </a:p>
+          </p:txBody>
+        </p:sp>
+        <p:sp>
+          <p:nvSpPr>
+            <p:cNvPr id="4" name="テキスト ボックス 3"/>
+            <p:cNvSpPr txBox="1"/>
+            <p:nvPr/>
+          </p:nvSpPr>
+          <p:spPr>
+            <a:xfrm>
+              <a:off x="795130" y="1555999"/>
+              <a:ext cx="1324402" cy="714186"/>
+            </a:xfrm>
+            <a:prstGeom prst="rect">
+              <a:avLst/>
+            </a:prstGeom>
+            <a:noFill/>
+          </p:spPr>
+          <p:txBody>
+            <a:bodyPr wrap="none" rtlCol="0">
+              <a:spAutoFit/>
+            </a:bodyPr>
+            <a:lstStyle/>
+            <a:p>
+              <a:r>
+                <a:rPr kumimoji="1" lang="en-US" altLang="ko-KR" sz="3200" b="1" dirty="0">
+                  <a:solidFill>
+                    <a:srgbClr val="1F3359"/>
+                  </a:solidFill>
+                </a:rPr>
+                <a:t>Part 3</a:t>
+              </a:r>
+              <a:endParaRPr kumimoji="1" lang="ja-JP" altLang="en-US" sz="3200" b="1" dirty="0">
+                <a:solidFill>
+                  <a:srgbClr val="1F3359"/>
+                </a:solidFill>
+              </a:endParaRPr>
+            </a:p>
+          </p:txBody>
+        </p:sp>
+      </p:grpSp>
+      <p:sp>
+        <p:nvSpPr>
+          <p:cNvPr id="6" name="テキスト ボックス 5"/>
+          <p:cNvSpPr txBox="1"/>
+          <p:nvPr/>
+        </p:nvSpPr>
+        <p:spPr>
+          <a:xfrm>
+            <a:off x="2564852" y="139948"/>
+            <a:ext cx="6191247" cy="830997"/>
+          </a:xfrm>
+          <a:prstGeom prst="rect">
+            <a:avLst/>
+          </a:prstGeom>
+          <a:noFill/>
+        </p:spPr>
+        <p:txBody>
+          <a:bodyPr wrap="none" rtlCol="0">
+            <a:spAutoFit/>
+          </a:bodyPr>
+          <a:lstStyle/>
+          <a:p>
+            <a:r>
+              <a:rPr kumimoji="1" lang="en-US" altLang="ja-JP" sz="4800" b="1" spc="-300" dirty="0">
+                <a:solidFill>
+                  <a:schemeClr val="bg1"/>
+                </a:solidFill>
+              </a:rPr>
+              <a:t>PROJECT MILESTONE</a:t>
+            </a:r>
+            <a:endParaRPr kumimoji="1" lang="ja-JP" altLang="en-US" sz="4800" b="1" spc="-300" dirty="0">
+              <a:solidFill>
+                <a:schemeClr val="bg1"/>
+              </a:solidFill>
+            </a:endParaRPr>
+          </a:p>
+        </p:txBody>
+      </p:sp>
+      <p:graphicFrame>
+        <p:nvGraphicFramePr>
+          <p:cNvPr id="19" name="Table 18">
+            <a:extLst>
+              <a:ext uri="{FF2B5EF4-FFF2-40B4-BE49-F238E27FC236}">
+                <a16:creationId xmlns:a16="http://schemas.microsoft.com/office/drawing/2014/main" id="{E49D1758-8FC0-4E7F-937D-2297D5E6AD38}"/>
+              </a:ext>
+            </a:extLst>
+          </p:cNvPr>
+          <p:cNvGraphicFramePr>
+            <a:graphicFrameLocks noGrp="1"/>
+          </p:cNvGraphicFramePr>
+          <p:nvPr>
+            <p:extLst>
+              <p:ext uri="{D42A27DB-BD31-4B8C-83A1-F6EECF244321}">
+                <p14:modId xmlns:p14="http://schemas.microsoft.com/office/powerpoint/2010/main" val="2738343032"/>
+              </p:ext>
+            </p:extLst>
+          </p:nvPr>
+        </p:nvGraphicFramePr>
+        <p:xfrm>
+          <a:off x="2038000" y="1760592"/>
+          <a:ext cx="7516199" cy="4155768"/>
+        </p:xfrm>
+        <a:graphic>
+          <a:graphicData uri="http://schemas.openxmlformats.org/drawingml/2006/table">
+            <a:tbl>
+              <a:tblPr/>
+              <a:tblGrid>
+                <a:gridCol w="4147943">
+                  <a:extLst>
+                    <a:ext uri="{9D8B030D-6E8A-4147-A177-3AD203B41FA5}">
+                      <a16:colId xmlns:a16="http://schemas.microsoft.com/office/drawing/2014/main" val="3880526001"/>
+                    </a:ext>
+                  </a:extLst>
+                </a:gridCol>
+                <a:gridCol w="421032">
+                  <a:extLst>
+                    <a:ext uri="{9D8B030D-6E8A-4147-A177-3AD203B41FA5}">
+                      <a16:colId xmlns:a16="http://schemas.microsoft.com/office/drawing/2014/main" val="426696675"/>
+                    </a:ext>
+                  </a:extLst>
+                </a:gridCol>
+                <a:gridCol w="421032">
+                  <a:extLst>
+                    <a:ext uri="{9D8B030D-6E8A-4147-A177-3AD203B41FA5}">
+                      <a16:colId xmlns:a16="http://schemas.microsoft.com/office/drawing/2014/main" val="1933714315"/>
+                    </a:ext>
+                  </a:extLst>
+                </a:gridCol>
+                <a:gridCol w="421032">
+                  <a:extLst>
+                    <a:ext uri="{9D8B030D-6E8A-4147-A177-3AD203B41FA5}">
+                      <a16:colId xmlns:a16="http://schemas.microsoft.com/office/drawing/2014/main" val="1744736714"/>
+                    </a:ext>
+                  </a:extLst>
+                </a:gridCol>
+                <a:gridCol w="436626">
+                  <a:extLst>
+                    <a:ext uri="{9D8B030D-6E8A-4147-A177-3AD203B41FA5}">
+                      <a16:colId xmlns:a16="http://schemas.microsoft.com/office/drawing/2014/main" val="2306791686"/>
+                    </a:ext>
+                  </a:extLst>
+                </a:gridCol>
+                <a:gridCol w="405438">
+                  <a:extLst>
+                    <a:ext uri="{9D8B030D-6E8A-4147-A177-3AD203B41FA5}">
+                      <a16:colId xmlns:a16="http://schemas.microsoft.com/office/drawing/2014/main" val="4260559388"/>
+                    </a:ext>
+                  </a:extLst>
+                </a:gridCol>
+                <a:gridCol w="421032">
+                  <a:extLst>
+                    <a:ext uri="{9D8B030D-6E8A-4147-A177-3AD203B41FA5}">
+                      <a16:colId xmlns:a16="http://schemas.microsoft.com/office/drawing/2014/main" val="4044911429"/>
+                    </a:ext>
+                  </a:extLst>
+                </a:gridCol>
+                <a:gridCol w="421032">
+                  <a:extLst>
+                    <a:ext uri="{9D8B030D-6E8A-4147-A177-3AD203B41FA5}">
+                      <a16:colId xmlns:a16="http://schemas.microsoft.com/office/drawing/2014/main" val="2226059257"/>
+                    </a:ext>
+                  </a:extLst>
+                </a:gridCol>
+                <a:gridCol w="421032">
+                  <a:extLst>
+                    <a:ext uri="{9D8B030D-6E8A-4147-A177-3AD203B41FA5}">
+                      <a16:colId xmlns:a16="http://schemas.microsoft.com/office/drawing/2014/main" val="1895628711"/>
+                    </a:ext>
+                  </a:extLst>
+                </a:gridCol>
+              </a:tblGrid>
+              <a:tr h="428625">
+                <a:tc rowSpan="2">
+                  <a:txBody>
+                    <a:bodyPr/>
+                    <a:lstStyle/>
+                    <a:p>
+                      <a:pPr algn="ctr" rtl="0" fontAlgn="ctr">
+                        <a:spcBef>
+                          <a:spcPts val="0"/>
+                        </a:spcBef>
+                        <a:spcAft>
+                          <a:spcPts val="0"/>
+                        </a:spcAft>
+                      </a:pPr>
+                      <a:r>
+                        <a:rPr lang="en-US" sz="2000" b="1" i="0" u="none" strike="noStrike" dirty="0">
+                          <a:solidFill>
+                            <a:schemeClr val="bg1"/>
+                          </a:solidFill>
+                          <a:effectLst/>
+                          <a:latin typeface="Arial" panose="020B0604020202020204" pitchFamily="34" charset="0"/>
+                        </a:rPr>
+                        <a:t>Task</a:t>
+                      </a:r>
+                      <a:endParaRPr lang="en-US" dirty="0">
+                        <a:solidFill>
+                          <a:schemeClr val="bg1"/>
+                        </a:solidFill>
+                        <a:effectLst/>
+                      </a:endParaRPr>
+                    </a:p>
+                  </a:txBody>
+                  <a:tcPr marL="66675" marR="66675" marT="19050" marB="19050" anchor="ctr">
+                    <a:lnL w="9525" cap="flat" cmpd="sng" algn="ctr">
+                      <a:solidFill>
+                        <a:srgbClr val="000000"/>
+                      </a:solidFill>
+                      <a:prstDash val="solid"/>
+                      <a:round/>
+                      <a:headEnd type="none" w="med" len="med"/>
+                      <a:tailEnd type="none" w="med" len="med"/>
+                    </a:lnL>
+                    <a:lnR w="9525" cap="flat" cmpd="sng" algn="ctr">
+                      <a:solidFill>
+                        <a:srgbClr val="000000"/>
+                      </a:solidFill>
+                      <a:prstDash val="solid"/>
+                      <a:round/>
+                      <a:headEnd type="none" w="med" len="med"/>
+                      <a:tailEnd type="none" w="med" len="med"/>
+                    </a:lnR>
+                    <a:lnT w="12697" cap="flat" cmpd="sng" algn="ctr">
+                      <a:solidFill>
+                        <a:srgbClr val="000000"/>
+                      </a:solidFill>
+                      <a:prstDash val="solid"/>
+                      <a:round/>
+                      <a:headEnd type="none" w="med" len="med"/>
+                      <a:tailEnd type="none" w="med" len="med"/>
+                    </a:lnT>
+                    <a:lnB w="9525" cap="flat" cmpd="sng" algn="ctr">
+                      <a:solidFill>
+                        <a:srgbClr val="000000"/>
+                      </a:solidFill>
+                      <a:prstDash val="solid"/>
+                      <a:round/>
+                      <a:headEnd type="none" w="med" len="med"/>
+                      <a:tailEnd type="none" w="med" len="med"/>
+                    </a:lnB>
+                    <a:solidFill>
+                      <a:srgbClr val="1F3359"/>
+                    </a:solidFill>
+                  </a:tcPr>
+                </a:tc>
+                <a:tc gridSpan="8">
+                  <a:txBody>
+                    <a:bodyPr/>
+                    <a:lstStyle/>
+                    <a:p>
+                      <a:pPr algn="ctr"/>
+                      <a:r>
+                        <a:rPr lang="en-US" dirty="0">
+                          <a:solidFill>
+                            <a:schemeClr val="bg1"/>
+                          </a:solidFill>
+                        </a:rPr>
+                        <a:t>Weekly Milestone</a:t>
+                      </a:r>
+                    </a:p>
+                  </a:txBody>
+                  <a:tcPr>
+                    <a:lnL w="9525" cap="flat" cmpd="sng" algn="ctr">
+                      <a:solidFill>
+                        <a:srgbClr val="000000"/>
+                      </a:solidFill>
+                      <a:prstDash val="solid"/>
+                      <a:round/>
+                      <a:headEnd type="none" w="med" len="med"/>
+                      <a:tailEnd type="none" w="med" len="med"/>
+                    </a:lnL>
+                    <a:solidFill>
+                      <a:srgbClr val="1F3359"/>
+                    </a:solidFill>
+                  </a:tcPr>
+                </a:tc>
+                <a:tc hMerge="1">
+                  <a:txBody>
+                    <a:bodyPr/>
+                    <a:lstStyle/>
+                    <a:p>
+                      <a:endParaRPr lang="en-US"/>
+                    </a:p>
+                  </a:txBody>
+                  <a:tcPr/>
+                </a:tc>
+                <a:tc hMerge="1">
+                  <a:txBody>
+                    <a:bodyPr/>
+                    <a:lstStyle/>
+                    <a:p>
+                      <a:endParaRPr lang="en-US"/>
+                    </a:p>
+                  </a:txBody>
+                  <a:tcPr/>
+                </a:tc>
+                <a:tc hMerge="1">
+                  <a:txBody>
+                    <a:bodyPr/>
+                    <a:lstStyle/>
+                    <a:p>
+                      <a:endParaRPr lang="en-US"/>
+                    </a:p>
+                  </a:txBody>
+                  <a:tcPr/>
+                </a:tc>
+                <a:tc hMerge="1">
+                  <a:txBody>
+                    <a:bodyPr/>
+                    <a:lstStyle/>
+                    <a:p>
+                      <a:endParaRPr lang="en-US"/>
+                    </a:p>
+                  </a:txBody>
+                  <a:tcPr/>
+                </a:tc>
+                <a:tc hMerge="1">
+                  <a:txBody>
+                    <a:bodyPr/>
+                    <a:lstStyle/>
+                    <a:p>
+                      <a:endParaRPr lang="en-US"/>
+                    </a:p>
+                  </a:txBody>
+                  <a:tcPr/>
+                </a:tc>
+                <a:tc hMerge="1">
+                  <a:txBody>
+                    <a:bodyPr/>
+                    <a:lstStyle/>
+                    <a:p>
+                      <a:endParaRPr lang="en-US"/>
+                    </a:p>
+                  </a:txBody>
+                  <a:tcPr/>
+                </a:tc>
+                <a:tc hMerge="1">
+                  <a:txBody>
+                    <a:bodyPr/>
+                    <a:lstStyle/>
+                    <a:p>
+                      <a:endParaRPr lang="en-US"/>
+                    </a:p>
+                  </a:txBody>
+                  <a:tcPr/>
+                </a:tc>
+                <a:extLst>
+                  <a:ext uri="{0D108BD9-81ED-4DB2-BD59-A6C34878D82A}">
+                    <a16:rowId xmlns:a16="http://schemas.microsoft.com/office/drawing/2014/main" val="1683069933"/>
+                  </a:ext>
+                </a:extLst>
+              </a:tr>
+              <a:tr h="361950">
+                <a:tc vMerge="1">
+                  <a:txBody>
+                    <a:bodyPr/>
+                    <a:lstStyle/>
+                    <a:p>
+                      <a:endParaRPr lang="en-US"/>
+                    </a:p>
+                  </a:txBody>
+                  <a:tcPr/>
+                </a:tc>
+                <a:tc gridSpan="4">
+                  <a:txBody>
+                    <a:bodyPr/>
+                    <a:lstStyle/>
+                    <a:p>
+                      <a:pPr algn="ctr" rtl="0" fontAlgn="ctr">
+                        <a:spcBef>
+                          <a:spcPts val="0"/>
+                        </a:spcBef>
+                        <a:spcAft>
+                          <a:spcPts val="0"/>
+                        </a:spcAft>
+                      </a:pPr>
+                      <a:r>
+                        <a:rPr lang="en-US" sz="1800" b="1" i="0" u="none" strike="noStrike" dirty="0">
+                          <a:solidFill>
+                            <a:schemeClr val="bg1"/>
+                          </a:solidFill>
+                          <a:effectLst/>
+                          <a:latin typeface="Arial" panose="020B0604020202020204" pitchFamily="34" charset="0"/>
+                        </a:rPr>
+                        <a:t>Nov</a:t>
+                      </a:r>
+                    </a:p>
+                    <a:p>
+                      <a:pPr marL="0" marR="0" lvl="0" indent="0" algn="ctr" defTabSz="914400" rtl="0" eaLnBrk="1" fontAlgn="ctr" latinLnBrk="1" hangingPunct="1">
+                        <a:lnSpc>
+                          <a:spcPct val="100000"/>
+                        </a:lnSpc>
+                        <a:spcBef>
+                          <a:spcPts val="0"/>
+                        </a:spcBef>
+                        <a:spcAft>
+                          <a:spcPts val="0"/>
+                        </a:spcAft>
+                        <a:buClrTx/>
+                        <a:buSzTx/>
+                        <a:buFontTx/>
+                        <a:buNone/>
+                        <a:tabLst/>
+                        <a:defRPr/>
+                      </a:pPr>
+                      <a:r>
+                        <a:rPr lang="en-US" altLang="ko-KR" sz="1800" dirty="0">
+                          <a:solidFill>
+                            <a:schemeClr val="bg1"/>
+                          </a:solidFill>
+                        </a:rPr>
+                        <a:t>1    2    3    4</a:t>
+                      </a:r>
+                      <a:endParaRPr lang="ko-KR" altLang="en-US" sz="1800" dirty="0">
+                        <a:solidFill>
+                          <a:schemeClr val="bg1"/>
+                        </a:solidFill>
+                      </a:endParaRPr>
+                    </a:p>
+                  </a:txBody>
+                  <a:tcPr marL="66675" marR="66675" marT="19050" marB="19050" anchor="ctr">
+                    <a:lnR w="9525" cap="flat" cmpd="sng" algn="ctr">
+                      <a:solidFill>
+                        <a:srgbClr val="000000"/>
+                      </a:solidFill>
+                      <a:prstDash val="solid"/>
+                      <a:round/>
+                      <a:headEnd type="none" w="med" len="med"/>
+                      <a:tailEnd type="none" w="med" len="med"/>
+                    </a:lnR>
+                    <a:lnB w="9525" cap="flat" cmpd="sng" algn="ctr">
+                      <a:solidFill>
+                        <a:srgbClr val="000000"/>
+                      </a:solidFill>
+                      <a:prstDash val="solid"/>
+                      <a:round/>
+                      <a:headEnd type="none" w="med" len="med"/>
+                      <a:tailEnd type="none" w="med" len="med"/>
+                    </a:lnB>
+                    <a:solidFill>
+                      <a:srgbClr val="1F3359"/>
+                    </a:solidFill>
+                  </a:tcPr>
+                </a:tc>
+                <a:tc hMerge="1">
+                  <a:txBody>
+                    <a:bodyPr/>
+                    <a:lstStyle/>
+                    <a:p>
+                      <a:endParaRPr lang="en-US"/>
+                    </a:p>
+                  </a:txBody>
+                  <a:tcPr/>
+                </a:tc>
+                <a:tc hMerge="1">
+                  <a:txBody>
+                    <a:bodyPr/>
+                    <a:lstStyle/>
+                    <a:p>
+                      <a:endParaRPr lang="en-US"/>
+                    </a:p>
+                  </a:txBody>
+                  <a:tcPr/>
+                </a:tc>
+                <a:tc hMerge="1">
+                  <a:txBody>
+                    <a:bodyPr/>
+                    <a:lstStyle/>
+                    <a:p>
+                      <a:endParaRPr lang="en-US"/>
+                    </a:p>
+                  </a:txBody>
+                  <a:tcPr/>
+                </a:tc>
+                <a:tc gridSpan="4">
+                  <a:txBody>
+                    <a:bodyPr/>
+                    <a:lstStyle/>
+                    <a:p>
+                      <a:pPr algn="ctr" rtl="0" fontAlgn="ctr">
+                        <a:spcBef>
+                          <a:spcPts val="0"/>
+                        </a:spcBef>
+                        <a:spcAft>
+                          <a:spcPts val="0"/>
+                        </a:spcAft>
+                      </a:pPr>
+                      <a:r>
+                        <a:rPr lang="en-US" sz="1800" b="1" i="0" u="none" strike="noStrike" dirty="0">
+                          <a:solidFill>
+                            <a:schemeClr val="bg1"/>
+                          </a:solidFill>
+                          <a:effectLst/>
+                          <a:latin typeface="Arial" panose="020B0604020202020204" pitchFamily="34" charset="0"/>
+                        </a:rPr>
+                        <a:t>Dec</a:t>
+                      </a:r>
+                    </a:p>
+                    <a:p>
+                      <a:pPr marL="0" marR="0" lvl="0" indent="0" algn="ctr" defTabSz="914400" rtl="0" eaLnBrk="1" fontAlgn="ctr" latinLnBrk="1" hangingPunct="1">
+                        <a:lnSpc>
+                          <a:spcPct val="100000"/>
+                        </a:lnSpc>
+                        <a:spcBef>
+                          <a:spcPts val="0"/>
+                        </a:spcBef>
+                        <a:spcAft>
+                          <a:spcPts val="0"/>
+                        </a:spcAft>
+                        <a:buClrTx/>
+                        <a:buSzTx/>
+                        <a:buFontTx/>
+                        <a:buNone/>
+                        <a:tabLst/>
+                        <a:defRPr/>
+                      </a:pPr>
+                      <a:r>
+                        <a:rPr lang="en-US" altLang="ko-KR" sz="1800" dirty="0">
+                          <a:solidFill>
+                            <a:schemeClr val="bg1"/>
+                          </a:solidFill>
+                        </a:rPr>
+                        <a:t>1    2    3    4</a:t>
+                      </a:r>
+                      <a:endParaRPr lang="ko-KR" altLang="en-US" sz="1800" dirty="0">
+                        <a:solidFill>
+                          <a:schemeClr val="bg1"/>
+                        </a:solidFill>
+                      </a:endParaRPr>
+                    </a:p>
+                  </a:txBody>
+                  <a:tcPr marL="66675" marR="66675" marT="19050" marB="19050" anchor="ctr">
+                    <a:lnL w="9525" cap="flat" cmpd="sng" algn="ctr">
+                      <a:solidFill>
+                        <a:srgbClr val="000000"/>
+                      </a:solidFill>
+                      <a:prstDash val="solid"/>
+                      <a:round/>
+                      <a:headEnd type="none" w="med" len="med"/>
+                      <a:tailEnd type="none" w="med" len="med"/>
+                    </a:lnL>
+                    <a:lnR w="9525" cap="flat" cmpd="sng" algn="ctr">
+                      <a:solidFill>
+                        <a:srgbClr val="000000"/>
+                      </a:solidFill>
+                      <a:prstDash val="solid"/>
+                      <a:round/>
+                      <a:headEnd type="none" w="med" len="med"/>
+                      <a:tailEnd type="none" w="med" len="med"/>
+                    </a:lnR>
+                    <a:lnT w="9525" cap="flat" cmpd="sng" algn="ctr">
+                      <a:solidFill>
+                        <a:srgbClr val="000000"/>
+                      </a:solidFill>
+                      <a:prstDash val="solid"/>
+                      <a:round/>
+                      <a:headEnd type="none" w="med" len="med"/>
+                      <a:tailEnd type="none" w="med" len="med"/>
+                    </a:lnT>
+                    <a:lnB w="9525" cap="flat" cmpd="sng" algn="ctr">
+                      <a:solidFill>
+                        <a:srgbClr val="000000"/>
+                      </a:solidFill>
+                      <a:prstDash val="solid"/>
+                      <a:round/>
+                      <a:headEnd type="none" w="med" len="med"/>
+                      <a:tailEnd type="none" w="med" len="med"/>
+                    </a:lnB>
+                    <a:solidFill>
+                      <a:srgbClr val="1F3359"/>
+                    </a:solidFill>
+                  </a:tcPr>
+                </a:tc>
+                <a:tc hMerge="1">
+                  <a:txBody>
+                    <a:bodyPr/>
+                    <a:lstStyle/>
+                    <a:p>
+                      <a:endParaRPr lang="en-US"/>
+                    </a:p>
+                  </a:txBody>
+                  <a:tcPr/>
+                </a:tc>
+                <a:tc hMerge="1">
+                  <a:txBody>
+                    <a:bodyPr/>
+                    <a:lstStyle/>
+                    <a:p>
+                      <a:endParaRPr lang="en-US"/>
+                    </a:p>
+                  </a:txBody>
+                  <a:tcPr/>
+                </a:tc>
+                <a:tc hMerge="1">
+                  <a:txBody>
+                    <a:bodyPr/>
+                    <a:lstStyle/>
+                    <a:p>
+                      <a:endParaRPr lang="en-US"/>
+                    </a:p>
+                  </a:txBody>
+                  <a:tcPr/>
+                </a:tc>
+                <a:extLst>
+                  <a:ext uri="{0D108BD9-81ED-4DB2-BD59-A6C34878D82A}">
+                    <a16:rowId xmlns:a16="http://schemas.microsoft.com/office/drawing/2014/main" val="2534652520"/>
+                  </a:ext>
+                </a:extLst>
+              </a:tr>
+              <a:tr h="180975">
+                <a:tc>
+                  <a:txBody>
+                    <a:bodyPr/>
+                    <a:lstStyle/>
+                    <a:p>
+                      <a:pPr rtl="0" fontAlgn="ctr">
+                        <a:spcBef>
+                          <a:spcPts val="0"/>
+                        </a:spcBef>
+                        <a:spcAft>
+                          <a:spcPts val="0"/>
+                        </a:spcAft>
+                      </a:pPr>
+                      <a:r>
+                        <a:rPr lang="en-US" sz="1800" b="0" i="0" u="none" strike="noStrike" dirty="0">
+                          <a:solidFill>
+                            <a:srgbClr val="000000"/>
+                          </a:solidFill>
+                          <a:effectLst/>
+                          <a:latin typeface="Calibri" panose="020F0502020204030204" pitchFamily="34" charset="0"/>
+                        </a:rPr>
+                        <a:t>Planning and deciding features that can be implemented based on the time</a:t>
+                      </a:r>
+                      <a:endParaRPr lang="en-US" dirty="0">
+                        <a:effectLst/>
+                      </a:endParaRPr>
+                    </a:p>
+                  </a:txBody>
+                  <a:tcPr marL="66675" marR="66675" marT="19050" marB="19050" anchor="ctr">
+                    <a:lnL w="9525" cap="flat" cmpd="sng" algn="ctr">
+                      <a:solidFill>
+                        <a:srgbClr val="000000"/>
+                      </a:solidFill>
+                      <a:prstDash val="solid"/>
+                      <a:round/>
+                      <a:headEnd type="none" w="med" len="med"/>
+                      <a:tailEnd type="none" w="med" len="med"/>
+                    </a:lnL>
+                    <a:lnR w="9525" cap="flat" cmpd="sng" algn="ctr">
+                      <a:solidFill>
+                        <a:srgbClr val="000000"/>
+                      </a:solidFill>
+                      <a:prstDash val="solid"/>
+                      <a:round/>
+                      <a:headEnd type="none" w="med" len="med"/>
+                      <a:tailEnd type="none" w="med" len="med"/>
+                    </a:lnR>
+                    <a:lnT w="9525" cap="flat" cmpd="sng" algn="ctr">
+                      <a:solidFill>
+                        <a:srgbClr val="000000"/>
+                      </a:solidFill>
+                      <a:prstDash val="solid"/>
+                      <a:round/>
+                      <a:headEnd type="none" w="med" len="med"/>
+                      <a:tailEnd type="none" w="med" len="med"/>
+                    </a:lnT>
+                    <a:lnB w="9525" cap="flat" cmpd="sng" algn="ctr">
+                      <a:solidFill>
+                        <a:srgbClr val="000000"/>
+                      </a:solidFill>
+                      <a:prstDash val="solid"/>
+                      <a:round/>
+                      <a:headEnd type="none" w="med" len="med"/>
+                      <a:tailEnd type="none" w="med" len="med"/>
+                    </a:lnB>
+                  </a:tcPr>
+                </a:tc>
+                <a:tc>
+                  <a:txBody>
+                    <a:bodyPr/>
+                    <a:lstStyle/>
+                    <a:p>
+                      <a:pPr fontAlgn="ctr"/>
+                      <a:r>
+                        <a:rPr lang="en-US">
+                          <a:effectLst/>
+                        </a:rPr>
+                        <a:t> </a:t>
+                      </a:r>
+                    </a:p>
+                  </a:txBody>
+                  <a:tcPr marL="66675" marR="66675" marT="19050" marB="19050" anchor="ctr">
+                    <a:lnL w="9525" cap="flat" cmpd="sng" algn="ctr">
+                      <a:solidFill>
+                        <a:srgbClr val="000000"/>
+                      </a:solidFill>
+                      <a:prstDash val="solid"/>
+                      <a:round/>
+                      <a:headEnd type="none" w="med" len="med"/>
+                      <a:tailEnd type="none" w="med" len="med"/>
+                    </a:lnL>
+                    <a:lnR w="9525" cap="flat" cmpd="sng" algn="ctr">
+                      <a:solidFill>
+                        <a:srgbClr val="000000"/>
+                      </a:solidFill>
+                      <a:prstDash val="solid"/>
+                      <a:round/>
+                      <a:headEnd type="none" w="med" len="med"/>
+                      <a:tailEnd type="none" w="med" len="med"/>
+                    </a:lnR>
+                    <a:lnT w="9525" cap="flat" cmpd="sng" algn="ctr">
+                      <a:solidFill>
+                        <a:srgbClr val="000000"/>
+                      </a:solidFill>
+                      <a:prstDash val="solid"/>
+                      <a:round/>
+                      <a:headEnd type="none" w="med" len="med"/>
+                      <a:tailEnd type="none" w="med" len="med"/>
+                    </a:lnT>
+                    <a:lnB w="9525" cap="flat" cmpd="sng" algn="ctr">
+                      <a:solidFill>
+                        <a:srgbClr val="000000"/>
+                      </a:solidFill>
+                      <a:prstDash val="solid"/>
+                      <a:round/>
+                      <a:headEnd type="none" w="med" len="med"/>
+                      <a:tailEnd type="none" w="med" len="med"/>
+                    </a:lnB>
+                    <a:solidFill>
+                      <a:srgbClr val="FFFFFF"/>
+                    </a:solidFill>
+                  </a:tcPr>
+                </a:tc>
+                <a:tc>
+                  <a:txBody>
+                    <a:bodyPr/>
+                    <a:lstStyle/>
+                    <a:p>
+                      <a:pPr fontAlgn="ctr"/>
+                      <a:r>
+                        <a:rPr lang="en-US" dirty="0">
+                          <a:effectLst/>
+                        </a:rPr>
+                        <a:t> </a:t>
+                      </a:r>
+                    </a:p>
+                  </a:txBody>
+                  <a:tcPr marL="66675" marR="66675" marT="19050" marB="19050" anchor="ctr">
+                    <a:lnL w="9525" cap="flat" cmpd="sng" algn="ctr">
+                      <a:solidFill>
+                        <a:srgbClr val="000000"/>
+                      </a:solidFill>
+                      <a:prstDash val="solid"/>
+                      <a:round/>
+                      <a:headEnd type="none" w="med" len="med"/>
+                      <a:tailEnd type="none" w="med" len="med"/>
+                    </a:lnL>
+                    <a:lnR w="9525" cap="flat" cmpd="sng" algn="ctr">
+                      <a:solidFill>
+                        <a:srgbClr val="000000"/>
+                      </a:solidFill>
+                      <a:prstDash val="solid"/>
+                      <a:round/>
+                      <a:headEnd type="none" w="med" len="med"/>
+                      <a:tailEnd type="none" w="med" len="med"/>
+                    </a:lnR>
+                    <a:lnT w="9525" cap="flat" cmpd="sng" algn="ctr">
+                      <a:solidFill>
+                        <a:srgbClr val="000000"/>
+                      </a:solidFill>
+                      <a:prstDash val="solid"/>
+                      <a:round/>
+                      <a:headEnd type="none" w="med" len="med"/>
+                      <a:tailEnd type="none" w="med" len="med"/>
+                    </a:lnT>
+                    <a:lnB w="9525" cap="flat" cmpd="sng" algn="ctr">
+                      <a:solidFill>
+                        <a:srgbClr val="000000"/>
+                      </a:solidFill>
+                      <a:prstDash val="solid"/>
+                      <a:round/>
+                      <a:headEnd type="none" w="med" len="med"/>
+                      <a:tailEnd type="none" w="med" len="med"/>
+                    </a:lnB>
+                    <a:solidFill>
+                      <a:srgbClr val="22578B"/>
+                    </a:solidFill>
+                  </a:tcPr>
+                </a:tc>
+                <a:tc>
+                  <a:txBody>
+                    <a:bodyPr/>
+                    <a:lstStyle/>
+                    <a:p>
+                      <a:pPr fontAlgn="ctr"/>
+                      <a:r>
+                        <a:rPr lang="en-US" dirty="0">
+                          <a:effectLst/>
+                        </a:rPr>
+                        <a:t> </a:t>
+                      </a:r>
+                    </a:p>
+                  </a:txBody>
+                  <a:tcPr marL="66675" marR="66675" marT="19050" marB="19050" anchor="ctr">
+                    <a:lnL w="9525" cap="flat" cmpd="sng" algn="ctr">
+                      <a:solidFill>
+                        <a:srgbClr val="000000"/>
+                      </a:solidFill>
+                      <a:prstDash val="solid"/>
+                      <a:round/>
+                      <a:headEnd type="none" w="med" len="med"/>
+                      <a:tailEnd type="none" w="med" len="med"/>
+                    </a:lnL>
+                    <a:lnR w="9525" cap="flat" cmpd="sng" algn="ctr">
+                      <a:solidFill>
+                        <a:srgbClr val="000000"/>
+                      </a:solidFill>
+                      <a:prstDash val="solid"/>
+                      <a:round/>
+                      <a:headEnd type="none" w="med" len="med"/>
+                      <a:tailEnd type="none" w="med" len="med"/>
+                    </a:lnR>
+                    <a:lnT w="9525" cap="flat" cmpd="sng" algn="ctr">
+                      <a:solidFill>
+                        <a:srgbClr val="000000"/>
+                      </a:solidFill>
+                      <a:prstDash val="solid"/>
+                      <a:round/>
+                      <a:headEnd type="none" w="med" len="med"/>
+                      <a:tailEnd type="none" w="med" len="med"/>
+                    </a:lnT>
+                    <a:lnB w="9525" cap="flat" cmpd="sng" algn="ctr">
+                      <a:solidFill>
+                        <a:srgbClr val="000000"/>
+                      </a:solidFill>
+                      <a:prstDash val="solid"/>
+                      <a:round/>
+                      <a:headEnd type="none" w="med" len="med"/>
+                      <a:tailEnd type="none" w="med" len="med"/>
+                    </a:lnB>
+                    <a:solidFill>
+                      <a:srgbClr val="22578B"/>
+                    </a:solidFill>
+                  </a:tcPr>
+                </a:tc>
+                <a:tc>
+                  <a:txBody>
+                    <a:bodyPr/>
+                    <a:lstStyle/>
+                    <a:p>
+                      <a:pPr fontAlgn="ctr"/>
+                      <a:r>
+                        <a:rPr lang="en-US" dirty="0">
+                          <a:effectLst/>
+                        </a:rPr>
+                        <a:t> </a:t>
+                      </a:r>
+                    </a:p>
+                  </a:txBody>
+                  <a:tcPr marL="66675" marR="66675" marT="19050" marB="19050" anchor="ctr">
+                    <a:lnL w="9525" cap="flat" cmpd="sng" algn="ctr">
+                      <a:solidFill>
+                        <a:srgbClr val="000000"/>
+                      </a:solidFill>
+                      <a:prstDash val="solid"/>
+                      <a:round/>
+                      <a:headEnd type="none" w="med" len="med"/>
+                      <a:tailEnd type="none" w="med" len="med"/>
+                    </a:lnL>
+                    <a:lnR w="9525" cap="flat" cmpd="sng" algn="ctr">
+                      <a:solidFill>
+                        <a:srgbClr val="000000"/>
+                      </a:solidFill>
+                      <a:prstDash val="solid"/>
+                      <a:round/>
+                      <a:headEnd type="none" w="med" len="med"/>
+                      <a:tailEnd type="none" w="med" len="med"/>
+                    </a:lnR>
+                    <a:lnT w="9525" cap="flat" cmpd="sng" algn="ctr">
+                      <a:solidFill>
+                        <a:srgbClr val="000000"/>
+                      </a:solidFill>
+                      <a:prstDash val="solid"/>
+                      <a:round/>
+                      <a:headEnd type="none" w="med" len="med"/>
+                      <a:tailEnd type="none" w="med" len="med"/>
+                    </a:lnT>
+                    <a:lnB w="9525" cap="flat" cmpd="sng" algn="ctr">
+                      <a:solidFill>
+                        <a:srgbClr val="000000"/>
+                      </a:solidFill>
+                      <a:prstDash val="solid"/>
+                      <a:round/>
+                      <a:headEnd type="none" w="med" len="med"/>
+                      <a:tailEnd type="none" w="med" len="med"/>
+                    </a:lnB>
+                    <a:solidFill>
+                      <a:srgbClr val="FFFFFF"/>
+                    </a:solidFill>
+                  </a:tcPr>
+                </a:tc>
+                <a:tc>
+                  <a:txBody>
+                    <a:bodyPr/>
+                    <a:lstStyle/>
+                    <a:p>
+                      <a:pPr fontAlgn="ctr"/>
+                      <a:r>
+                        <a:rPr lang="en-US" dirty="0">
+                          <a:effectLst/>
+                        </a:rPr>
+                        <a:t> </a:t>
+                      </a:r>
+                    </a:p>
+                  </a:txBody>
+                  <a:tcPr marL="66675" marR="66675" marT="19050" marB="19050" anchor="ctr">
+                    <a:lnL w="9525" cap="flat" cmpd="sng" algn="ctr">
+                      <a:solidFill>
+                        <a:srgbClr val="000000"/>
+                      </a:solidFill>
+                      <a:prstDash val="solid"/>
+                      <a:round/>
+                      <a:headEnd type="none" w="med" len="med"/>
+                      <a:tailEnd type="none" w="med" len="med"/>
+                    </a:lnL>
+                    <a:lnR w="9525" cap="flat" cmpd="sng" algn="ctr">
+                      <a:solidFill>
+                        <a:srgbClr val="000000"/>
+                      </a:solidFill>
+                      <a:prstDash val="solid"/>
+                      <a:round/>
+                      <a:headEnd type="none" w="med" len="med"/>
+                      <a:tailEnd type="none" w="med" len="med"/>
+                    </a:lnR>
+                    <a:lnT w="9525" cap="flat" cmpd="sng" algn="ctr">
+                      <a:solidFill>
+                        <a:srgbClr val="000000"/>
+                      </a:solidFill>
+                      <a:prstDash val="solid"/>
+                      <a:round/>
+                      <a:headEnd type="none" w="med" len="med"/>
+                      <a:tailEnd type="none" w="med" len="med"/>
+                    </a:lnT>
+                    <a:lnB w="9525" cap="flat" cmpd="sng" algn="ctr">
+                      <a:solidFill>
+                        <a:srgbClr val="000000"/>
+                      </a:solidFill>
+                      <a:prstDash val="solid"/>
+                      <a:round/>
+                      <a:headEnd type="none" w="med" len="med"/>
+                      <a:tailEnd type="none" w="med" len="med"/>
+                    </a:lnB>
+                    <a:solidFill>
+                      <a:srgbClr val="FFFFFF"/>
+                    </a:solidFill>
+                  </a:tcPr>
+                </a:tc>
+                <a:tc>
+                  <a:txBody>
+                    <a:bodyPr/>
+                    <a:lstStyle/>
+                    <a:p>
+                      <a:pPr fontAlgn="ctr"/>
+                      <a:r>
+                        <a:rPr lang="en-US" dirty="0">
+                          <a:effectLst/>
+                        </a:rPr>
+                        <a:t> </a:t>
+                      </a:r>
+                    </a:p>
+                  </a:txBody>
+                  <a:tcPr marL="66675" marR="66675" marT="19050" marB="19050" anchor="ctr">
+                    <a:lnL w="9525" cap="flat" cmpd="sng" algn="ctr">
+                      <a:solidFill>
+                        <a:srgbClr val="000000"/>
+                      </a:solidFill>
+                      <a:prstDash val="solid"/>
+                      <a:round/>
+                      <a:headEnd type="none" w="med" len="med"/>
+                      <a:tailEnd type="none" w="med" len="med"/>
+                    </a:lnL>
+                    <a:lnR w="9525" cap="flat" cmpd="sng" algn="ctr">
+                      <a:solidFill>
+                        <a:srgbClr val="000000"/>
+                      </a:solidFill>
+                      <a:prstDash val="solid"/>
+                      <a:round/>
+                      <a:headEnd type="none" w="med" len="med"/>
+                      <a:tailEnd type="none" w="med" len="med"/>
+                    </a:lnR>
+                    <a:lnT w="9525" cap="flat" cmpd="sng" algn="ctr">
+                      <a:solidFill>
+                        <a:srgbClr val="000000"/>
+                      </a:solidFill>
+                      <a:prstDash val="solid"/>
+                      <a:round/>
+                      <a:headEnd type="none" w="med" len="med"/>
+                      <a:tailEnd type="none" w="med" len="med"/>
+                    </a:lnT>
+                    <a:lnB w="9525" cap="flat" cmpd="sng" algn="ctr">
+                      <a:solidFill>
+                        <a:srgbClr val="000000"/>
+                      </a:solidFill>
+                      <a:prstDash val="solid"/>
+                      <a:round/>
+                      <a:headEnd type="none" w="med" len="med"/>
+                      <a:tailEnd type="none" w="med" len="med"/>
+                    </a:lnB>
+                    <a:solidFill>
+                      <a:srgbClr val="FFFFFF"/>
+                    </a:solidFill>
+                  </a:tcPr>
+                </a:tc>
+                <a:tc>
+                  <a:txBody>
+                    <a:bodyPr/>
+                    <a:lstStyle/>
+                    <a:p>
+                      <a:pPr fontAlgn="ctr"/>
+                      <a:r>
+                        <a:rPr lang="en-US">
+                          <a:effectLst/>
+                        </a:rPr>
+                        <a:t> </a:t>
+                      </a:r>
+                    </a:p>
+                  </a:txBody>
+                  <a:tcPr marL="66675" marR="66675" marT="19050" marB="19050" anchor="ctr">
+                    <a:lnL w="9525" cap="flat" cmpd="sng" algn="ctr">
+                      <a:solidFill>
+                        <a:srgbClr val="000000"/>
+                      </a:solidFill>
+                      <a:prstDash val="solid"/>
+                      <a:round/>
+                      <a:headEnd type="none" w="med" len="med"/>
+                      <a:tailEnd type="none" w="med" len="med"/>
+                    </a:lnL>
+                    <a:lnR w="9525" cap="flat" cmpd="sng" algn="ctr">
+                      <a:solidFill>
+                        <a:srgbClr val="000000"/>
+                      </a:solidFill>
+                      <a:prstDash val="solid"/>
+                      <a:round/>
+                      <a:headEnd type="none" w="med" len="med"/>
+                      <a:tailEnd type="none" w="med" len="med"/>
+                    </a:lnR>
+                    <a:lnT w="9525" cap="flat" cmpd="sng" algn="ctr">
+                      <a:solidFill>
+                        <a:srgbClr val="000000"/>
+                      </a:solidFill>
+                      <a:prstDash val="solid"/>
+                      <a:round/>
+                      <a:headEnd type="none" w="med" len="med"/>
+                      <a:tailEnd type="none" w="med" len="med"/>
+                    </a:lnT>
+                    <a:lnB w="9525" cap="flat" cmpd="sng" algn="ctr">
+                      <a:solidFill>
+                        <a:srgbClr val="000000"/>
+                      </a:solidFill>
+                      <a:prstDash val="solid"/>
+                      <a:round/>
+                      <a:headEnd type="none" w="med" len="med"/>
+                      <a:tailEnd type="none" w="med" len="med"/>
+                    </a:lnB>
+                    <a:solidFill>
+                      <a:srgbClr val="FFFFFF"/>
+                    </a:solidFill>
+                  </a:tcPr>
+                </a:tc>
+                <a:tc>
+                  <a:txBody>
+                    <a:bodyPr/>
+                    <a:lstStyle/>
+                    <a:p>
+                      <a:pPr fontAlgn="ctr"/>
+                      <a:r>
+                        <a:rPr lang="en-US">
+                          <a:effectLst/>
+                        </a:rPr>
+                        <a:t> </a:t>
+                      </a:r>
+                    </a:p>
+                  </a:txBody>
+                  <a:tcPr marL="66675" marR="66675" marT="19050" marB="19050" anchor="ctr">
+                    <a:lnL w="9525" cap="flat" cmpd="sng" algn="ctr">
+                      <a:solidFill>
+                        <a:srgbClr val="000000"/>
+                      </a:solidFill>
+                      <a:prstDash val="solid"/>
+                      <a:round/>
+                      <a:headEnd type="none" w="med" len="med"/>
+                      <a:tailEnd type="none" w="med" len="med"/>
+                    </a:lnL>
+                    <a:lnR w="9525" cap="flat" cmpd="sng" algn="ctr">
+                      <a:solidFill>
+                        <a:srgbClr val="000000"/>
+                      </a:solidFill>
+                      <a:prstDash val="solid"/>
+                      <a:round/>
+                      <a:headEnd type="none" w="med" len="med"/>
+                      <a:tailEnd type="none" w="med" len="med"/>
+                    </a:lnR>
+                    <a:lnT w="9525" cap="flat" cmpd="sng" algn="ctr">
+                      <a:solidFill>
+                        <a:srgbClr val="000000"/>
+                      </a:solidFill>
+                      <a:prstDash val="solid"/>
+                      <a:round/>
+                      <a:headEnd type="none" w="med" len="med"/>
+                      <a:tailEnd type="none" w="med" len="med"/>
+                    </a:lnT>
+                    <a:lnB w="9525" cap="flat" cmpd="sng" algn="ctr">
+                      <a:solidFill>
+                        <a:srgbClr val="000000"/>
+                      </a:solidFill>
+                      <a:prstDash val="solid"/>
+                      <a:round/>
+                      <a:headEnd type="none" w="med" len="med"/>
+                      <a:tailEnd type="none" w="med" len="med"/>
+                    </a:lnB>
+                    <a:solidFill>
+                      <a:srgbClr val="FFFFFF"/>
+                    </a:solidFill>
+                  </a:tcPr>
+                </a:tc>
+                <a:extLst>
+                  <a:ext uri="{0D108BD9-81ED-4DB2-BD59-A6C34878D82A}">
+                    <a16:rowId xmlns:a16="http://schemas.microsoft.com/office/drawing/2014/main" val="1430444083"/>
+                  </a:ext>
+                </a:extLst>
+              </a:tr>
+              <a:tr h="561975">
+                <a:tc>
+                  <a:txBody>
+                    <a:bodyPr/>
+                    <a:lstStyle/>
+                    <a:p>
+                      <a:pPr rtl="0" fontAlgn="ctr">
+                        <a:spcBef>
+                          <a:spcPts val="0"/>
+                        </a:spcBef>
+                        <a:spcAft>
+                          <a:spcPts val="0"/>
+                        </a:spcAft>
+                      </a:pPr>
+                      <a:r>
+                        <a:rPr lang="en-US" sz="1800" b="0" i="0" u="none" strike="noStrike" dirty="0">
+                          <a:solidFill>
+                            <a:srgbClr val="000000"/>
+                          </a:solidFill>
+                          <a:effectLst/>
+                          <a:latin typeface="Calibri" panose="020F0502020204030204" pitchFamily="34" charset="0"/>
+                        </a:rPr>
+                        <a:t>Make a basic communication between client and server using sockets for a group</a:t>
+                      </a:r>
+                      <a:endParaRPr lang="en-US" dirty="0">
+                        <a:effectLst/>
+                      </a:endParaRPr>
+                    </a:p>
+                  </a:txBody>
+                  <a:tcPr marL="66675" marR="66675" marT="19050" marB="19050" anchor="ctr">
+                    <a:lnL w="9525" cap="flat" cmpd="sng" algn="ctr">
+                      <a:solidFill>
+                        <a:srgbClr val="000000"/>
+                      </a:solidFill>
+                      <a:prstDash val="solid"/>
+                      <a:round/>
+                      <a:headEnd type="none" w="med" len="med"/>
+                      <a:tailEnd type="none" w="med" len="med"/>
+                    </a:lnL>
+                    <a:lnR w="9525" cap="flat" cmpd="sng" algn="ctr">
+                      <a:solidFill>
+                        <a:srgbClr val="000000"/>
+                      </a:solidFill>
+                      <a:prstDash val="solid"/>
+                      <a:round/>
+                      <a:headEnd type="none" w="med" len="med"/>
+                      <a:tailEnd type="none" w="med" len="med"/>
+                    </a:lnR>
+                    <a:lnT w="9525" cap="flat" cmpd="sng" algn="ctr">
+                      <a:solidFill>
+                        <a:srgbClr val="000000"/>
+                      </a:solidFill>
+                      <a:prstDash val="solid"/>
+                      <a:round/>
+                      <a:headEnd type="none" w="med" len="med"/>
+                      <a:tailEnd type="none" w="med" len="med"/>
+                    </a:lnT>
+                    <a:lnB w="9525" cap="flat" cmpd="sng" algn="ctr">
+                      <a:solidFill>
+                        <a:srgbClr val="000000"/>
+                      </a:solidFill>
+                      <a:prstDash val="solid"/>
+                      <a:round/>
+                      <a:headEnd type="none" w="med" len="med"/>
+                      <a:tailEnd type="none" w="med" len="med"/>
+                    </a:lnB>
+                  </a:tcPr>
+                </a:tc>
+                <a:tc>
+                  <a:txBody>
+                    <a:bodyPr/>
+                    <a:lstStyle/>
+                    <a:p>
+                      <a:endParaRPr lang="en-US" dirty="0">
+                        <a:solidFill>
+                          <a:schemeClr val="bg1"/>
+                        </a:solidFill>
+                      </a:endParaRPr>
+                    </a:p>
+                  </a:txBody>
+                  <a:tcPr marL="66675" marR="66675" marT="19050" marB="19050" anchor="ctr">
+                    <a:lnL w="9525" cap="flat" cmpd="sng" algn="ctr">
+                      <a:solidFill>
+                        <a:srgbClr val="000000"/>
+                      </a:solidFill>
+                      <a:prstDash val="solid"/>
+                      <a:round/>
+                      <a:headEnd type="none" w="med" len="med"/>
+                      <a:tailEnd type="none" w="med" len="med"/>
+                    </a:lnL>
+                    <a:lnR w="9525" cap="flat" cmpd="sng" algn="ctr">
+                      <a:solidFill>
+                        <a:srgbClr val="000000"/>
+                      </a:solidFill>
+                      <a:prstDash val="solid"/>
+                      <a:round/>
+                      <a:headEnd type="none" w="med" len="med"/>
+                      <a:tailEnd type="none" w="med" len="med"/>
+                    </a:lnR>
+                    <a:lnT w="9525" cap="flat" cmpd="sng" algn="ctr">
+                      <a:solidFill>
+                        <a:srgbClr val="000000"/>
+                      </a:solidFill>
+                      <a:prstDash val="solid"/>
+                      <a:round/>
+                      <a:headEnd type="none" w="med" len="med"/>
+                      <a:tailEnd type="none" w="med" len="med"/>
+                    </a:lnT>
+                    <a:lnB w="9525" cap="flat" cmpd="sng" algn="ctr">
+                      <a:solidFill>
+                        <a:srgbClr val="000000"/>
+                      </a:solidFill>
+                      <a:prstDash val="solid"/>
+                      <a:round/>
+                      <a:headEnd type="none" w="med" len="med"/>
+                      <a:tailEnd type="none" w="med" len="med"/>
+                    </a:lnB>
+                    <a:solidFill>
+                      <a:schemeClr val="bg1"/>
+                    </a:solidFill>
+                  </a:tcPr>
+                </a:tc>
+                <a:tc>
+                  <a:txBody>
+                    <a:bodyPr/>
+                    <a:lstStyle/>
+                    <a:p>
+                      <a:pPr fontAlgn="ctr"/>
+                      <a:r>
+                        <a:rPr lang="en-US" dirty="0">
+                          <a:solidFill>
+                            <a:schemeClr val="bg1"/>
+                          </a:solidFill>
+                          <a:effectLst/>
+                        </a:rPr>
+                        <a:t> </a:t>
+                      </a:r>
+                    </a:p>
+                  </a:txBody>
+                  <a:tcPr marL="66675" marR="66675" marT="19050" marB="19050" anchor="ctr">
+                    <a:lnL w="9525" cap="flat" cmpd="sng" algn="ctr">
+                      <a:solidFill>
+                        <a:srgbClr val="000000"/>
+                      </a:solidFill>
+                      <a:prstDash val="solid"/>
+                      <a:round/>
+                      <a:headEnd type="none" w="med" len="med"/>
+                      <a:tailEnd type="none" w="med" len="med"/>
+                    </a:lnL>
+                    <a:lnR w="9525" cap="flat" cmpd="sng" algn="ctr">
+                      <a:solidFill>
+                        <a:srgbClr val="000000"/>
+                      </a:solidFill>
+                      <a:prstDash val="solid"/>
+                      <a:round/>
+                      <a:headEnd type="none" w="med" len="med"/>
+                      <a:tailEnd type="none" w="med" len="med"/>
+                    </a:lnR>
+                    <a:lnT w="9525" cap="flat" cmpd="sng" algn="ctr">
+                      <a:solidFill>
+                        <a:srgbClr val="000000"/>
+                      </a:solidFill>
+                      <a:prstDash val="solid"/>
+                      <a:round/>
+                      <a:headEnd type="none" w="med" len="med"/>
+                      <a:tailEnd type="none" w="med" len="med"/>
+                    </a:lnT>
+                    <a:lnB w="9525" cap="flat" cmpd="sng" algn="ctr">
+                      <a:solidFill>
+                        <a:srgbClr val="000000"/>
+                      </a:solidFill>
+                      <a:prstDash val="solid"/>
+                      <a:round/>
+                      <a:headEnd type="none" w="med" len="med"/>
+                      <a:tailEnd type="none" w="med" len="med"/>
+                    </a:lnB>
+                    <a:solidFill>
+                      <a:schemeClr val="bg1"/>
+                    </a:solidFill>
+                  </a:tcPr>
+                </a:tc>
+                <a:tc>
+                  <a:txBody>
+                    <a:bodyPr/>
+                    <a:lstStyle/>
+                    <a:p>
+                      <a:pPr fontAlgn="ctr"/>
+                      <a:r>
+                        <a:rPr lang="en-US" dirty="0">
+                          <a:effectLst/>
+                        </a:rPr>
+                        <a:t> </a:t>
+                      </a:r>
+                    </a:p>
+                  </a:txBody>
+                  <a:tcPr marL="66675" marR="66675" marT="19050" marB="19050" anchor="ctr">
+                    <a:lnL w="9525" cap="flat" cmpd="sng" algn="ctr">
+                      <a:solidFill>
+                        <a:srgbClr val="000000"/>
+                      </a:solidFill>
+                      <a:prstDash val="solid"/>
+                      <a:round/>
+                      <a:headEnd type="none" w="med" len="med"/>
+                      <a:tailEnd type="none" w="med" len="med"/>
+                    </a:lnL>
+                    <a:lnR w="9525" cap="flat" cmpd="sng" algn="ctr">
+                      <a:solidFill>
+                        <a:srgbClr val="000000"/>
+                      </a:solidFill>
+                      <a:prstDash val="solid"/>
+                      <a:round/>
+                      <a:headEnd type="none" w="med" len="med"/>
+                      <a:tailEnd type="none" w="med" len="med"/>
+                    </a:lnR>
+                    <a:lnT w="9525" cap="flat" cmpd="sng" algn="ctr">
+                      <a:solidFill>
+                        <a:srgbClr val="000000"/>
+                      </a:solidFill>
+                      <a:prstDash val="solid"/>
+                      <a:round/>
+                      <a:headEnd type="none" w="med" len="med"/>
+                      <a:tailEnd type="none" w="med" len="med"/>
+                    </a:lnT>
+                    <a:lnB w="9525" cap="flat" cmpd="sng" algn="ctr">
+                      <a:solidFill>
+                        <a:srgbClr val="000000"/>
+                      </a:solidFill>
+                      <a:prstDash val="solid"/>
+                      <a:round/>
+                      <a:headEnd type="none" w="med" len="med"/>
+                      <a:tailEnd type="none" w="med" len="med"/>
+                    </a:lnB>
+                    <a:solidFill>
+                      <a:srgbClr val="22578B"/>
+                    </a:solidFill>
+                  </a:tcPr>
+                </a:tc>
+                <a:tc>
+                  <a:txBody>
+                    <a:bodyPr/>
+                    <a:lstStyle/>
+                    <a:p>
+                      <a:pPr fontAlgn="ctr"/>
+                      <a:r>
+                        <a:rPr lang="en-US" dirty="0">
+                          <a:effectLst/>
+                        </a:rPr>
+                        <a:t> </a:t>
+                      </a:r>
+                    </a:p>
+                  </a:txBody>
+                  <a:tcPr marL="66675" marR="66675" marT="19050" marB="19050" anchor="ctr">
+                    <a:lnL w="9525" cap="flat" cmpd="sng" algn="ctr">
+                      <a:solidFill>
+                        <a:srgbClr val="000000"/>
+                      </a:solidFill>
+                      <a:prstDash val="solid"/>
+                      <a:round/>
+                      <a:headEnd type="none" w="med" len="med"/>
+                      <a:tailEnd type="none" w="med" len="med"/>
+                    </a:lnL>
+                    <a:lnR w="9525" cap="flat" cmpd="sng" algn="ctr">
+                      <a:solidFill>
+                        <a:srgbClr val="000000"/>
+                      </a:solidFill>
+                      <a:prstDash val="solid"/>
+                      <a:round/>
+                      <a:headEnd type="none" w="med" len="med"/>
+                      <a:tailEnd type="none" w="med" len="med"/>
+                    </a:lnR>
+                    <a:lnT w="9525" cap="flat" cmpd="sng" algn="ctr">
+                      <a:solidFill>
+                        <a:srgbClr val="000000"/>
+                      </a:solidFill>
+                      <a:prstDash val="solid"/>
+                      <a:round/>
+                      <a:headEnd type="none" w="med" len="med"/>
+                      <a:tailEnd type="none" w="med" len="med"/>
+                    </a:lnT>
+                    <a:lnB w="9525" cap="flat" cmpd="sng" algn="ctr">
+                      <a:solidFill>
+                        <a:srgbClr val="000000"/>
+                      </a:solidFill>
+                      <a:prstDash val="solid"/>
+                      <a:round/>
+                      <a:headEnd type="none" w="med" len="med"/>
+                      <a:tailEnd type="none" w="med" len="med"/>
+                    </a:lnB>
+                    <a:solidFill>
+                      <a:srgbClr val="22578B"/>
+                    </a:solidFill>
+                  </a:tcPr>
+                </a:tc>
+                <a:tc>
+                  <a:txBody>
+                    <a:bodyPr/>
+                    <a:lstStyle/>
+                    <a:p>
+                      <a:pPr fontAlgn="ctr"/>
+                      <a:r>
+                        <a:rPr lang="en-US">
+                          <a:effectLst/>
+                        </a:rPr>
+                        <a:t> </a:t>
+                      </a:r>
+                    </a:p>
+                  </a:txBody>
+                  <a:tcPr marL="66675" marR="66675" marT="19050" marB="19050" anchor="ctr">
+                    <a:lnL w="9525" cap="flat" cmpd="sng" algn="ctr">
+                      <a:solidFill>
+                        <a:srgbClr val="000000"/>
+                      </a:solidFill>
+                      <a:prstDash val="solid"/>
+                      <a:round/>
+                      <a:headEnd type="none" w="med" len="med"/>
+                      <a:tailEnd type="none" w="med" len="med"/>
+                    </a:lnL>
+                    <a:lnR w="9525" cap="flat" cmpd="sng" algn="ctr">
+                      <a:solidFill>
+                        <a:srgbClr val="000000"/>
+                      </a:solidFill>
+                      <a:prstDash val="solid"/>
+                      <a:round/>
+                      <a:headEnd type="none" w="med" len="med"/>
+                      <a:tailEnd type="none" w="med" len="med"/>
+                    </a:lnR>
+                    <a:lnT w="9525" cap="flat" cmpd="sng" algn="ctr">
+                      <a:solidFill>
+                        <a:srgbClr val="000000"/>
+                      </a:solidFill>
+                      <a:prstDash val="solid"/>
+                      <a:round/>
+                      <a:headEnd type="none" w="med" len="med"/>
+                      <a:tailEnd type="none" w="med" len="med"/>
+                    </a:lnT>
+                    <a:lnB w="9525" cap="flat" cmpd="sng" algn="ctr">
+                      <a:solidFill>
+                        <a:srgbClr val="000000"/>
+                      </a:solidFill>
+                      <a:prstDash val="solid"/>
+                      <a:round/>
+                      <a:headEnd type="none" w="med" len="med"/>
+                      <a:tailEnd type="none" w="med" len="med"/>
+                    </a:lnB>
+                    <a:solidFill>
+                      <a:srgbClr val="FFFFFF"/>
+                    </a:solidFill>
+                  </a:tcPr>
+                </a:tc>
+                <a:tc>
+                  <a:txBody>
+                    <a:bodyPr/>
+                    <a:lstStyle/>
+                    <a:p>
+                      <a:pPr fontAlgn="ctr"/>
+                      <a:r>
+                        <a:rPr lang="en-US">
+                          <a:effectLst/>
+                        </a:rPr>
+                        <a:t> </a:t>
+                      </a:r>
+                    </a:p>
+                  </a:txBody>
+                  <a:tcPr marL="66675" marR="66675" marT="19050" marB="19050" anchor="ctr">
+                    <a:lnL w="9525" cap="flat" cmpd="sng" algn="ctr">
+                      <a:solidFill>
+                        <a:srgbClr val="000000"/>
+                      </a:solidFill>
+                      <a:prstDash val="solid"/>
+                      <a:round/>
+                      <a:headEnd type="none" w="med" len="med"/>
+                      <a:tailEnd type="none" w="med" len="med"/>
+                    </a:lnL>
+                    <a:lnR w="9525" cap="flat" cmpd="sng" algn="ctr">
+                      <a:solidFill>
+                        <a:srgbClr val="000000"/>
+                      </a:solidFill>
+                      <a:prstDash val="solid"/>
+                      <a:round/>
+                      <a:headEnd type="none" w="med" len="med"/>
+                      <a:tailEnd type="none" w="med" len="med"/>
+                    </a:lnR>
+                    <a:lnT w="9525" cap="flat" cmpd="sng" algn="ctr">
+                      <a:solidFill>
+                        <a:srgbClr val="000000"/>
+                      </a:solidFill>
+                      <a:prstDash val="solid"/>
+                      <a:round/>
+                      <a:headEnd type="none" w="med" len="med"/>
+                      <a:tailEnd type="none" w="med" len="med"/>
+                    </a:lnT>
+                    <a:lnB w="9525" cap="flat" cmpd="sng" algn="ctr">
+                      <a:solidFill>
+                        <a:srgbClr val="000000"/>
+                      </a:solidFill>
+                      <a:prstDash val="solid"/>
+                      <a:round/>
+                      <a:headEnd type="none" w="med" len="med"/>
+                      <a:tailEnd type="none" w="med" len="med"/>
+                    </a:lnB>
+                    <a:solidFill>
+                      <a:srgbClr val="FFFFFF"/>
+                    </a:solidFill>
+                  </a:tcPr>
+                </a:tc>
+                <a:tc>
+                  <a:txBody>
+                    <a:bodyPr/>
+                    <a:lstStyle/>
+                    <a:p>
+                      <a:pPr fontAlgn="ctr"/>
+                      <a:r>
+                        <a:rPr lang="en-US">
+                          <a:effectLst/>
+                        </a:rPr>
+                        <a:t> </a:t>
+                      </a:r>
+                    </a:p>
+                  </a:txBody>
+                  <a:tcPr marL="66675" marR="66675" marT="19050" marB="19050" anchor="ctr">
+                    <a:lnL w="9525" cap="flat" cmpd="sng" algn="ctr">
+                      <a:solidFill>
+                        <a:srgbClr val="000000"/>
+                      </a:solidFill>
+                      <a:prstDash val="solid"/>
+                      <a:round/>
+                      <a:headEnd type="none" w="med" len="med"/>
+                      <a:tailEnd type="none" w="med" len="med"/>
+                    </a:lnL>
+                    <a:lnR w="9525" cap="flat" cmpd="sng" algn="ctr">
+                      <a:solidFill>
+                        <a:srgbClr val="000000"/>
+                      </a:solidFill>
+                      <a:prstDash val="solid"/>
+                      <a:round/>
+                      <a:headEnd type="none" w="med" len="med"/>
+                      <a:tailEnd type="none" w="med" len="med"/>
+                    </a:lnR>
+                    <a:lnT w="9525" cap="flat" cmpd="sng" algn="ctr">
+                      <a:solidFill>
+                        <a:srgbClr val="000000"/>
+                      </a:solidFill>
+                      <a:prstDash val="solid"/>
+                      <a:round/>
+                      <a:headEnd type="none" w="med" len="med"/>
+                      <a:tailEnd type="none" w="med" len="med"/>
+                    </a:lnT>
+                    <a:lnB w="9525" cap="flat" cmpd="sng" algn="ctr">
+                      <a:solidFill>
+                        <a:srgbClr val="000000"/>
+                      </a:solidFill>
+                      <a:prstDash val="solid"/>
+                      <a:round/>
+                      <a:headEnd type="none" w="med" len="med"/>
+                      <a:tailEnd type="none" w="med" len="med"/>
+                    </a:lnB>
+                    <a:solidFill>
+                      <a:srgbClr val="FFFFFF"/>
+                    </a:solidFill>
+                  </a:tcPr>
+                </a:tc>
+                <a:tc>
+                  <a:txBody>
+                    <a:bodyPr/>
+                    <a:lstStyle/>
+                    <a:p>
+                      <a:pPr fontAlgn="ctr"/>
+                      <a:r>
+                        <a:rPr lang="en-US">
+                          <a:effectLst/>
+                        </a:rPr>
+                        <a:t> </a:t>
+                      </a:r>
+                    </a:p>
+                  </a:txBody>
+                  <a:tcPr marL="66675" marR="66675" marT="19050" marB="19050" anchor="ctr">
+                    <a:lnL w="9525" cap="flat" cmpd="sng" algn="ctr">
+                      <a:solidFill>
+                        <a:srgbClr val="000000"/>
+                      </a:solidFill>
+                      <a:prstDash val="solid"/>
+                      <a:round/>
+                      <a:headEnd type="none" w="med" len="med"/>
+                      <a:tailEnd type="none" w="med" len="med"/>
+                    </a:lnL>
+                    <a:lnR w="9525" cap="flat" cmpd="sng" algn="ctr">
+                      <a:solidFill>
+                        <a:srgbClr val="000000"/>
+                      </a:solidFill>
+                      <a:prstDash val="solid"/>
+                      <a:round/>
+                      <a:headEnd type="none" w="med" len="med"/>
+                      <a:tailEnd type="none" w="med" len="med"/>
+                    </a:lnR>
+                    <a:lnT w="9525" cap="flat" cmpd="sng" algn="ctr">
+                      <a:solidFill>
+                        <a:srgbClr val="000000"/>
+                      </a:solidFill>
+                      <a:prstDash val="solid"/>
+                      <a:round/>
+                      <a:headEnd type="none" w="med" len="med"/>
+                      <a:tailEnd type="none" w="med" len="med"/>
+                    </a:lnT>
+                    <a:lnB w="9525" cap="flat" cmpd="sng" algn="ctr">
+                      <a:solidFill>
+                        <a:srgbClr val="000000"/>
+                      </a:solidFill>
+                      <a:prstDash val="solid"/>
+                      <a:round/>
+                      <a:headEnd type="none" w="med" len="med"/>
+                      <a:tailEnd type="none" w="med" len="med"/>
+                    </a:lnB>
+                    <a:solidFill>
+                      <a:srgbClr val="FFFFFF"/>
+                    </a:solidFill>
+                  </a:tcPr>
+                </a:tc>
+                <a:extLst>
+                  <a:ext uri="{0D108BD9-81ED-4DB2-BD59-A6C34878D82A}">
+                    <a16:rowId xmlns:a16="http://schemas.microsoft.com/office/drawing/2014/main" val="1458988999"/>
+                  </a:ext>
+                </a:extLst>
+              </a:tr>
+              <a:tr h="180975">
+                <a:tc>
+                  <a:txBody>
+                    <a:bodyPr/>
+                    <a:lstStyle/>
+                    <a:p>
+                      <a:pPr rtl="0" fontAlgn="ctr">
+                        <a:spcBef>
+                          <a:spcPts val="0"/>
+                        </a:spcBef>
+                        <a:spcAft>
+                          <a:spcPts val="0"/>
+                        </a:spcAft>
+                      </a:pPr>
+                      <a:r>
+                        <a:rPr lang="en-US" sz="1800" b="0" i="0" u="none" strike="noStrike" dirty="0">
+                          <a:solidFill>
+                            <a:srgbClr val="000000"/>
+                          </a:solidFill>
+                          <a:effectLst/>
+                          <a:latin typeface="Calibri" panose="020F0502020204030204" pitchFamily="34" charset="0"/>
+                        </a:rPr>
+                        <a:t>Add database so that the data can be stored in a file</a:t>
+                      </a:r>
+                      <a:endParaRPr lang="en-US" dirty="0">
+                        <a:effectLst/>
+                      </a:endParaRPr>
+                    </a:p>
+                  </a:txBody>
+                  <a:tcPr marL="66675" marR="66675" marT="19050" marB="19050" anchor="ctr">
+                    <a:lnL w="9525" cap="flat" cmpd="sng" algn="ctr">
+                      <a:solidFill>
+                        <a:srgbClr val="000000"/>
+                      </a:solidFill>
+                      <a:prstDash val="solid"/>
+                      <a:round/>
+                      <a:headEnd type="none" w="med" len="med"/>
+                      <a:tailEnd type="none" w="med" len="med"/>
+                    </a:lnL>
+                    <a:lnR w="9525" cap="flat" cmpd="sng" algn="ctr">
+                      <a:solidFill>
+                        <a:srgbClr val="000000"/>
+                      </a:solidFill>
+                      <a:prstDash val="solid"/>
+                      <a:round/>
+                      <a:headEnd type="none" w="med" len="med"/>
+                      <a:tailEnd type="none" w="med" len="med"/>
+                    </a:lnR>
+                    <a:lnT w="9525" cap="flat" cmpd="sng" algn="ctr">
+                      <a:solidFill>
+                        <a:srgbClr val="000000"/>
+                      </a:solidFill>
+                      <a:prstDash val="solid"/>
+                      <a:round/>
+                      <a:headEnd type="none" w="med" len="med"/>
+                      <a:tailEnd type="none" w="med" len="med"/>
+                    </a:lnT>
+                    <a:lnB w="9525" cap="flat" cmpd="sng" algn="ctr">
+                      <a:solidFill>
+                        <a:srgbClr val="000000"/>
+                      </a:solidFill>
+                      <a:prstDash val="solid"/>
+                      <a:round/>
+                      <a:headEnd type="none" w="med" len="med"/>
+                      <a:tailEnd type="none" w="med" len="med"/>
+                    </a:lnB>
+                  </a:tcPr>
+                </a:tc>
+                <a:tc>
+                  <a:txBody>
+                    <a:bodyPr/>
+                    <a:lstStyle/>
+                    <a:p>
+                      <a:pPr fontAlgn="ctr"/>
+                      <a:r>
+                        <a:rPr lang="en-US">
+                          <a:solidFill>
+                            <a:schemeClr val="bg1"/>
+                          </a:solidFill>
+                          <a:effectLst/>
+                        </a:rPr>
+                        <a:t> </a:t>
+                      </a:r>
+                    </a:p>
+                  </a:txBody>
+                  <a:tcPr marL="66675" marR="66675" marT="19050" marB="19050" anchor="ctr">
+                    <a:lnL w="9525" cap="flat" cmpd="sng" algn="ctr">
+                      <a:solidFill>
+                        <a:srgbClr val="000000"/>
+                      </a:solidFill>
+                      <a:prstDash val="solid"/>
+                      <a:round/>
+                      <a:headEnd type="none" w="med" len="med"/>
+                      <a:tailEnd type="none" w="med" len="med"/>
+                    </a:lnL>
+                    <a:lnR w="9525" cap="flat" cmpd="sng" algn="ctr">
+                      <a:solidFill>
+                        <a:srgbClr val="000000"/>
+                      </a:solidFill>
+                      <a:prstDash val="solid"/>
+                      <a:round/>
+                      <a:headEnd type="none" w="med" len="med"/>
+                      <a:tailEnd type="none" w="med" len="med"/>
+                    </a:lnR>
+                    <a:lnT w="9525" cap="flat" cmpd="sng" algn="ctr">
+                      <a:solidFill>
+                        <a:srgbClr val="000000"/>
+                      </a:solidFill>
+                      <a:prstDash val="solid"/>
+                      <a:round/>
+                      <a:headEnd type="none" w="med" len="med"/>
+                      <a:tailEnd type="none" w="med" len="med"/>
+                    </a:lnT>
+                    <a:lnB w="9525" cap="flat" cmpd="sng" algn="ctr">
+                      <a:solidFill>
+                        <a:srgbClr val="000000"/>
+                      </a:solidFill>
+                      <a:prstDash val="solid"/>
+                      <a:round/>
+                      <a:headEnd type="none" w="med" len="med"/>
+                      <a:tailEnd type="none" w="med" len="med"/>
+                    </a:lnB>
+                    <a:solidFill>
+                      <a:schemeClr val="bg1"/>
+                    </a:solidFill>
+                  </a:tcPr>
+                </a:tc>
+                <a:tc>
+                  <a:txBody>
+                    <a:bodyPr/>
+                    <a:lstStyle/>
+                    <a:p>
+                      <a:pPr fontAlgn="ctr"/>
+                      <a:r>
+                        <a:rPr lang="en-US" dirty="0">
+                          <a:solidFill>
+                            <a:schemeClr val="bg1"/>
+                          </a:solidFill>
+                          <a:effectLst/>
+                        </a:rPr>
+                        <a:t> </a:t>
+                      </a:r>
+                    </a:p>
+                  </a:txBody>
+                  <a:tcPr marL="66675" marR="66675" marT="19050" marB="19050" anchor="ctr">
+                    <a:lnL w="9525" cap="flat" cmpd="sng" algn="ctr">
+                      <a:solidFill>
+                        <a:srgbClr val="000000"/>
+                      </a:solidFill>
+                      <a:prstDash val="solid"/>
+                      <a:round/>
+                      <a:headEnd type="none" w="med" len="med"/>
+                      <a:tailEnd type="none" w="med" len="med"/>
+                    </a:lnL>
+                    <a:lnR w="9525" cap="flat" cmpd="sng" algn="ctr">
+                      <a:solidFill>
+                        <a:srgbClr val="000000"/>
+                      </a:solidFill>
+                      <a:prstDash val="solid"/>
+                      <a:round/>
+                      <a:headEnd type="none" w="med" len="med"/>
+                      <a:tailEnd type="none" w="med" len="med"/>
+                    </a:lnR>
+                    <a:lnT w="9525" cap="flat" cmpd="sng" algn="ctr">
+                      <a:solidFill>
+                        <a:srgbClr val="000000"/>
+                      </a:solidFill>
+                      <a:prstDash val="solid"/>
+                      <a:round/>
+                      <a:headEnd type="none" w="med" len="med"/>
+                      <a:tailEnd type="none" w="med" len="med"/>
+                    </a:lnT>
+                    <a:lnB w="9525" cap="flat" cmpd="sng" algn="ctr">
+                      <a:solidFill>
+                        <a:srgbClr val="000000"/>
+                      </a:solidFill>
+                      <a:prstDash val="solid"/>
+                      <a:round/>
+                      <a:headEnd type="none" w="med" len="med"/>
+                      <a:tailEnd type="none" w="med" len="med"/>
+                    </a:lnB>
+                    <a:solidFill>
+                      <a:schemeClr val="bg1"/>
+                    </a:solidFill>
+                  </a:tcPr>
+                </a:tc>
+                <a:tc>
+                  <a:txBody>
+                    <a:bodyPr/>
+                    <a:lstStyle/>
+                    <a:p>
+                      <a:pPr fontAlgn="ctr"/>
+                      <a:r>
+                        <a:rPr lang="en-US" dirty="0">
+                          <a:effectLst/>
+                        </a:rPr>
+                        <a:t> </a:t>
+                      </a:r>
+                    </a:p>
+                  </a:txBody>
+                  <a:tcPr marL="66675" marR="66675" marT="19050" marB="19050" anchor="ctr">
+                    <a:lnL w="9525" cap="flat" cmpd="sng" algn="ctr">
+                      <a:solidFill>
+                        <a:srgbClr val="000000"/>
+                      </a:solidFill>
+                      <a:prstDash val="solid"/>
+                      <a:round/>
+                      <a:headEnd type="none" w="med" len="med"/>
+                      <a:tailEnd type="none" w="med" len="med"/>
+                    </a:lnL>
+                    <a:lnR w="9525" cap="flat" cmpd="sng" algn="ctr">
+                      <a:solidFill>
+                        <a:srgbClr val="000000"/>
+                      </a:solidFill>
+                      <a:prstDash val="solid"/>
+                      <a:round/>
+                      <a:headEnd type="none" w="med" len="med"/>
+                      <a:tailEnd type="none" w="med" len="med"/>
+                    </a:lnR>
+                    <a:lnT w="9525" cap="flat" cmpd="sng" algn="ctr">
+                      <a:solidFill>
+                        <a:srgbClr val="000000"/>
+                      </a:solidFill>
+                      <a:prstDash val="solid"/>
+                      <a:round/>
+                      <a:headEnd type="none" w="med" len="med"/>
+                      <a:tailEnd type="none" w="med" len="med"/>
+                    </a:lnT>
+                    <a:lnB w="9525" cap="flat" cmpd="sng" algn="ctr">
+                      <a:solidFill>
+                        <a:srgbClr val="000000"/>
+                      </a:solidFill>
+                      <a:prstDash val="solid"/>
+                      <a:round/>
+                      <a:headEnd type="none" w="med" len="med"/>
+                      <a:tailEnd type="none" w="med" len="med"/>
+                    </a:lnB>
+                    <a:solidFill>
+                      <a:srgbClr val="FFFFFF"/>
+                    </a:solidFill>
+                  </a:tcPr>
+                </a:tc>
+                <a:tc>
+                  <a:txBody>
+                    <a:bodyPr/>
+                    <a:lstStyle/>
+                    <a:p>
+                      <a:pPr fontAlgn="ctr"/>
+                      <a:r>
+                        <a:rPr lang="en-US" dirty="0">
+                          <a:effectLst/>
+                        </a:rPr>
+                        <a:t> </a:t>
+                      </a:r>
+                    </a:p>
+                  </a:txBody>
+                  <a:tcPr marL="66675" marR="66675" marT="19050" marB="19050" anchor="ctr">
+                    <a:lnL w="9525" cap="flat" cmpd="sng" algn="ctr">
+                      <a:solidFill>
+                        <a:srgbClr val="000000"/>
+                      </a:solidFill>
+                      <a:prstDash val="solid"/>
+                      <a:round/>
+                      <a:headEnd type="none" w="med" len="med"/>
+                      <a:tailEnd type="none" w="med" len="med"/>
+                    </a:lnL>
+                    <a:lnR w="9525" cap="flat" cmpd="sng" algn="ctr">
+                      <a:solidFill>
+                        <a:srgbClr val="000000"/>
+                      </a:solidFill>
+                      <a:prstDash val="solid"/>
+                      <a:round/>
+                      <a:headEnd type="none" w="med" len="med"/>
+                      <a:tailEnd type="none" w="med" len="med"/>
+                    </a:lnR>
+                    <a:lnT w="9525" cap="flat" cmpd="sng" algn="ctr">
+                      <a:solidFill>
+                        <a:srgbClr val="000000"/>
+                      </a:solidFill>
+                      <a:prstDash val="solid"/>
+                      <a:round/>
+                      <a:headEnd type="none" w="med" len="med"/>
+                      <a:tailEnd type="none" w="med" len="med"/>
+                    </a:lnT>
+                    <a:lnB w="9525" cap="flat" cmpd="sng" algn="ctr">
+                      <a:solidFill>
+                        <a:srgbClr val="000000"/>
+                      </a:solidFill>
+                      <a:prstDash val="solid"/>
+                      <a:round/>
+                      <a:headEnd type="none" w="med" len="med"/>
+                      <a:tailEnd type="none" w="med" len="med"/>
+                    </a:lnB>
+                    <a:solidFill>
+                      <a:srgbClr val="22578B"/>
+                    </a:solidFill>
+                  </a:tcPr>
+                </a:tc>
+                <a:tc>
+                  <a:txBody>
+                    <a:bodyPr/>
+                    <a:lstStyle/>
+                    <a:p>
+                      <a:pPr fontAlgn="ctr"/>
+                      <a:r>
+                        <a:rPr lang="en-US" dirty="0">
+                          <a:effectLst/>
+                        </a:rPr>
+                        <a:t> </a:t>
+                      </a:r>
+                    </a:p>
+                  </a:txBody>
+                  <a:tcPr marL="66675" marR="66675" marT="19050" marB="19050" anchor="ctr">
+                    <a:lnL w="9525" cap="flat" cmpd="sng" algn="ctr">
+                      <a:solidFill>
+                        <a:srgbClr val="000000"/>
+                      </a:solidFill>
+                      <a:prstDash val="solid"/>
+                      <a:round/>
+                      <a:headEnd type="none" w="med" len="med"/>
+                      <a:tailEnd type="none" w="med" len="med"/>
+                    </a:lnL>
+                    <a:lnR w="9525" cap="flat" cmpd="sng" algn="ctr">
+                      <a:solidFill>
+                        <a:srgbClr val="000000"/>
+                      </a:solidFill>
+                      <a:prstDash val="solid"/>
+                      <a:round/>
+                      <a:headEnd type="none" w="med" len="med"/>
+                      <a:tailEnd type="none" w="med" len="med"/>
+                    </a:lnR>
+                    <a:lnT w="9525" cap="flat" cmpd="sng" algn="ctr">
+                      <a:solidFill>
+                        <a:srgbClr val="000000"/>
+                      </a:solidFill>
+                      <a:prstDash val="solid"/>
+                      <a:round/>
+                      <a:headEnd type="none" w="med" len="med"/>
+                      <a:tailEnd type="none" w="med" len="med"/>
+                    </a:lnT>
+                    <a:lnB w="9525" cap="flat" cmpd="sng" algn="ctr">
+                      <a:solidFill>
+                        <a:srgbClr val="000000"/>
+                      </a:solidFill>
+                      <a:prstDash val="solid"/>
+                      <a:round/>
+                      <a:headEnd type="none" w="med" len="med"/>
+                      <a:tailEnd type="none" w="med" len="med"/>
+                    </a:lnB>
+                    <a:solidFill>
+                      <a:srgbClr val="22578B"/>
+                    </a:solidFill>
+                  </a:tcPr>
+                </a:tc>
+                <a:tc>
+                  <a:txBody>
+                    <a:bodyPr/>
+                    <a:lstStyle/>
+                    <a:p>
+                      <a:pPr fontAlgn="ctr"/>
+                      <a:r>
+                        <a:rPr lang="en-US">
+                          <a:effectLst/>
+                        </a:rPr>
+                        <a:t> </a:t>
+                      </a:r>
+                    </a:p>
+                  </a:txBody>
+                  <a:tcPr marL="66675" marR="66675" marT="19050" marB="19050" anchor="ctr">
+                    <a:lnL w="9525" cap="flat" cmpd="sng" algn="ctr">
+                      <a:solidFill>
+                        <a:srgbClr val="000000"/>
+                      </a:solidFill>
+                      <a:prstDash val="solid"/>
+                      <a:round/>
+                      <a:headEnd type="none" w="med" len="med"/>
+                      <a:tailEnd type="none" w="med" len="med"/>
+                    </a:lnL>
+                    <a:lnR w="9525" cap="flat" cmpd="sng" algn="ctr">
+                      <a:solidFill>
+                        <a:srgbClr val="000000"/>
+                      </a:solidFill>
+                      <a:prstDash val="solid"/>
+                      <a:round/>
+                      <a:headEnd type="none" w="med" len="med"/>
+                      <a:tailEnd type="none" w="med" len="med"/>
+                    </a:lnR>
+                    <a:lnT w="9525" cap="flat" cmpd="sng" algn="ctr">
+                      <a:solidFill>
+                        <a:srgbClr val="000000"/>
+                      </a:solidFill>
+                      <a:prstDash val="solid"/>
+                      <a:round/>
+                      <a:headEnd type="none" w="med" len="med"/>
+                      <a:tailEnd type="none" w="med" len="med"/>
+                    </a:lnT>
+                    <a:lnB w="9525" cap="flat" cmpd="sng" algn="ctr">
+                      <a:solidFill>
+                        <a:srgbClr val="000000"/>
+                      </a:solidFill>
+                      <a:prstDash val="solid"/>
+                      <a:round/>
+                      <a:headEnd type="none" w="med" len="med"/>
+                      <a:tailEnd type="none" w="med" len="med"/>
+                    </a:lnB>
+                    <a:solidFill>
+                      <a:srgbClr val="FFFFFF"/>
+                    </a:solidFill>
+                  </a:tcPr>
+                </a:tc>
+                <a:tc>
+                  <a:txBody>
+                    <a:bodyPr/>
+                    <a:lstStyle/>
+                    <a:p>
+                      <a:pPr fontAlgn="ctr"/>
+                      <a:r>
+                        <a:rPr lang="en-US">
+                          <a:effectLst/>
+                        </a:rPr>
+                        <a:t> </a:t>
+                      </a:r>
+                    </a:p>
+                  </a:txBody>
+                  <a:tcPr marL="66675" marR="66675" marT="19050" marB="19050" anchor="ctr">
+                    <a:lnL w="9525" cap="flat" cmpd="sng" algn="ctr">
+                      <a:solidFill>
+                        <a:srgbClr val="000000"/>
+                      </a:solidFill>
+                      <a:prstDash val="solid"/>
+                      <a:round/>
+                      <a:headEnd type="none" w="med" len="med"/>
+                      <a:tailEnd type="none" w="med" len="med"/>
+                    </a:lnL>
+                    <a:lnR w="9525" cap="flat" cmpd="sng" algn="ctr">
+                      <a:solidFill>
+                        <a:srgbClr val="000000"/>
+                      </a:solidFill>
+                      <a:prstDash val="solid"/>
+                      <a:round/>
+                      <a:headEnd type="none" w="med" len="med"/>
+                      <a:tailEnd type="none" w="med" len="med"/>
+                    </a:lnR>
+                    <a:lnT w="9525" cap="flat" cmpd="sng" algn="ctr">
+                      <a:solidFill>
+                        <a:srgbClr val="000000"/>
+                      </a:solidFill>
+                      <a:prstDash val="solid"/>
+                      <a:round/>
+                      <a:headEnd type="none" w="med" len="med"/>
+                      <a:tailEnd type="none" w="med" len="med"/>
+                    </a:lnT>
+                    <a:lnB w="9525" cap="flat" cmpd="sng" algn="ctr">
+                      <a:solidFill>
+                        <a:srgbClr val="000000"/>
+                      </a:solidFill>
+                      <a:prstDash val="solid"/>
+                      <a:round/>
+                      <a:headEnd type="none" w="med" len="med"/>
+                      <a:tailEnd type="none" w="med" len="med"/>
+                    </a:lnB>
+                    <a:solidFill>
+                      <a:srgbClr val="FFFFFF"/>
+                    </a:solidFill>
+                  </a:tcPr>
+                </a:tc>
+                <a:tc>
+                  <a:txBody>
+                    <a:bodyPr/>
+                    <a:lstStyle/>
+                    <a:p>
+                      <a:pPr fontAlgn="ctr"/>
+                      <a:r>
+                        <a:rPr lang="en-US">
+                          <a:effectLst/>
+                        </a:rPr>
+                        <a:t> </a:t>
+                      </a:r>
+                    </a:p>
+                  </a:txBody>
+                  <a:tcPr marL="66675" marR="66675" marT="19050" marB="19050" anchor="ctr">
+                    <a:lnL w="9525" cap="flat" cmpd="sng" algn="ctr">
+                      <a:solidFill>
+                        <a:srgbClr val="000000"/>
+                      </a:solidFill>
+                      <a:prstDash val="solid"/>
+                      <a:round/>
+                      <a:headEnd type="none" w="med" len="med"/>
+                      <a:tailEnd type="none" w="med" len="med"/>
+                    </a:lnL>
+                    <a:lnR w="9525" cap="flat" cmpd="sng" algn="ctr">
+                      <a:solidFill>
+                        <a:srgbClr val="000000"/>
+                      </a:solidFill>
+                      <a:prstDash val="solid"/>
+                      <a:round/>
+                      <a:headEnd type="none" w="med" len="med"/>
+                      <a:tailEnd type="none" w="med" len="med"/>
+                    </a:lnR>
+                    <a:lnT w="9525" cap="flat" cmpd="sng" algn="ctr">
+                      <a:solidFill>
+                        <a:srgbClr val="000000"/>
+                      </a:solidFill>
+                      <a:prstDash val="solid"/>
+                      <a:round/>
+                      <a:headEnd type="none" w="med" len="med"/>
+                      <a:tailEnd type="none" w="med" len="med"/>
+                    </a:lnT>
+                    <a:lnB w="9525" cap="flat" cmpd="sng" algn="ctr">
+                      <a:solidFill>
+                        <a:srgbClr val="000000"/>
+                      </a:solidFill>
+                      <a:prstDash val="solid"/>
+                      <a:round/>
+                      <a:headEnd type="none" w="med" len="med"/>
+                      <a:tailEnd type="none" w="med" len="med"/>
+                    </a:lnB>
+                    <a:solidFill>
+                      <a:srgbClr val="FFFFFF"/>
+                    </a:solidFill>
+                  </a:tcPr>
+                </a:tc>
+                <a:extLst>
+                  <a:ext uri="{0D108BD9-81ED-4DB2-BD59-A6C34878D82A}">
+                    <a16:rowId xmlns:a16="http://schemas.microsoft.com/office/drawing/2014/main" val="826895248"/>
+                  </a:ext>
+                </a:extLst>
+              </a:tr>
+              <a:tr h="180975">
+                <a:tc>
+                  <a:txBody>
+                    <a:bodyPr/>
+                    <a:lstStyle/>
+                    <a:p>
+                      <a:pPr rtl="0" fontAlgn="ctr">
+                        <a:spcBef>
+                          <a:spcPts val="0"/>
+                        </a:spcBef>
+                        <a:spcAft>
+                          <a:spcPts val="0"/>
+                        </a:spcAft>
+                      </a:pPr>
+                      <a:r>
+                        <a:rPr lang="en-US" sz="1800" b="0" i="0" u="none" strike="noStrike" dirty="0">
+                          <a:solidFill>
+                            <a:srgbClr val="000000"/>
+                          </a:solidFill>
+                          <a:effectLst/>
+                          <a:latin typeface="Calibri" panose="020F0502020204030204" pitchFamily="34" charset="0"/>
+                        </a:rPr>
+                        <a:t>Add cards feature in the terminal</a:t>
+                      </a:r>
+                    </a:p>
+                  </a:txBody>
+                  <a:tcPr marL="66675" marR="66675" marT="19050" marB="19050" anchor="ctr">
+                    <a:lnL w="9525" cap="flat" cmpd="sng" algn="ctr">
+                      <a:solidFill>
+                        <a:srgbClr val="000000"/>
+                      </a:solidFill>
+                      <a:prstDash val="solid"/>
+                      <a:round/>
+                      <a:headEnd type="none" w="med" len="med"/>
+                      <a:tailEnd type="none" w="med" len="med"/>
+                    </a:lnL>
+                    <a:lnR w="9525" cap="flat" cmpd="sng" algn="ctr">
+                      <a:solidFill>
+                        <a:srgbClr val="000000"/>
+                      </a:solidFill>
+                      <a:prstDash val="solid"/>
+                      <a:round/>
+                      <a:headEnd type="none" w="med" len="med"/>
+                      <a:tailEnd type="none" w="med" len="med"/>
+                    </a:lnR>
+                    <a:lnT w="9525" cap="flat" cmpd="sng" algn="ctr">
+                      <a:solidFill>
+                        <a:srgbClr val="000000"/>
+                      </a:solidFill>
+                      <a:prstDash val="solid"/>
+                      <a:round/>
+                      <a:headEnd type="none" w="med" len="med"/>
+                      <a:tailEnd type="none" w="med" len="med"/>
+                    </a:lnT>
+                    <a:lnB w="9525" cap="flat" cmpd="sng" algn="ctr">
+                      <a:solidFill>
+                        <a:srgbClr val="000000"/>
+                      </a:solidFill>
+                      <a:prstDash val="solid"/>
+                      <a:round/>
+                      <a:headEnd type="none" w="med" len="med"/>
+                      <a:tailEnd type="none" w="med" len="med"/>
+                    </a:lnB>
+                  </a:tcPr>
+                </a:tc>
+                <a:tc>
+                  <a:txBody>
+                    <a:bodyPr/>
+                    <a:lstStyle/>
+                    <a:p>
+                      <a:pPr fontAlgn="ctr"/>
+                      <a:r>
+                        <a:rPr lang="en-US">
+                          <a:solidFill>
+                            <a:schemeClr val="bg1"/>
+                          </a:solidFill>
+                          <a:effectLst/>
+                        </a:rPr>
+                        <a:t> </a:t>
+                      </a:r>
+                    </a:p>
+                  </a:txBody>
+                  <a:tcPr marL="66675" marR="66675" marT="19050" marB="19050" anchor="ctr">
+                    <a:lnL w="9525" cap="flat" cmpd="sng" algn="ctr">
+                      <a:solidFill>
+                        <a:srgbClr val="000000"/>
+                      </a:solidFill>
+                      <a:prstDash val="solid"/>
+                      <a:round/>
+                      <a:headEnd type="none" w="med" len="med"/>
+                      <a:tailEnd type="none" w="med" len="med"/>
+                    </a:lnL>
+                    <a:lnR w="9525" cap="flat" cmpd="sng" algn="ctr">
+                      <a:solidFill>
+                        <a:srgbClr val="000000"/>
+                      </a:solidFill>
+                      <a:prstDash val="solid"/>
+                      <a:round/>
+                      <a:headEnd type="none" w="med" len="med"/>
+                      <a:tailEnd type="none" w="med" len="med"/>
+                    </a:lnR>
+                    <a:lnT w="9525" cap="flat" cmpd="sng" algn="ctr">
+                      <a:solidFill>
+                        <a:srgbClr val="000000"/>
+                      </a:solidFill>
+                      <a:prstDash val="solid"/>
+                      <a:round/>
+                      <a:headEnd type="none" w="med" len="med"/>
+                      <a:tailEnd type="none" w="med" len="med"/>
+                    </a:lnT>
+                    <a:lnB w="9525" cap="flat" cmpd="sng" algn="ctr">
+                      <a:solidFill>
+                        <a:srgbClr val="000000"/>
+                      </a:solidFill>
+                      <a:prstDash val="solid"/>
+                      <a:round/>
+                      <a:headEnd type="none" w="med" len="med"/>
+                      <a:tailEnd type="none" w="med" len="med"/>
+                    </a:lnB>
+                    <a:solidFill>
+                      <a:schemeClr val="bg1"/>
+                    </a:solidFill>
+                  </a:tcPr>
+                </a:tc>
+                <a:tc>
+                  <a:txBody>
+                    <a:bodyPr/>
+                    <a:lstStyle/>
+                    <a:p>
+                      <a:pPr fontAlgn="ctr"/>
+                      <a:r>
+                        <a:rPr lang="en-US" dirty="0">
+                          <a:solidFill>
+                            <a:schemeClr val="bg1"/>
+                          </a:solidFill>
+                          <a:effectLst/>
+                        </a:rPr>
+                        <a:t> </a:t>
+                      </a:r>
+                    </a:p>
+                  </a:txBody>
+                  <a:tcPr marL="66675" marR="66675" marT="19050" marB="19050" anchor="ctr">
+                    <a:lnL w="9525" cap="flat" cmpd="sng" algn="ctr">
+                      <a:solidFill>
+                        <a:srgbClr val="000000"/>
+                      </a:solidFill>
+                      <a:prstDash val="solid"/>
+                      <a:round/>
+                      <a:headEnd type="none" w="med" len="med"/>
+                      <a:tailEnd type="none" w="med" len="med"/>
+                    </a:lnL>
+                    <a:lnR w="9525" cap="flat" cmpd="sng" algn="ctr">
+                      <a:solidFill>
+                        <a:srgbClr val="000000"/>
+                      </a:solidFill>
+                      <a:prstDash val="solid"/>
+                      <a:round/>
+                      <a:headEnd type="none" w="med" len="med"/>
+                      <a:tailEnd type="none" w="med" len="med"/>
+                    </a:lnR>
+                    <a:lnT w="9525" cap="flat" cmpd="sng" algn="ctr">
+                      <a:solidFill>
+                        <a:srgbClr val="000000"/>
+                      </a:solidFill>
+                      <a:prstDash val="solid"/>
+                      <a:round/>
+                      <a:headEnd type="none" w="med" len="med"/>
+                      <a:tailEnd type="none" w="med" len="med"/>
+                    </a:lnT>
+                    <a:lnB w="9525" cap="flat" cmpd="sng" algn="ctr">
+                      <a:solidFill>
+                        <a:srgbClr val="000000"/>
+                      </a:solidFill>
+                      <a:prstDash val="solid"/>
+                      <a:round/>
+                      <a:headEnd type="none" w="med" len="med"/>
+                      <a:tailEnd type="none" w="med" len="med"/>
+                    </a:lnB>
+                    <a:solidFill>
+                      <a:schemeClr val="bg1"/>
+                    </a:solidFill>
+                  </a:tcPr>
+                </a:tc>
+                <a:tc>
+                  <a:txBody>
+                    <a:bodyPr/>
+                    <a:lstStyle/>
+                    <a:p>
+                      <a:pPr fontAlgn="ctr"/>
+                      <a:r>
+                        <a:rPr lang="en-US" dirty="0">
+                          <a:effectLst/>
+                        </a:rPr>
+                        <a:t> </a:t>
+                      </a:r>
+                    </a:p>
+                  </a:txBody>
+                  <a:tcPr marL="66675" marR="66675" marT="19050" marB="19050" anchor="ctr">
+                    <a:lnL w="9525" cap="flat" cmpd="sng" algn="ctr">
+                      <a:solidFill>
+                        <a:srgbClr val="000000"/>
+                      </a:solidFill>
+                      <a:prstDash val="solid"/>
+                      <a:round/>
+                      <a:headEnd type="none" w="med" len="med"/>
+                      <a:tailEnd type="none" w="med" len="med"/>
+                    </a:lnL>
+                    <a:lnR w="9525" cap="flat" cmpd="sng" algn="ctr">
+                      <a:solidFill>
+                        <a:srgbClr val="000000"/>
+                      </a:solidFill>
+                      <a:prstDash val="solid"/>
+                      <a:round/>
+                      <a:headEnd type="none" w="med" len="med"/>
+                      <a:tailEnd type="none" w="med" len="med"/>
+                    </a:lnR>
+                    <a:lnT w="9525" cap="flat" cmpd="sng" algn="ctr">
+                      <a:solidFill>
+                        <a:srgbClr val="000000"/>
+                      </a:solidFill>
+                      <a:prstDash val="solid"/>
+                      <a:round/>
+                      <a:headEnd type="none" w="med" len="med"/>
+                      <a:tailEnd type="none" w="med" len="med"/>
+                    </a:lnT>
+                    <a:lnB w="9525" cap="flat" cmpd="sng" algn="ctr">
+                      <a:solidFill>
+                        <a:srgbClr val="000000"/>
+                      </a:solidFill>
+                      <a:prstDash val="solid"/>
+                      <a:round/>
+                      <a:headEnd type="none" w="med" len="med"/>
+                      <a:tailEnd type="none" w="med" len="med"/>
+                    </a:lnB>
+                    <a:solidFill>
+                      <a:srgbClr val="FFFFFF"/>
+                    </a:solidFill>
+                  </a:tcPr>
+                </a:tc>
+                <a:tc>
+                  <a:txBody>
+                    <a:bodyPr/>
+                    <a:lstStyle/>
+                    <a:p>
+                      <a:pPr fontAlgn="ctr"/>
+                      <a:r>
+                        <a:rPr lang="en-US">
+                          <a:effectLst/>
+                        </a:rPr>
+                        <a:t> </a:t>
+                      </a:r>
+                    </a:p>
+                  </a:txBody>
+                  <a:tcPr marL="66675" marR="66675" marT="19050" marB="19050" anchor="ctr">
+                    <a:lnL w="9525" cap="flat" cmpd="sng" algn="ctr">
+                      <a:solidFill>
+                        <a:srgbClr val="000000"/>
+                      </a:solidFill>
+                      <a:prstDash val="solid"/>
+                      <a:round/>
+                      <a:headEnd type="none" w="med" len="med"/>
+                      <a:tailEnd type="none" w="med" len="med"/>
+                    </a:lnL>
+                    <a:lnR w="9525" cap="flat" cmpd="sng" algn="ctr">
+                      <a:solidFill>
+                        <a:srgbClr val="000000"/>
+                      </a:solidFill>
+                      <a:prstDash val="solid"/>
+                      <a:round/>
+                      <a:headEnd type="none" w="med" len="med"/>
+                      <a:tailEnd type="none" w="med" len="med"/>
+                    </a:lnR>
+                    <a:lnT w="9525" cap="flat" cmpd="sng" algn="ctr">
+                      <a:solidFill>
+                        <a:srgbClr val="000000"/>
+                      </a:solidFill>
+                      <a:prstDash val="solid"/>
+                      <a:round/>
+                      <a:headEnd type="none" w="med" len="med"/>
+                      <a:tailEnd type="none" w="med" len="med"/>
+                    </a:lnT>
+                    <a:lnB w="9525" cap="flat" cmpd="sng" algn="ctr">
+                      <a:solidFill>
+                        <a:srgbClr val="000000"/>
+                      </a:solidFill>
+                      <a:prstDash val="solid"/>
+                      <a:round/>
+                      <a:headEnd type="none" w="med" len="med"/>
+                      <a:tailEnd type="none" w="med" len="med"/>
+                    </a:lnB>
+                    <a:solidFill>
+                      <a:srgbClr val="FFFFFF"/>
+                    </a:solidFill>
+                  </a:tcPr>
+                </a:tc>
+                <a:tc>
+                  <a:txBody>
+                    <a:bodyPr/>
+                    <a:lstStyle/>
+                    <a:p>
+                      <a:pPr fontAlgn="ctr"/>
+                      <a:r>
+                        <a:rPr lang="en-US" dirty="0">
+                          <a:effectLst/>
+                        </a:rPr>
+                        <a:t> </a:t>
+                      </a:r>
+                    </a:p>
+                  </a:txBody>
+                  <a:tcPr marL="66675" marR="66675" marT="19050" marB="19050" anchor="ctr">
+                    <a:lnL w="9525" cap="flat" cmpd="sng" algn="ctr">
+                      <a:solidFill>
+                        <a:srgbClr val="000000"/>
+                      </a:solidFill>
+                      <a:prstDash val="solid"/>
+                      <a:round/>
+                      <a:headEnd type="none" w="med" len="med"/>
+                      <a:tailEnd type="none" w="med" len="med"/>
+                    </a:lnL>
+                    <a:lnR w="9525" cap="flat" cmpd="sng" algn="ctr">
+                      <a:solidFill>
+                        <a:srgbClr val="000000"/>
+                      </a:solidFill>
+                      <a:prstDash val="solid"/>
+                      <a:round/>
+                      <a:headEnd type="none" w="med" len="med"/>
+                      <a:tailEnd type="none" w="med" len="med"/>
+                    </a:lnR>
+                    <a:lnT w="9525" cap="flat" cmpd="sng" algn="ctr">
+                      <a:solidFill>
+                        <a:srgbClr val="000000"/>
+                      </a:solidFill>
+                      <a:prstDash val="solid"/>
+                      <a:round/>
+                      <a:headEnd type="none" w="med" len="med"/>
+                      <a:tailEnd type="none" w="med" len="med"/>
+                    </a:lnT>
+                    <a:lnB w="9525" cap="flat" cmpd="sng" algn="ctr">
+                      <a:solidFill>
+                        <a:srgbClr val="000000"/>
+                      </a:solidFill>
+                      <a:prstDash val="solid"/>
+                      <a:round/>
+                      <a:headEnd type="none" w="med" len="med"/>
+                      <a:tailEnd type="none" w="med" len="med"/>
+                    </a:lnB>
+                    <a:solidFill>
+                      <a:srgbClr val="22578B"/>
+                    </a:solidFill>
+                  </a:tcPr>
+                </a:tc>
+                <a:tc>
+                  <a:txBody>
+                    <a:bodyPr/>
+                    <a:lstStyle/>
+                    <a:p>
+                      <a:pPr fontAlgn="ctr"/>
+                      <a:r>
+                        <a:rPr lang="en-US" dirty="0">
+                          <a:effectLst/>
+                        </a:rPr>
+                        <a:t> </a:t>
+                      </a:r>
+                    </a:p>
+                  </a:txBody>
+                  <a:tcPr marL="66675" marR="66675" marT="19050" marB="19050" anchor="ctr">
+                    <a:lnL w="9525" cap="flat" cmpd="sng" algn="ctr">
+                      <a:solidFill>
+                        <a:srgbClr val="000000"/>
+                      </a:solidFill>
+                      <a:prstDash val="solid"/>
+                      <a:round/>
+                      <a:headEnd type="none" w="med" len="med"/>
+                      <a:tailEnd type="none" w="med" len="med"/>
+                    </a:lnL>
+                    <a:lnR w="9525" cap="flat" cmpd="sng" algn="ctr">
+                      <a:solidFill>
+                        <a:srgbClr val="000000"/>
+                      </a:solidFill>
+                      <a:prstDash val="solid"/>
+                      <a:round/>
+                      <a:headEnd type="none" w="med" len="med"/>
+                      <a:tailEnd type="none" w="med" len="med"/>
+                    </a:lnR>
+                    <a:lnT w="9525" cap="flat" cmpd="sng" algn="ctr">
+                      <a:solidFill>
+                        <a:srgbClr val="000000"/>
+                      </a:solidFill>
+                      <a:prstDash val="solid"/>
+                      <a:round/>
+                      <a:headEnd type="none" w="med" len="med"/>
+                      <a:tailEnd type="none" w="med" len="med"/>
+                    </a:lnT>
+                    <a:lnB w="9525" cap="flat" cmpd="sng" algn="ctr">
+                      <a:solidFill>
+                        <a:srgbClr val="000000"/>
+                      </a:solidFill>
+                      <a:prstDash val="solid"/>
+                      <a:round/>
+                      <a:headEnd type="none" w="med" len="med"/>
+                      <a:tailEnd type="none" w="med" len="med"/>
+                    </a:lnB>
+                    <a:solidFill>
+                      <a:schemeClr val="bg1"/>
+                    </a:solidFill>
+                  </a:tcPr>
+                </a:tc>
+                <a:tc>
+                  <a:txBody>
+                    <a:bodyPr/>
+                    <a:lstStyle/>
+                    <a:p>
+                      <a:pPr fontAlgn="ctr"/>
+                      <a:r>
+                        <a:rPr lang="en-US">
+                          <a:effectLst/>
+                        </a:rPr>
+                        <a:t> </a:t>
+                      </a:r>
+                    </a:p>
+                  </a:txBody>
+                  <a:tcPr marL="66675" marR="66675" marT="19050" marB="19050" anchor="ctr">
+                    <a:lnL w="9525" cap="flat" cmpd="sng" algn="ctr">
+                      <a:solidFill>
+                        <a:srgbClr val="000000"/>
+                      </a:solidFill>
+                      <a:prstDash val="solid"/>
+                      <a:round/>
+                      <a:headEnd type="none" w="med" len="med"/>
+                      <a:tailEnd type="none" w="med" len="med"/>
+                    </a:lnL>
+                    <a:lnR w="9525" cap="flat" cmpd="sng" algn="ctr">
+                      <a:solidFill>
+                        <a:srgbClr val="000000"/>
+                      </a:solidFill>
+                      <a:prstDash val="solid"/>
+                      <a:round/>
+                      <a:headEnd type="none" w="med" len="med"/>
+                      <a:tailEnd type="none" w="med" len="med"/>
+                    </a:lnR>
+                    <a:lnT w="9525" cap="flat" cmpd="sng" algn="ctr">
+                      <a:solidFill>
+                        <a:srgbClr val="000000"/>
+                      </a:solidFill>
+                      <a:prstDash val="solid"/>
+                      <a:round/>
+                      <a:headEnd type="none" w="med" len="med"/>
+                      <a:tailEnd type="none" w="med" len="med"/>
+                    </a:lnT>
+                    <a:lnB w="9525" cap="flat" cmpd="sng" algn="ctr">
+                      <a:solidFill>
+                        <a:srgbClr val="000000"/>
+                      </a:solidFill>
+                      <a:prstDash val="solid"/>
+                      <a:round/>
+                      <a:headEnd type="none" w="med" len="med"/>
+                      <a:tailEnd type="none" w="med" len="med"/>
+                    </a:lnB>
+                    <a:solidFill>
+                      <a:srgbClr val="FFFFFF"/>
+                    </a:solidFill>
+                  </a:tcPr>
+                </a:tc>
+                <a:tc>
+                  <a:txBody>
+                    <a:bodyPr/>
+                    <a:lstStyle/>
+                    <a:p>
+                      <a:pPr fontAlgn="ctr"/>
+                      <a:r>
+                        <a:rPr lang="en-US">
+                          <a:effectLst/>
+                        </a:rPr>
+                        <a:t> </a:t>
+                      </a:r>
+                    </a:p>
+                  </a:txBody>
+                  <a:tcPr marL="66675" marR="66675" marT="19050" marB="19050" anchor="ctr">
+                    <a:lnL w="9525" cap="flat" cmpd="sng" algn="ctr">
+                      <a:solidFill>
+                        <a:srgbClr val="000000"/>
+                      </a:solidFill>
+                      <a:prstDash val="solid"/>
+                      <a:round/>
+                      <a:headEnd type="none" w="med" len="med"/>
+                      <a:tailEnd type="none" w="med" len="med"/>
+                    </a:lnL>
+                    <a:lnR w="9525" cap="flat" cmpd="sng" algn="ctr">
+                      <a:solidFill>
+                        <a:srgbClr val="000000"/>
+                      </a:solidFill>
+                      <a:prstDash val="solid"/>
+                      <a:round/>
+                      <a:headEnd type="none" w="med" len="med"/>
+                      <a:tailEnd type="none" w="med" len="med"/>
+                    </a:lnR>
+                    <a:lnT w="9525" cap="flat" cmpd="sng" algn="ctr">
+                      <a:solidFill>
+                        <a:srgbClr val="000000"/>
+                      </a:solidFill>
+                      <a:prstDash val="solid"/>
+                      <a:round/>
+                      <a:headEnd type="none" w="med" len="med"/>
+                      <a:tailEnd type="none" w="med" len="med"/>
+                    </a:lnT>
+                    <a:lnB w="9525" cap="flat" cmpd="sng" algn="ctr">
+                      <a:solidFill>
+                        <a:srgbClr val="000000"/>
+                      </a:solidFill>
+                      <a:prstDash val="solid"/>
+                      <a:round/>
+                      <a:headEnd type="none" w="med" len="med"/>
+                      <a:tailEnd type="none" w="med" len="med"/>
+                    </a:lnB>
+                    <a:solidFill>
+                      <a:srgbClr val="FFFFFF"/>
+                    </a:solidFill>
+                  </a:tcPr>
+                </a:tc>
+                <a:extLst>
+                  <a:ext uri="{0D108BD9-81ED-4DB2-BD59-A6C34878D82A}">
+                    <a16:rowId xmlns:a16="http://schemas.microsoft.com/office/drawing/2014/main" val="4289904715"/>
+                  </a:ext>
+                </a:extLst>
+              </a:tr>
+              <a:tr h="180975">
+                <a:tc>
+                  <a:txBody>
+                    <a:bodyPr/>
+                    <a:lstStyle/>
+                    <a:p>
+                      <a:pPr rtl="0" fontAlgn="ctr">
+                        <a:spcBef>
+                          <a:spcPts val="0"/>
+                        </a:spcBef>
+                        <a:spcAft>
+                          <a:spcPts val="0"/>
+                        </a:spcAft>
+                      </a:pPr>
+                      <a:r>
+                        <a:rPr lang="en-US" sz="1800" b="0" i="0" u="none" strike="noStrike" dirty="0">
+                          <a:solidFill>
+                            <a:srgbClr val="000000"/>
+                          </a:solidFill>
+                          <a:effectLst/>
+                          <a:latin typeface="Calibri" panose="020F0502020204030204" pitchFamily="34" charset="0"/>
+                        </a:rPr>
+                        <a:t>Add commenting functionality for users</a:t>
+                      </a:r>
+                      <a:endParaRPr lang="en-US" dirty="0">
+                        <a:effectLst/>
+                      </a:endParaRPr>
+                    </a:p>
+                  </a:txBody>
+                  <a:tcPr marL="66675" marR="66675" marT="19050" marB="19050" anchor="ctr">
+                    <a:lnL w="9525" cap="flat" cmpd="sng" algn="ctr">
+                      <a:solidFill>
+                        <a:srgbClr val="000000"/>
+                      </a:solidFill>
+                      <a:prstDash val="solid"/>
+                      <a:round/>
+                      <a:headEnd type="none" w="med" len="med"/>
+                      <a:tailEnd type="none" w="med" len="med"/>
+                    </a:lnL>
+                    <a:lnR w="9525" cap="flat" cmpd="sng" algn="ctr">
+                      <a:solidFill>
+                        <a:srgbClr val="000000"/>
+                      </a:solidFill>
+                      <a:prstDash val="solid"/>
+                      <a:round/>
+                      <a:headEnd type="none" w="med" len="med"/>
+                      <a:tailEnd type="none" w="med" len="med"/>
+                    </a:lnR>
+                    <a:lnT w="9525" cap="flat" cmpd="sng" algn="ctr">
+                      <a:solidFill>
+                        <a:srgbClr val="000000"/>
+                      </a:solidFill>
+                      <a:prstDash val="solid"/>
+                      <a:round/>
+                      <a:headEnd type="none" w="med" len="med"/>
+                      <a:tailEnd type="none" w="med" len="med"/>
+                    </a:lnT>
+                    <a:lnB w="9525" cap="flat" cmpd="sng" algn="ctr">
+                      <a:solidFill>
+                        <a:srgbClr val="000000"/>
+                      </a:solidFill>
+                      <a:prstDash val="solid"/>
+                      <a:round/>
+                      <a:headEnd type="none" w="med" len="med"/>
+                      <a:tailEnd type="none" w="med" len="med"/>
+                    </a:lnB>
+                  </a:tcPr>
+                </a:tc>
+                <a:tc>
+                  <a:txBody>
+                    <a:bodyPr/>
+                    <a:lstStyle/>
+                    <a:p>
+                      <a:pPr fontAlgn="ctr"/>
+                      <a:r>
+                        <a:rPr lang="en-US">
+                          <a:solidFill>
+                            <a:schemeClr val="bg1"/>
+                          </a:solidFill>
+                          <a:effectLst/>
+                        </a:rPr>
+                        <a:t> </a:t>
+                      </a:r>
+                    </a:p>
+                  </a:txBody>
+                  <a:tcPr marL="66675" marR="66675" marT="19050" marB="19050" anchor="ctr">
+                    <a:lnL w="9525" cap="flat" cmpd="sng" algn="ctr">
+                      <a:solidFill>
+                        <a:srgbClr val="000000"/>
+                      </a:solidFill>
+                      <a:prstDash val="solid"/>
+                      <a:round/>
+                      <a:headEnd type="none" w="med" len="med"/>
+                      <a:tailEnd type="none" w="med" len="med"/>
+                    </a:lnL>
+                    <a:lnR w="9525" cap="flat" cmpd="sng" algn="ctr">
+                      <a:solidFill>
+                        <a:srgbClr val="000000"/>
+                      </a:solidFill>
+                      <a:prstDash val="solid"/>
+                      <a:round/>
+                      <a:headEnd type="none" w="med" len="med"/>
+                      <a:tailEnd type="none" w="med" len="med"/>
+                    </a:lnR>
+                    <a:lnT w="9525" cap="flat" cmpd="sng" algn="ctr">
+                      <a:solidFill>
+                        <a:srgbClr val="000000"/>
+                      </a:solidFill>
+                      <a:prstDash val="solid"/>
+                      <a:round/>
+                      <a:headEnd type="none" w="med" len="med"/>
+                      <a:tailEnd type="none" w="med" len="med"/>
+                    </a:lnT>
+                    <a:lnB w="9525" cap="flat" cmpd="sng" algn="ctr">
+                      <a:solidFill>
+                        <a:srgbClr val="000000"/>
+                      </a:solidFill>
+                      <a:prstDash val="solid"/>
+                      <a:round/>
+                      <a:headEnd type="none" w="med" len="med"/>
+                      <a:tailEnd type="none" w="med" len="med"/>
+                    </a:lnB>
+                    <a:solidFill>
+                      <a:schemeClr val="bg1"/>
+                    </a:solidFill>
+                  </a:tcPr>
+                </a:tc>
+                <a:tc>
+                  <a:txBody>
+                    <a:bodyPr/>
+                    <a:lstStyle/>
+                    <a:p>
+                      <a:pPr fontAlgn="ctr"/>
+                      <a:r>
+                        <a:rPr lang="en-US" dirty="0">
+                          <a:solidFill>
+                            <a:schemeClr val="bg1"/>
+                          </a:solidFill>
+                          <a:effectLst/>
+                        </a:rPr>
+                        <a:t> </a:t>
+                      </a:r>
+                    </a:p>
+                  </a:txBody>
+                  <a:tcPr marL="66675" marR="66675" marT="19050" marB="19050" anchor="ctr">
+                    <a:lnL w="9525" cap="flat" cmpd="sng" algn="ctr">
+                      <a:solidFill>
+                        <a:srgbClr val="000000"/>
+                      </a:solidFill>
+                      <a:prstDash val="solid"/>
+                      <a:round/>
+                      <a:headEnd type="none" w="med" len="med"/>
+                      <a:tailEnd type="none" w="med" len="med"/>
+                    </a:lnL>
+                    <a:lnR w="9525" cap="flat" cmpd="sng" algn="ctr">
+                      <a:solidFill>
+                        <a:srgbClr val="000000"/>
+                      </a:solidFill>
+                      <a:prstDash val="solid"/>
+                      <a:round/>
+                      <a:headEnd type="none" w="med" len="med"/>
+                      <a:tailEnd type="none" w="med" len="med"/>
+                    </a:lnR>
+                    <a:lnT w="9525" cap="flat" cmpd="sng" algn="ctr">
+                      <a:solidFill>
+                        <a:srgbClr val="000000"/>
+                      </a:solidFill>
+                      <a:prstDash val="solid"/>
+                      <a:round/>
+                      <a:headEnd type="none" w="med" len="med"/>
+                      <a:tailEnd type="none" w="med" len="med"/>
+                    </a:lnT>
+                    <a:lnB w="9525" cap="flat" cmpd="sng" algn="ctr">
+                      <a:solidFill>
+                        <a:srgbClr val="000000"/>
+                      </a:solidFill>
+                      <a:prstDash val="solid"/>
+                      <a:round/>
+                      <a:headEnd type="none" w="med" len="med"/>
+                      <a:tailEnd type="none" w="med" len="med"/>
+                    </a:lnB>
+                    <a:solidFill>
+                      <a:schemeClr val="bg1"/>
+                    </a:solidFill>
+                  </a:tcPr>
+                </a:tc>
+                <a:tc>
+                  <a:txBody>
+                    <a:bodyPr/>
+                    <a:lstStyle/>
+                    <a:p>
+                      <a:pPr fontAlgn="ctr"/>
+                      <a:r>
+                        <a:rPr lang="en-US">
+                          <a:effectLst/>
+                        </a:rPr>
+                        <a:t> </a:t>
+                      </a:r>
+                    </a:p>
+                  </a:txBody>
+                  <a:tcPr marL="66675" marR="66675" marT="19050" marB="19050" anchor="ctr">
+                    <a:lnL w="9525" cap="flat" cmpd="sng" algn="ctr">
+                      <a:solidFill>
+                        <a:srgbClr val="000000"/>
+                      </a:solidFill>
+                      <a:prstDash val="solid"/>
+                      <a:round/>
+                      <a:headEnd type="none" w="med" len="med"/>
+                      <a:tailEnd type="none" w="med" len="med"/>
+                    </a:lnL>
+                    <a:lnR w="9525" cap="flat" cmpd="sng" algn="ctr">
+                      <a:solidFill>
+                        <a:srgbClr val="000000"/>
+                      </a:solidFill>
+                      <a:prstDash val="solid"/>
+                      <a:round/>
+                      <a:headEnd type="none" w="med" len="med"/>
+                      <a:tailEnd type="none" w="med" len="med"/>
+                    </a:lnR>
+                    <a:lnT w="9525" cap="flat" cmpd="sng" algn="ctr">
+                      <a:solidFill>
+                        <a:srgbClr val="000000"/>
+                      </a:solidFill>
+                      <a:prstDash val="solid"/>
+                      <a:round/>
+                      <a:headEnd type="none" w="med" len="med"/>
+                      <a:tailEnd type="none" w="med" len="med"/>
+                    </a:lnT>
+                    <a:lnB w="9525" cap="flat" cmpd="sng" algn="ctr">
+                      <a:solidFill>
+                        <a:srgbClr val="000000"/>
+                      </a:solidFill>
+                      <a:prstDash val="solid"/>
+                      <a:round/>
+                      <a:headEnd type="none" w="med" len="med"/>
+                      <a:tailEnd type="none" w="med" len="med"/>
+                    </a:lnB>
+                    <a:solidFill>
+                      <a:srgbClr val="FFFFFF"/>
+                    </a:solidFill>
+                  </a:tcPr>
+                </a:tc>
+                <a:tc>
+                  <a:txBody>
+                    <a:bodyPr/>
+                    <a:lstStyle/>
+                    <a:p>
+                      <a:pPr fontAlgn="ctr"/>
+                      <a:r>
+                        <a:rPr lang="en-US">
+                          <a:effectLst/>
+                        </a:rPr>
+                        <a:t> </a:t>
+                      </a:r>
+                    </a:p>
+                  </a:txBody>
+                  <a:tcPr marL="66675" marR="66675" marT="19050" marB="19050" anchor="ctr">
+                    <a:lnL w="9525" cap="flat" cmpd="sng" algn="ctr">
+                      <a:solidFill>
+                        <a:srgbClr val="000000"/>
+                      </a:solidFill>
+                      <a:prstDash val="solid"/>
+                      <a:round/>
+                      <a:headEnd type="none" w="med" len="med"/>
+                      <a:tailEnd type="none" w="med" len="med"/>
+                    </a:lnL>
+                    <a:lnR w="9525" cap="flat" cmpd="sng" algn="ctr">
+                      <a:solidFill>
+                        <a:srgbClr val="000000"/>
+                      </a:solidFill>
+                      <a:prstDash val="solid"/>
+                      <a:round/>
+                      <a:headEnd type="none" w="med" len="med"/>
+                      <a:tailEnd type="none" w="med" len="med"/>
+                    </a:lnR>
+                    <a:lnT w="9525" cap="flat" cmpd="sng" algn="ctr">
+                      <a:solidFill>
+                        <a:srgbClr val="000000"/>
+                      </a:solidFill>
+                      <a:prstDash val="solid"/>
+                      <a:round/>
+                      <a:headEnd type="none" w="med" len="med"/>
+                      <a:tailEnd type="none" w="med" len="med"/>
+                    </a:lnT>
+                    <a:lnB w="9525" cap="flat" cmpd="sng" algn="ctr">
+                      <a:solidFill>
+                        <a:srgbClr val="000000"/>
+                      </a:solidFill>
+                      <a:prstDash val="solid"/>
+                      <a:round/>
+                      <a:headEnd type="none" w="med" len="med"/>
+                      <a:tailEnd type="none" w="med" len="med"/>
+                    </a:lnB>
+                    <a:solidFill>
+                      <a:srgbClr val="FFFFFF"/>
+                    </a:solidFill>
+                  </a:tcPr>
+                </a:tc>
+                <a:tc>
+                  <a:txBody>
+                    <a:bodyPr/>
+                    <a:lstStyle/>
+                    <a:p>
+                      <a:pPr fontAlgn="ctr"/>
+                      <a:r>
+                        <a:rPr lang="en-US" dirty="0">
+                          <a:effectLst/>
+                        </a:rPr>
+                        <a:t> </a:t>
+                      </a:r>
+                    </a:p>
+                  </a:txBody>
+                  <a:tcPr marL="66675" marR="66675" marT="19050" marB="19050" anchor="ctr">
+                    <a:lnL w="9525" cap="flat" cmpd="sng" algn="ctr">
+                      <a:solidFill>
+                        <a:srgbClr val="000000"/>
+                      </a:solidFill>
+                      <a:prstDash val="solid"/>
+                      <a:round/>
+                      <a:headEnd type="none" w="med" len="med"/>
+                      <a:tailEnd type="none" w="med" len="med"/>
+                    </a:lnL>
+                    <a:lnR w="9525" cap="flat" cmpd="sng" algn="ctr">
+                      <a:solidFill>
+                        <a:srgbClr val="000000"/>
+                      </a:solidFill>
+                      <a:prstDash val="solid"/>
+                      <a:round/>
+                      <a:headEnd type="none" w="med" len="med"/>
+                      <a:tailEnd type="none" w="med" len="med"/>
+                    </a:lnR>
+                    <a:lnT w="9525" cap="flat" cmpd="sng" algn="ctr">
+                      <a:solidFill>
+                        <a:srgbClr val="000000"/>
+                      </a:solidFill>
+                      <a:prstDash val="solid"/>
+                      <a:round/>
+                      <a:headEnd type="none" w="med" len="med"/>
+                      <a:tailEnd type="none" w="med" len="med"/>
+                    </a:lnT>
+                    <a:lnB w="9525" cap="flat" cmpd="sng" algn="ctr">
+                      <a:solidFill>
+                        <a:srgbClr val="000000"/>
+                      </a:solidFill>
+                      <a:prstDash val="solid"/>
+                      <a:round/>
+                      <a:headEnd type="none" w="med" len="med"/>
+                      <a:tailEnd type="none" w="med" len="med"/>
+                    </a:lnB>
+                    <a:solidFill>
+                      <a:srgbClr val="22578B"/>
+                    </a:solidFill>
+                  </a:tcPr>
+                </a:tc>
+                <a:tc>
+                  <a:txBody>
+                    <a:bodyPr/>
+                    <a:lstStyle/>
+                    <a:p>
+                      <a:pPr fontAlgn="ctr"/>
+                      <a:r>
+                        <a:rPr lang="en-US" dirty="0">
+                          <a:effectLst/>
+                        </a:rPr>
+                        <a:t> </a:t>
+                      </a:r>
+                    </a:p>
+                  </a:txBody>
+                  <a:tcPr marL="66675" marR="66675" marT="19050" marB="19050" anchor="ctr">
+                    <a:lnL w="9525" cap="flat" cmpd="sng" algn="ctr">
+                      <a:solidFill>
+                        <a:srgbClr val="000000"/>
+                      </a:solidFill>
+                      <a:prstDash val="solid"/>
+                      <a:round/>
+                      <a:headEnd type="none" w="med" len="med"/>
+                      <a:tailEnd type="none" w="med" len="med"/>
+                    </a:lnL>
+                    <a:lnR w="9525" cap="flat" cmpd="sng" algn="ctr">
+                      <a:solidFill>
+                        <a:srgbClr val="000000"/>
+                      </a:solidFill>
+                      <a:prstDash val="solid"/>
+                      <a:round/>
+                      <a:headEnd type="none" w="med" len="med"/>
+                      <a:tailEnd type="none" w="med" len="med"/>
+                    </a:lnR>
+                    <a:lnT w="9525" cap="flat" cmpd="sng" algn="ctr">
+                      <a:solidFill>
+                        <a:srgbClr val="000000"/>
+                      </a:solidFill>
+                      <a:prstDash val="solid"/>
+                      <a:round/>
+                      <a:headEnd type="none" w="med" len="med"/>
+                      <a:tailEnd type="none" w="med" len="med"/>
+                    </a:lnT>
+                    <a:lnB w="9525" cap="flat" cmpd="sng" algn="ctr">
+                      <a:solidFill>
+                        <a:srgbClr val="000000"/>
+                      </a:solidFill>
+                      <a:prstDash val="solid"/>
+                      <a:round/>
+                      <a:headEnd type="none" w="med" len="med"/>
+                      <a:tailEnd type="none" w="med" len="med"/>
+                    </a:lnB>
+                    <a:solidFill>
+                      <a:schemeClr val="bg1"/>
+                    </a:solidFill>
+                  </a:tcPr>
+                </a:tc>
+                <a:tc>
+                  <a:txBody>
+                    <a:bodyPr/>
+                    <a:lstStyle/>
+                    <a:p>
+                      <a:pPr fontAlgn="ctr"/>
+                      <a:r>
+                        <a:rPr lang="en-US">
+                          <a:effectLst/>
+                        </a:rPr>
+                        <a:t> </a:t>
+                      </a:r>
+                    </a:p>
+                  </a:txBody>
+                  <a:tcPr marL="66675" marR="66675" marT="19050" marB="19050" anchor="ctr">
+                    <a:lnL w="9525" cap="flat" cmpd="sng" algn="ctr">
+                      <a:solidFill>
+                        <a:srgbClr val="000000"/>
+                      </a:solidFill>
+                      <a:prstDash val="solid"/>
+                      <a:round/>
+                      <a:headEnd type="none" w="med" len="med"/>
+                      <a:tailEnd type="none" w="med" len="med"/>
+                    </a:lnL>
+                    <a:lnR w="9525" cap="flat" cmpd="sng" algn="ctr">
+                      <a:solidFill>
+                        <a:srgbClr val="000000"/>
+                      </a:solidFill>
+                      <a:prstDash val="solid"/>
+                      <a:round/>
+                      <a:headEnd type="none" w="med" len="med"/>
+                      <a:tailEnd type="none" w="med" len="med"/>
+                    </a:lnR>
+                    <a:lnT w="9525" cap="flat" cmpd="sng" algn="ctr">
+                      <a:solidFill>
+                        <a:srgbClr val="000000"/>
+                      </a:solidFill>
+                      <a:prstDash val="solid"/>
+                      <a:round/>
+                      <a:headEnd type="none" w="med" len="med"/>
+                      <a:tailEnd type="none" w="med" len="med"/>
+                    </a:lnT>
+                    <a:lnB w="9525" cap="flat" cmpd="sng" algn="ctr">
+                      <a:solidFill>
+                        <a:srgbClr val="000000"/>
+                      </a:solidFill>
+                      <a:prstDash val="solid"/>
+                      <a:round/>
+                      <a:headEnd type="none" w="med" len="med"/>
+                      <a:tailEnd type="none" w="med" len="med"/>
+                    </a:lnB>
+                    <a:solidFill>
+                      <a:srgbClr val="FFFFFF"/>
+                    </a:solidFill>
+                  </a:tcPr>
+                </a:tc>
+                <a:tc>
+                  <a:txBody>
+                    <a:bodyPr/>
+                    <a:lstStyle/>
+                    <a:p>
+                      <a:pPr fontAlgn="ctr"/>
+                      <a:r>
+                        <a:rPr lang="en-US">
+                          <a:effectLst/>
+                        </a:rPr>
+                        <a:t> </a:t>
+                      </a:r>
+                    </a:p>
+                  </a:txBody>
+                  <a:tcPr marL="66675" marR="66675" marT="19050" marB="19050" anchor="ctr">
+                    <a:lnL w="9525" cap="flat" cmpd="sng" algn="ctr">
+                      <a:solidFill>
+                        <a:srgbClr val="000000"/>
+                      </a:solidFill>
+                      <a:prstDash val="solid"/>
+                      <a:round/>
+                      <a:headEnd type="none" w="med" len="med"/>
+                      <a:tailEnd type="none" w="med" len="med"/>
+                    </a:lnL>
+                    <a:lnR w="9525" cap="flat" cmpd="sng" algn="ctr">
+                      <a:solidFill>
+                        <a:srgbClr val="000000"/>
+                      </a:solidFill>
+                      <a:prstDash val="solid"/>
+                      <a:round/>
+                      <a:headEnd type="none" w="med" len="med"/>
+                      <a:tailEnd type="none" w="med" len="med"/>
+                    </a:lnR>
+                    <a:lnT w="9525" cap="flat" cmpd="sng" algn="ctr">
+                      <a:solidFill>
+                        <a:srgbClr val="000000"/>
+                      </a:solidFill>
+                      <a:prstDash val="solid"/>
+                      <a:round/>
+                      <a:headEnd type="none" w="med" len="med"/>
+                      <a:tailEnd type="none" w="med" len="med"/>
+                    </a:lnT>
+                    <a:lnB w="9525" cap="flat" cmpd="sng" algn="ctr">
+                      <a:solidFill>
+                        <a:srgbClr val="000000"/>
+                      </a:solidFill>
+                      <a:prstDash val="solid"/>
+                      <a:round/>
+                      <a:headEnd type="none" w="med" len="med"/>
+                      <a:tailEnd type="none" w="med" len="med"/>
+                    </a:lnB>
+                    <a:solidFill>
+                      <a:srgbClr val="FFFFFF"/>
+                    </a:solidFill>
+                  </a:tcPr>
+                </a:tc>
+                <a:extLst>
+                  <a:ext uri="{0D108BD9-81ED-4DB2-BD59-A6C34878D82A}">
+                    <a16:rowId xmlns:a16="http://schemas.microsoft.com/office/drawing/2014/main" val="2308287569"/>
+                  </a:ext>
+                </a:extLst>
+              </a:tr>
+              <a:tr h="755343">
+                <a:tc>
+                  <a:txBody>
+                    <a:bodyPr/>
+                    <a:lstStyle/>
+                    <a:p>
+                      <a:pPr rtl="0" fontAlgn="ctr">
+                        <a:spcBef>
+                          <a:spcPts val="0"/>
+                        </a:spcBef>
+                        <a:spcAft>
+                          <a:spcPts val="0"/>
+                        </a:spcAft>
+                      </a:pPr>
+                      <a:r>
+                        <a:rPr lang="en-US" sz="1800" b="0" i="0" u="none" strike="noStrike" dirty="0">
+                          <a:solidFill>
+                            <a:srgbClr val="000000"/>
+                          </a:solidFill>
+                          <a:effectLst/>
+                          <a:latin typeface="Calibri" panose="020F0502020204030204" pitchFamily="34" charset="0"/>
+                        </a:rPr>
+                        <a:t>GUI for the entire app (Based on the amount of time left)</a:t>
+                      </a:r>
+                      <a:endParaRPr lang="en-US" dirty="0">
+                        <a:effectLst/>
+                      </a:endParaRPr>
+                    </a:p>
+                  </a:txBody>
+                  <a:tcPr marL="66675" marR="66675" marT="19050" marB="19050" anchor="ctr">
+                    <a:lnL w="9525" cap="flat" cmpd="sng" algn="ctr">
+                      <a:solidFill>
+                        <a:srgbClr val="000000"/>
+                      </a:solidFill>
+                      <a:prstDash val="solid"/>
+                      <a:round/>
+                      <a:headEnd type="none" w="med" len="med"/>
+                      <a:tailEnd type="none" w="med" len="med"/>
+                    </a:lnL>
+                    <a:lnR w="9525" cap="flat" cmpd="sng" algn="ctr">
+                      <a:solidFill>
+                        <a:srgbClr val="000000"/>
+                      </a:solidFill>
+                      <a:prstDash val="solid"/>
+                      <a:round/>
+                      <a:headEnd type="none" w="med" len="med"/>
+                      <a:tailEnd type="none" w="med" len="med"/>
+                    </a:lnR>
+                    <a:lnT w="9525" cap="flat" cmpd="sng" algn="ctr">
+                      <a:solidFill>
+                        <a:srgbClr val="000000"/>
+                      </a:solidFill>
+                      <a:prstDash val="solid"/>
+                      <a:round/>
+                      <a:headEnd type="none" w="med" len="med"/>
+                      <a:tailEnd type="none" w="med" len="med"/>
+                    </a:lnT>
+                    <a:lnB w="9525" cap="flat" cmpd="sng" algn="ctr">
+                      <a:solidFill>
+                        <a:srgbClr val="000000"/>
+                      </a:solidFill>
+                      <a:prstDash val="solid"/>
+                      <a:round/>
+                      <a:headEnd type="none" w="med" len="med"/>
+                      <a:tailEnd type="none" w="med" len="med"/>
+                    </a:lnB>
+                  </a:tcPr>
+                </a:tc>
+                <a:tc>
+                  <a:txBody>
+                    <a:bodyPr/>
+                    <a:lstStyle/>
+                    <a:p>
+                      <a:pPr fontAlgn="ctr"/>
+                      <a:r>
+                        <a:rPr lang="en-US" dirty="0">
+                          <a:solidFill>
+                            <a:schemeClr val="bg1"/>
+                          </a:solidFill>
+                          <a:effectLst/>
+                        </a:rPr>
+                        <a:t> </a:t>
+                      </a:r>
+                    </a:p>
+                  </a:txBody>
+                  <a:tcPr marL="66675" marR="66675" marT="19050" marB="19050" anchor="ctr">
+                    <a:lnL w="9525" cap="flat" cmpd="sng" algn="ctr">
+                      <a:solidFill>
+                        <a:srgbClr val="000000"/>
+                      </a:solidFill>
+                      <a:prstDash val="solid"/>
+                      <a:round/>
+                      <a:headEnd type="none" w="med" len="med"/>
+                      <a:tailEnd type="none" w="med" len="med"/>
+                    </a:lnL>
+                    <a:lnR w="9525" cap="flat" cmpd="sng" algn="ctr">
+                      <a:solidFill>
+                        <a:srgbClr val="000000"/>
+                      </a:solidFill>
+                      <a:prstDash val="solid"/>
+                      <a:round/>
+                      <a:headEnd type="none" w="med" len="med"/>
+                      <a:tailEnd type="none" w="med" len="med"/>
+                    </a:lnR>
+                    <a:lnT w="9525" cap="flat" cmpd="sng" algn="ctr">
+                      <a:solidFill>
+                        <a:srgbClr val="000000"/>
+                      </a:solidFill>
+                      <a:prstDash val="solid"/>
+                      <a:round/>
+                      <a:headEnd type="none" w="med" len="med"/>
+                      <a:tailEnd type="none" w="med" len="med"/>
+                    </a:lnT>
+                    <a:lnB w="9525" cap="flat" cmpd="sng" algn="ctr">
+                      <a:solidFill>
+                        <a:srgbClr val="000000"/>
+                      </a:solidFill>
+                      <a:prstDash val="solid"/>
+                      <a:round/>
+                      <a:headEnd type="none" w="med" len="med"/>
+                      <a:tailEnd type="none" w="med" len="med"/>
+                    </a:lnB>
+                    <a:solidFill>
+                      <a:schemeClr val="bg1"/>
+                    </a:solidFill>
+                  </a:tcPr>
+                </a:tc>
+                <a:tc>
+                  <a:txBody>
+                    <a:bodyPr/>
+                    <a:lstStyle/>
+                    <a:p>
+                      <a:pPr fontAlgn="ctr"/>
+                      <a:r>
+                        <a:rPr lang="en-US" dirty="0">
+                          <a:solidFill>
+                            <a:schemeClr val="bg1"/>
+                          </a:solidFill>
+                          <a:effectLst/>
+                        </a:rPr>
+                        <a:t> </a:t>
+                      </a:r>
+                    </a:p>
+                  </a:txBody>
+                  <a:tcPr marL="66675" marR="66675" marT="19050" marB="19050" anchor="ctr">
+                    <a:lnL w="9525" cap="flat" cmpd="sng" algn="ctr">
+                      <a:solidFill>
+                        <a:srgbClr val="000000"/>
+                      </a:solidFill>
+                      <a:prstDash val="solid"/>
+                      <a:round/>
+                      <a:headEnd type="none" w="med" len="med"/>
+                      <a:tailEnd type="none" w="med" len="med"/>
+                    </a:lnL>
+                    <a:lnR w="9525" cap="flat" cmpd="sng" algn="ctr">
+                      <a:solidFill>
+                        <a:srgbClr val="000000"/>
+                      </a:solidFill>
+                      <a:prstDash val="solid"/>
+                      <a:round/>
+                      <a:headEnd type="none" w="med" len="med"/>
+                      <a:tailEnd type="none" w="med" len="med"/>
+                    </a:lnR>
+                    <a:lnT w="9525" cap="flat" cmpd="sng" algn="ctr">
+                      <a:solidFill>
+                        <a:srgbClr val="000000"/>
+                      </a:solidFill>
+                      <a:prstDash val="solid"/>
+                      <a:round/>
+                      <a:headEnd type="none" w="med" len="med"/>
+                      <a:tailEnd type="none" w="med" len="med"/>
+                    </a:lnT>
+                    <a:lnB w="9525" cap="flat" cmpd="sng" algn="ctr">
+                      <a:solidFill>
+                        <a:srgbClr val="000000"/>
+                      </a:solidFill>
+                      <a:prstDash val="solid"/>
+                      <a:round/>
+                      <a:headEnd type="none" w="med" len="med"/>
+                      <a:tailEnd type="none" w="med" len="med"/>
+                    </a:lnB>
+                    <a:solidFill>
+                      <a:schemeClr val="bg1"/>
+                    </a:solidFill>
+                  </a:tcPr>
+                </a:tc>
+                <a:tc>
+                  <a:txBody>
+                    <a:bodyPr/>
+                    <a:lstStyle/>
+                    <a:p>
+                      <a:pPr fontAlgn="ctr"/>
+                      <a:r>
+                        <a:rPr lang="en-US">
+                          <a:effectLst/>
+                        </a:rPr>
+                        <a:t> </a:t>
+                      </a:r>
+                    </a:p>
+                  </a:txBody>
+                  <a:tcPr marL="66675" marR="66675" marT="19050" marB="19050" anchor="ctr">
+                    <a:lnL w="9525" cap="flat" cmpd="sng" algn="ctr">
+                      <a:solidFill>
+                        <a:srgbClr val="000000"/>
+                      </a:solidFill>
+                      <a:prstDash val="solid"/>
+                      <a:round/>
+                      <a:headEnd type="none" w="med" len="med"/>
+                      <a:tailEnd type="none" w="med" len="med"/>
+                    </a:lnL>
+                    <a:lnR w="9525" cap="flat" cmpd="sng" algn="ctr">
+                      <a:solidFill>
+                        <a:srgbClr val="000000"/>
+                      </a:solidFill>
+                      <a:prstDash val="solid"/>
+                      <a:round/>
+                      <a:headEnd type="none" w="med" len="med"/>
+                      <a:tailEnd type="none" w="med" len="med"/>
+                    </a:lnR>
+                    <a:lnT w="9525" cap="flat" cmpd="sng" algn="ctr">
+                      <a:solidFill>
+                        <a:srgbClr val="000000"/>
+                      </a:solidFill>
+                      <a:prstDash val="solid"/>
+                      <a:round/>
+                      <a:headEnd type="none" w="med" len="med"/>
+                      <a:tailEnd type="none" w="med" len="med"/>
+                    </a:lnT>
+                    <a:lnB w="9525" cap="flat" cmpd="sng" algn="ctr">
+                      <a:solidFill>
+                        <a:srgbClr val="000000"/>
+                      </a:solidFill>
+                      <a:prstDash val="solid"/>
+                      <a:round/>
+                      <a:headEnd type="none" w="med" len="med"/>
+                      <a:tailEnd type="none" w="med" len="med"/>
+                    </a:lnB>
+                    <a:solidFill>
+                      <a:srgbClr val="FFFFFF"/>
+                    </a:solidFill>
+                  </a:tcPr>
+                </a:tc>
+                <a:tc>
+                  <a:txBody>
+                    <a:bodyPr/>
+                    <a:lstStyle/>
+                    <a:p>
+                      <a:pPr fontAlgn="ctr"/>
+                      <a:r>
+                        <a:rPr lang="en-US">
+                          <a:effectLst/>
+                        </a:rPr>
+                        <a:t> </a:t>
+                      </a:r>
+                    </a:p>
+                  </a:txBody>
+                  <a:tcPr marL="66675" marR="66675" marT="19050" marB="19050" anchor="ctr">
+                    <a:lnL w="9525" cap="flat" cmpd="sng" algn="ctr">
+                      <a:solidFill>
+                        <a:srgbClr val="000000"/>
+                      </a:solidFill>
+                      <a:prstDash val="solid"/>
+                      <a:round/>
+                      <a:headEnd type="none" w="med" len="med"/>
+                      <a:tailEnd type="none" w="med" len="med"/>
+                    </a:lnL>
+                    <a:lnR w="9525" cap="flat" cmpd="sng" algn="ctr">
+                      <a:solidFill>
+                        <a:srgbClr val="000000"/>
+                      </a:solidFill>
+                      <a:prstDash val="solid"/>
+                      <a:round/>
+                      <a:headEnd type="none" w="med" len="med"/>
+                      <a:tailEnd type="none" w="med" len="med"/>
+                    </a:lnR>
+                    <a:lnT w="9525" cap="flat" cmpd="sng" algn="ctr">
+                      <a:solidFill>
+                        <a:srgbClr val="000000"/>
+                      </a:solidFill>
+                      <a:prstDash val="solid"/>
+                      <a:round/>
+                      <a:headEnd type="none" w="med" len="med"/>
+                      <a:tailEnd type="none" w="med" len="med"/>
+                    </a:lnT>
+                    <a:lnB w="9525" cap="flat" cmpd="sng" algn="ctr">
+                      <a:solidFill>
+                        <a:srgbClr val="000000"/>
+                      </a:solidFill>
+                      <a:prstDash val="solid"/>
+                      <a:round/>
+                      <a:headEnd type="none" w="med" len="med"/>
+                      <a:tailEnd type="none" w="med" len="med"/>
+                    </a:lnB>
+                    <a:solidFill>
+                      <a:srgbClr val="FFFFFF"/>
+                    </a:solidFill>
+                  </a:tcPr>
+                </a:tc>
+                <a:tc>
+                  <a:txBody>
+                    <a:bodyPr/>
+                    <a:lstStyle/>
+                    <a:p>
+                      <a:pPr fontAlgn="ctr"/>
+                      <a:r>
+                        <a:rPr lang="en-US" dirty="0">
+                          <a:effectLst/>
+                        </a:rPr>
+                        <a:t> </a:t>
+                      </a:r>
+                    </a:p>
+                  </a:txBody>
+                  <a:tcPr marL="66675" marR="66675" marT="19050" marB="19050" anchor="ctr">
+                    <a:lnL w="9525" cap="flat" cmpd="sng" algn="ctr">
+                      <a:solidFill>
+                        <a:srgbClr val="000000"/>
+                      </a:solidFill>
+                      <a:prstDash val="solid"/>
+                      <a:round/>
+                      <a:headEnd type="none" w="med" len="med"/>
+                      <a:tailEnd type="none" w="med" len="med"/>
+                    </a:lnL>
+                    <a:lnR w="9525" cap="flat" cmpd="sng" algn="ctr">
+                      <a:solidFill>
+                        <a:srgbClr val="000000"/>
+                      </a:solidFill>
+                      <a:prstDash val="solid"/>
+                      <a:round/>
+                      <a:headEnd type="none" w="med" len="med"/>
+                      <a:tailEnd type="none" w="med" len="med"/>
+                    </a:lnR>
+                    <a:lnT w="9525" cap="flat" cmpd="sng" algn="ctr">
+                      <a:solidFill>
+                        <a:srgbClr val="000000"/>
+                      </a:solidFill>
+                      <a:prstDash val="solid"/>
+                      <a:round/>
+                      <a:headEnd type="none" w="med" len="med"/>
+                      <a:tailEnd type="none" w="med" len="med"/>
+                    </a:lnT>
+                    <a:lnB w="9525" cap="flat" cmpd="sng" algn="ctr">
+                      <a:solidFill>
+                        <a:srgbClr val="000000"/>
+                      </a:solidFill>
+                      <a:prstDash val="solid"/>
+                      <a:round/>
+                      <a:headEnd type="none" w="med" len="med"/>
+                      <a:tailEnd type="none" w="med" len="med"/>
+                    </a:lnB>
+                    <a:solidFill>
+                      <a:srgbClr val="FFFFFF"/>
+                    </a:solidFill>
+                  </a:tcPr>
+                </a:tc>
+                <a:tc>
+                  <a:txBody>
+                    <a:bodyPr/>
+                    <a:lstStyle/>
+                    <a:p>
+                      <a:pPr fontAlgn="ctr"/>
+                      <a:r>
+                        <a:rPr lang="en-US" dirty="0">
+                          <a:effectLst/>
+                        </a:rPr>
+                        <a:t> </a:t>
+                      </a:r>
+                    </a:p>
+                  </a:txBody>
+                  <a:tcPr marL="66675" marR="66675" marT="19050" marB="19050" anchor="ctr">
+                    <a:lnL w="9525" cap="flat" cmpd="sng" algn="ctr">
+                      <a:solidFill>
+                        <a:srgbClr val="000000"/>
+                      </a:solidFill>
+                      <a:prstDash val="solid"/>
+                      <a:round/>
+                      <a:headEnd type="none" w="med" len="med"/>
+                      <a:tailEnd type="none" w="med" len="med"/>
+                    </a:lnL>
+                    <a:lnR w="9525" cap="flat" cmpd="sng" algn="ctr">
+                      <a:solidFill>
+                        <a:srgbClr val="000000"/>
+                      </a:solidFill>
+                      <a:prstDash val="solid"/>
+                      <a:round/>
+                      <a:headEnd type="none" w="med" len="med"/>
+                      <a:tailEnd type="none" w="med" len="med"/>
+                    </a:lnR>
+                    <a:lnT w="9525" cap="flat" cmpd="sng" algn="ctr">
+                      <a:solidFill>
+                        <a:srgbClr val="000000"/>
+                      </a:solidFill>
+                      <a:prstDash val="solid"/>
+                      <a:round/>
+                      <a:headEnd type="none" w="med" len="med"/>
+                      <a:tailEnd type="none" w="med" len="med"/>
+                    </a:lnT>
+                    <a:lnB w="9525" cap="flat" cmpd="sng" algn="ctr">
+                      <a:solidFill>
+                        <a:srgbClr val="000000"/>
+                      </a:solidFill>
+                      <a:prstDash val="solid"/>
+                      <a:round/>
+                      <a:headEnd type="none" w="med" len="med"/>
+                      <a:tailEnd type="none" w="med" len="med"/>
+                    </a:lnB>
+                    <a:solidFill>
+                      <a:srgbClr val="22578B"/>
+                    </a:solidFill>
+                  </a:tcPr>
+                </a:tc>
+                <a:tc>
+                  <a:txBody>
+                    <a:bodyPr/>
+                    <a:lstStyle/>
+                    <a:p>
+                      <a:pPr fontAlgn="ctr"/>
+                      <a:r>
+                        <a:rPr lang="en-US">
+                          <a:effectLst/>
+                        </a:rPr>
+                        <a:t> </a:t>
+                      </a:r>
+                    </a:p>
+                  </a:txBody>
+                  <a:tcPr marL="66675" marR="66675" marT="19050" marB="19050" anchor="ctr">
+                    <a:lnL w="9525" cap="flat" cmpd="sng" algn="ctr">
+                      <a:solidFill>
+                        <a:srgbClr val="000000"/>
+                      </a:solidFill>
+                      <a:prstDash val="solid"/>
+                      <a:round/>
+                      <a:headEnd type="none" w="med" len="med"/>
+                      <a:tailEnd type="none" w="med" len="med"/>
+                    </a:lnL>
+                    <a:lnR w="9525" cap="flat" cmpd="sng" algn="ctr">
+                      <a:solidFill>
+                        <a:srgbClr val="000000"/>
+                      </a:solidFill>
+                      <a:prstDash val="solid"/>
+                      <a:round/>
+                      <a:headEnd type="none" w="med" len="med"/>
+                      <a:tailEnd type="none" w="med" len="med"/>
+                    </a:lnR>
+                    <a:lnT w="9525" cap="flat" cmpd="sng" algn="ctr">
+                      <a:solidFill>
+                        <a:srgbClr val="000000"/>
+                      </a:solidFill>
+                      <a:prstDash val="solid"/>
+                      <a:round/>
+                      <a:headEnd type="none" w="med" len="med"/>
+                      <a:tailEnd type="none" w="med" len="med"/>
+                    </a:lnT>
+                    <a:lnB w="9525" cap="flat" cmpd="sng" algn="ctr">
+                      <a:solidFill>
+                        <a:srgbClr val="000000"/>
+                      </a:solidFill>
+                      <a:prstDash val="solid"/>
+                      <a:round/>
+                      <a:headEnd type="none" w="med" len="med"/>
+                      <a:tailEnd type="none" w="med" len="med"/>
+                    </a:lnB>
+                    <a:solidFill>
+                      <a:srgbClr val="FFFFFF"/>
+                    </a:solidFill>
+                  </a:tcPr>
+                </a:tc>
+                <a:tc>
+                  <a:txBody>
+                    <a:bodyPr/>
+                    <a:lstStyle/>
+                    <a:p>
+                      <a:pPr fontAlgn="ctr"/>
+                      <a:r>
+                        <a:rPr lang="en-US" dirty="0">
+                          <a:effectLst/>
+                        </a:rPr>
+                        <a:t> </a:t>
+                      </a:r>
+                    </a:p>
+                  </a:txBody>
+                  <a:tcPr marL="66675" marR="66675" marT="19050" marB="19050" anchor="ctr">
+                    <a:lnL w="9525" cap="flat" cmpd="sng" algn="ctr">
+                      <a:solidFill>
+                        <a:srgbClr val="000000"/>
+                      </a:solidFill>
+                      <a:prstDash val="solid"/>
+                      <a:round/>
+                      <a:headEnd type="none" w="med" len="med"/>
+                      <a:tailEnd type="none" w="med" len="med"/>
+                    </a:lnL>
+                    <a:lnR w="9525" cap="flat" cmpd="sng" algn="ctr">
+                      <a:solidFill>
+                        <a:srgbClr val="000000"/>
+                      </a:solidFill>
+                      <a:prstDash val="solid"/>
+                      <a:round/>
+                      <a:headEnd type="none" w="med" len="med"/>
+                      <a:tailEnd type="none" w="med" len="med"/>
+                    </a:lnR>
+                    <a:lnT w="9525" cap="flat" cmpd="sng" algn="ctr">
+                      <a:solidFill>
+                        <a:srgbClr val="000000"/>
+                      </a:solidFill>
+                      <a:prstDash val="solid"/>
+                      <a:round/>
+                      <a:headEnd type="none" w="med" len="med"/>
+                      <a:tailEnd type="none" w="med" len="med"/>
+                    </a:lnT>
+                    <a:lnB w="9525" cap="flat" cmpd="sng" algn="ctr">
+                      <a:solidFill>
+                        <a:srgbClr val="000000"/>
+                      </a:solidFill>
+                      <a:prstDash val="solid"/>
+                      <a:round/>
+                      <a:headEnd type="none" w="med" len="med"/>
+                      <a:tailEnd type="none" w="med" len="med"/>
+                    </a:lnB>
+                    <a:solidFill>
+                      <a:srgbClr val="FFFFFF"/>
+                    </a:solidFill>
+                  </a:tcPr>
+                </a:tc>
+                <a:extLst>
+                  <a:ext uri="{0D108BD9-81ED-4DB2-BD59-A6C34878D82A}">
+                    <a16:rowId xmlns:a16="http://schemas.microsoft.com/office/drawing/2014/main" val="3243241007"/>
+                  </a:ext>
+                </a:extLst>
+              </a:tr>
+            </a:tbl>
+          </a:graphicData>
+        </a:graphic>
+      </p:graphicFrame>
+      <p:sp>
+        <p:nvSpPr>
+          <p:cNvPr id="20" name="Rectangle 1">
+            <a:extLst>
+              <a:ext uri="{FF2B5EF4-FFF2-40B4-BE49-F238E27FC236}">
+                <a16:creationId xmlns:a16="http://schemas.microsoft.com/office/drawing/2014/main" id="{7DD5073A-E3EC-4C8D-9403-81300EFDE567}"/>
+              </a:ext>
+            </a:extLst>
+          </p:cNvPr>
+          <p:cNvSpPr>
+            <a:spLocks noChangeArrowheads="1"/>
+          </p:cNvSpPr>
+          <p:nvPr/>
+        </p:nvSpPr>
+        <p:spPr bwMode="auto">
+          <a:xfrm>
+            <a:off x="945246" y="1531992"/>
+            <a:ext cx="12192000" cy="457200"/>
+          </a:xfrm>
+          <a:prstGeom prst="rect">
+            <a:avLst/>
+          </a:prstGeom>
+          <a:noFill/>
+          <a:ln>
+            <a:noFill/>
+          </a:ln>
+          <a:effectLst/>
+          <a:extLst>
+            <a:ext uri="{909E8E84-426E-40DD-AFC4-6F175D3DCCD1}">
+              <a14:hiddenFill xmlns:a14="http://schemas.microsoft.com/office/drawing/2010/main">
+                <a:solidFill>
+                  <a:schemeClr val="accent1"/>
+                </a:solidFill>
+              </a14:hiddenFill>
+            </a:ext>
+            <a:ext uri="{91240B29-F687-4F45-9708-019B960494DF}">
+              <a14:hiddenLine xmlns:a14="http://schemas.microsoft.com/office/drawing/2010/main" w="9525">
+                <a:solidFill>
+                  <a:schemeClr val="tx1"/>
+                </a:solidFill>
+                <a:miter lim="800000"/>
+                <a:headEnd/>
+                <a:tailEnd/>
+              </a14:hiddenLine>
+            </a:ext>
+            <a:ext uri="{AF507438-7753-43E0-B8FC-AC1667EBCBE1}">
+              <a14:hiddenEffects xmlns:a14="http://schemas.microsoft.com/office/drawing/2010/main">
+                <a:effectLst>
+                  <a:outerShdw dist="35921" dir="2700000" algn="ctr" rotWithShape="0">
+                    <a:schemeClr val="bg2"/>
+                  </a:outerShdw>
+                </a:effectLst>
+              </a14:hiddenEffects>
+            </a:ext>
+          </a:extLst>
+        </p:spPr>
+        <p:txBody>
+          <a:bodyPr vert="horz" wrap="none" lIns="91440" tIns="45720" rIns="91440" bIns="45720" numCol="1" anchor="ctr" anchorCtr="0" compatLnSpc="1">
+            <a:prstTxWarp prst="textNoShape">
+              <a:avLst/>
+            </a:prstTxWarp>
+            <a:spAutoFit/>
+          </a:bodyPr>
+          <a:lstStyle/>
+          <a:p>
+            <a:endParaRPr lang="en-US"/>
+          </a:p>
+        </p:txBody>
+      </p:sp>
+    </p:spTree>
+    <p:extLst>
+      <p:ext uri="{BB962C8B-B14F-4D97-AF65-F5344CB8AC3E}">
+        <p14:creationId xmlns:p14="http://schemas.microsoft.com/office/powerpoint/2010/main" val="3427239611"/>
+      </p:ext>
+    </p:extLst>
+  </p:cSld>
+  <p:clrMapOvr>
+    <a:masterClrMapping/>
+  </p:clrMapOvr>
+</p:sld>
+</file>
+
+<file path=ppt/slides/slide13.xml><?xml version="1.0" encoding="utf-8"?>
+<p:sld xmlns:a="http://schemas.openxmlformats.org/drawingml/2006/main" xmlns:r="http://schemas.openxmlformats.org/officeDocument/2006/relationships" xmlns:p="http://schemas.openxmlformats.org/presentationml/2006/main">
+  <p:cSld>
+    <p:spTree>
+      <p:nvGrpSpPr>
+        <p:cNvPr id="1" name=""/>
+        <p:cNvGrpSpPr/>
+        <p:nvPr/>
+      </p:nvGrpSpPr>
+      <p:grpSpPr>
+        <a:xfrm>
+          <a:off x="0" y="0"/>
+          <a:ext cx="0" cy="0"/>
+          <a:chOff x="0" y="0"/>
+          <a:chExt cx="0" cy="0"/>
+        </a:xfrm>
+      </p:grpSpPr>
+      <p:sp>
+        <p:nvSpPr>
           <p:cNvPr id="2" name="正方形/長方形 1"/>
           <p:cNvSpPr/>
           <p:nvPr/>
@@ -5600,7 +9575,397 @@
 </p:sld>
 </file>
 
-<file path=ppt/slides/slide13.xml><?xml version="1.0" encoding="utf-8"?>
+<file path=ppt/slides/slide14.xml><?xml version="1.0" encoding="utf-8"?>
+<p:sld xmlns:a="http://schemas.openxmlformats.org/drawingml/2006/main" xmlns:r="http://schemas.openxmlformats.org/officeDocument/2006/relationships" xmlns:p="http://schemas.openxmlformats.org/presentationml/2006/main">
+  <p:cSld>
+    <p:spTree>
+      <p:nvGrpSpPr>
+        <p:cNvPr id="1" name=""/>
+        <p:cNvGrpSpPr/>
+        <p:nvPr/>
+      </p:nvGrpSpPr>
+      <p:grpSpPr>
+        <a:xfrm>
+          <a:off x="0" y="0"/>
+          <a:ext cx="0" cy="0"/>
+          <a:chOff x="0" y="0"/>
+          <a:chExt cx="0" cy="0"/>
+        </a:xfrm>
+      </p:grpSpPr>
+      <p:sp>
+        <p:nvSpPr>
+          <p:cNvPr id="5" name="正方形/長方形 4"/>
+          <p:cNvSpPr/>
+          <p:nvPr/>
+        </p:nvSpPr>
+        <p:spPr>
+          <a:xfrm>
+            <a:off x="0" y="0"/>
+            <a:ext cx="12192000" cy="1141993"/>
+          </a:xfrm>
+          <a:prstGeom prst="rect">
+            <a:avLst/>
+          </a:prstGeom>
+          <a:solidFill>
+            <a:srgbClr val="22578B"/>
+          </a:solidFill>
+          <a:ln>
+            <a:noFill/>
+          </a:ln>
+        </p:spPr>
+        <p:style>
+          <a:lnRef idx="2">
+            <a:schemeClr val="accent1">
+              <a:shade val="50000"/>
+            </a:schemeClr>
+          </a:lnRef>
+          <a:fillRef idx="1">
+            <a:schemeClr val="accent1"/>
+          </a:fillRef>
+          <a:effectRef idx="0">
+            <a:schemeClr val="accent1"/>
+          </a:effectRef>
+          <a:fontRef idx="minor">
+            <a:schemeClr val="lt1"/>
+          </a:fontRef>
+        </p:style>
+        <p:txBody>
+          <a:bodyPr rtlCol="0" anchor="ctr"/>
+          <a:lstStyle/>
+          <a:p>
+            <a:pPr algn="ctr"/>
+            <a:endParaRPr kumimoji="1" lang="ja-JP" altLang="en-US"/>
+          </a:p>
+        </p:txBody>
+      </p:sp>
+      <p:grpSp>
+        <p:nvGrpSpPr>
+          <p:cNvPr id="2" name="グループ化 1"/>
+          <p:cNvGrpSpPr/>
+          <p:nvPr/>
+        </p:nvGrpSpPr>
+        <p:grpSpPr>
+          <a:xfrm>
+            <a:off x="282270" y="199128"/>
+            <a:ext cx="2110410" cy="740357"/>
+            <a:chOff x="556590" y="1460994"/>
+            <a:chExt cx="2110410" cy="904199"/>
+          </a:xfrm>
+        </p:grpSpPr>
+        <p:sp>
+          <p:nvSpPr>
+            <p:cNvPr id="3" name="ホームベース 2"/>
+            <p:cNvSpPr/>
+            <p:nvPr/>
+          </p:nvSpPr>
+          <p:spPr>
+            <a:xfrm>
+              <a:off x="556590" y="1460994"/>
+              <a:ext cx="2110410" cy="904199"/>
+            </a:xfrm>
+            <a:prstGeom prst="homePlate">
+              <a:avLst/>
+            </a:prstGeom>
+            <a:solidFill>
+              <a:schemeClr val="bg1"/>
+            </a:solidFill>
+            <a:ln w="76200">
+              <a:solidFill>
+                <a:srgbClr val="1F3359"/>
+              </a:solidFill>
+            </a:ln>
+          </p:spPr>
+          <p:style>
+            <a:lnRef idx="2">
+              <a:schemeClr val="accent1">
+                <a:shade val="50000"/>
+              </a:schemeClr>
+            </a:lnRef>
+            <a:fillRef idx="1">
+              <a:schemeClr val="accent1"/>
+            </a:fillRef>
+            <a:effectRef idx="0">
+              <a:schemeClr val="accent1"/>
+            </a:effectRef>
+            <a:fontRef idx="minor">
+              <a:schemeClr val="lt1"/>
+            </a:fontRef>
+          </p:style>
+          <p:txBody>
+            <a:bodyPr rtlCol="0" anchor="ctr"/>
+            <a:lstStyle/>
+            <a:p>
+              <a:pPr algn="ctr"/>
+              <a:endParaRPr kumimoji="1" lang="ja-JP" altLang="en-US"/>
+            </a:p>
+          </p:txBody>
+        </p:sp>
+        <p:sp>
+          <p:nvSpPr>
+            <p:cNvPr id="4" name="テキスト ボックス 3"/>
+            <p:cNvSpPr txBox="1"/>
+            <p:nvPr/>
+          </p:nvSpPr>
+          <p:spPr>
+            <a:xfrm>
+              <a:off x="795130" y="1555999"/>
+              <a:ext cx="1324402" cy="714186"/>
+            </a:xfrm>
+            <a:prstGeom prst="rect">
+              <a:avLst/>
+            </a:prstGeom>
+            <a:noFill/>
+          </p:spPr>
+          <p:txBody>
+            <a:bodyPr wrap="none" rtlCol="0">
+              <a:spAutoFit/>
+            </a:bodyPr>
+            <a:lstStyle/>
+            <a:p>
+              <a:r>
+                <a:rPr kumimoji="1" lang="en-US" altLang="ko-KR" sz="3200" b="1" dirty="0">
+                  <a:solidFill>
+                    <a:srgbClr val="1F3359"/>
+                  </a:solidFill>
+                </a:rPr>
+                <a:t>Part 4</a:t>
+              </a:r>
+              <a:endParaRPr kumimoji="1" lang="ja-JP" altLang="en-US" sz="3200" b="1" dirty="0">
+                <a:solidFill>
+                  <a:srgbClr val="1F3359"/>
+                </a:solidFill>
+              </a:endParaRPr>
+            </a:p>
+          </p:txBody>
+        </p:sp>
+      </p:grpSp>
+      <p:sp>
+        <p:nvSpPr>
+          <p:cNvPr id="6" name="テキスト ボックス 5"/>
+          <p:cNvSpPr txBox="1"/>
+          <p:nvPr/>
+        </p:nvSpPr>
+        <p:spPr>
+          <a:xfrm>
+            <a:off x="2564852" y="139948"/>
+            <a:ext cx="4246291" cy="830997"/>
+          </a:xfrm>
+          <a:prstGeom prst="rect">
+            <a:avLst/>
+          </a:prstGeom>
+          <a:noFill/>
+        </p:spPr>
+        <p:txBody>
+          <a:bodyPr wrap="none" rtlCol="0">
+            <a:spAutoFit/>
+          </a:bodyPr>
+          <a:lstStyle/>
+          <a:p>
+            <a:r>
+              <a:rPr kumimoji="1" lang="en-US" altLang="ja-JP" sz="4800" b="1" spc="-300" dirty="0" err="1">
+                <a:solidFill>
+                  <a:schemeClr val="bg1"/>
+                </a:solidFill>
+              </a:rPr>
+              <a:t>Github</a:t>
+            </a:r>
+            <a:r>
+              <a:rPr kumimoji="1" lang="en-US" altLang="ja-JP" sz="4800" b="1" spc="-300" dirty="0">
+                <a:solidFill>
+                  <a:schemeClr val="bg1"/>
+                </a:solidFill>
+              </a:rPr>
+              <a:t> Address</a:t>
+            </a:r>
+            <a:endParaRPr kumimoji="1" lang="ja-JP" altLang="en-US" sz="4800" b="1" spc="-300" dirty="0">
+              <a:solidFill>
+                <a:schemeClr val="bg1"/>
+              </a:solidFill>
+            </a:endParaRPr>
+          </a:p>
+        </p:txBody>
+      </p:sp>
+      <p:sp>
+        <p:nvSpPr>
+          <p:cNvPr id="20" name="Rectangle 1">
+            <a:extLst>
+              <a:ext uri="{FF2B5EF4-FFF2-40B4-BE49-F238E27FC236}">
+                <a16:creationId xmlns:a16="http://schemas.microsoft.com/office/drawing/2014/main" id="{7DD5073A-E3EC-4C8D-9403-81300EFDE567}"/>
+              </a:ext>
+            </a:extLst>
+          </p:cNvPr>
+          <p:cNvSpPr>
+            <a:spLocks noChangeArrowheads="1"/>
+          </p:cNvSpPr>
+          <p:nvPr/>
+        </p:nvSpPr>
+        <p:spPr bwMode="auto">
+          <a:xfrm>
+            <a:off x="945246" y="1531992"/>
+            <a:ext cx="12192000" cy="457200"/>
+          </a:xfrm>
+          <a:prstGeom prst="rect">
+            <a:avLst/>
+          </a:prstGeom>
+          <a:noFill/>
+          <a:ln>
+            <a:noFill/>
+          </a:ln>
+          <a:effectLst/>
+          <a:extLst>
+            <a:ext uri="{909E8E84-426E-40DD-AFC4-6F175D3DCCD1}">
+              <a14:hiddenFill xmlns:a14="http://schemas.microsoft.com/office/drawing/2010/main">
+                <a:solidFill>
+                  <a:schemeClr val="accent1"/>
+                </a:solidFill>
+              </a14:hiddenFill>
+            </a:ext>
+            <a:ext uri="{91240B29-F687-4F45-9708-019B960494DF}">
+              <a14:hiddenLine xmlns:a14="http://schemas.microsoft.com/office/drawing/2010/main" w="9525">
+                <a:solidFill>
+                  <a:schemeClr val="tx1"/>
+                </a:solidFill>
+                <a:miter lim="800000"/>
+                <a:headEnd/>
+                <a:tailEnd/>
+              </a14:hiddenLine>
+            </a:ext>
+            <a:ext uri="{AF507438-7753-43E0-B8FC-AC1667EBCBE1}">
+              <a14:hiddenEffects xmlns:a14="http://schemas.microsoft.com/office/drawing/2010/main">
+                <a:effectLst>
+                  <a:outerShdw dist="35921" dir="2700000" algn="ctr" rotWithShape="0">
+                    <a:schemeClr val="bg2"/>
+                  </a:outerShdw>
+                </a:effectLst>
+              </a14:hiddenEffects>
+            </a:ext>
+          </a:extLst>
+        </p:spPr>
+        <p:txBody>
+          <a:bodyPr vert="horz" wrap="none" lIns="91440" tIns="45720" rIns="91440" bIns="45720" numCol="1" anchor="ctr" anchorCtr="0" compatLnSpc="1">
+            <a:prstTxWarp prst="textNoShape">
+              <a:avLst/>
+            </a:prstTxWarp>
+            <a:spAutoFit/>
+          </a:bodyPr>
+          <a:lstStyle/>
+          <a:p>
+            <a:endParaRPr lang="en-US"/>
+          </a:p>
+        </p:txBody>
+      </p:sp>
+      <p:sp>
+        <p:nvSpPr>
+          <p:cNvPr id="9" name="Rectangle 8">
+            <a:extLst>
+              <a:ext uri="{FF2B5EF4-FFF2-40B4-BE49-F238E27FC236}">
+                <a16:creationId xmlns:a16="http://schemas.microsoft.com/office/drawing/2014/main" id="{EB70040A-026B-45E5-92A6-89EB7E49FEC7}"/>
+              </a:ext>
+            </a:extLst>
+          </p:cNvPr>
+          <p:cNvSpPr/>
+          <p:nvPr/>
+        </p:nvSpPr>
+        <p:spPr>
+          <a:xfrm>
+            <a:off x="1928700" y="3296873"/>
+            <a:ext cx="9656495" cy="584775"/>
+          </a:xfrm>
+          <a:prstGeom prst="rect">
+            <a:avLst/>
+          </a:prstGeom>
+        </p:spPr>
+        <p:txBody>
+          <a:bodyPr wrap="square">
+            <a:spAutoFit/>
+          </a:bodyPr>
+          <a:lstStyle/>
+          <a:p>
+            <a:pPr algn="ctr"/>
+            <a:r>
+              <a:rPr kumimoji="1" lang="en-US" altLang="ko-KR" sz="3200" b="1" dirty="0">
+                <a:solidFill>
+                  <a:srgbClr val="2968A2"/>
+                </a:solidFill>
+                <a:hlinkClick r:id="rId2">
+                  <a:extLst>
+                    <a:ext uri="{A12FA001-AC4F-418D-AE19-62706E023703}">
+                      <ahyp:hlinkClr xmlns:ahyp="http://schemas.microsoft.com/office/drawing/2018/hyperlinkcolor" val="tx"/>
+                    </a:ext>
+                  </a:extLst>
+                </a:hlinkClick>
+              </a:rPr>
+              <a:t>http://github.com/sysprogramming/sysproj</a:t>
+            </a:r>
+            <a:endParaRPr lang="en-US" sz="3200" dirty="0">
+              <a:solidFill>
+                <a:srgbClr val="2968A2"/>
+              </a:solidFill>
+            </a:endParaRPr>
+          </a:p>
+        </p:txBody>
+      </p:sp>
+      <p:pic>
+        <p:nvPicPr>
+          <p:cNvPr id="2052" name="Picture 4" descr="Image result for github icon blue">
+            <a:extLst>
+              <a:ext uri="{FF2B5EF4-FFF2-40B4-BE49-F238E27FC236}">
+                <a16:creationId xmlns:a16="http://schemas.microsoft.com/office/drawing/2014/main" id="{12F388D8-EAD0-4036-93C4-E08650189EC9}"/>
+              </a:ext>
+            </a:extLst>
+          </p:cNvPr>
+          <p:cNvPicPr>
+            <a:picLocks noChangeAspect="1" noChangeArrowheads="1"/>
+          </p:cNvPicPr>
+          <p:nvPr/>
+        </p:nvPicPr>
+        <p:blipFill>
+          <a:blip r:embed="rId3">
+            <a:extLst>
+              <a:ext uri="{28A0092B-C50C-407E-A947-70E740481C1C}">
+                <a14:useLocalDpi xmlns:a14="http://schemas.microsoft.com/office/drawing/2010/main" val="0"/>
+              </a:ext>
+            </a:extLst>
+          </a:blip>
+          <a:srcRect/>
+          <a:stretch>
+            <a:fillRect/>
+          </a:stretch>
+        </p:blipFill>
+        <p:spPr bwMode="auto">
+          <a:xfrm>
+            <a:off x="1719125" y="3252482"/>
+            <a:ext cx="673555" cy="673555"/>
+          </a:xfrm>
+          <a:prstGeom prst="rect">
+            <a:avLst/>
+          </a:prstGeom>
+          <a:noFill/>
+          <a:extLst>
+            <a:ext uri="{909E8E84-426E-40DD-AFC4-6F175D3DCCD1}">
+              <a14:hiddenFill xmlns:a14="http://schemas.microsoft.com/office/drawing/2010/main">
+                <a:solidFill>
+                  <a:srgbClr val="FFFFFF"/>
+                </a:solidFill>
+              </a14:hiddenFill>
+            </a:ext>
+          </a:extLst>
+        </p:spPr>
+      </p:pic>
+    </p:spTree>
+    <p:extLst>
+      <p:ext uri="{BB962C8B-B14F-4D97-AF65-F5344CB8AC3E}">
+        <p14:creationId xmlns:p14="http://schemas.microsoft.com/office/powerpoint/2010/main" val="899661911"/>
+      </p:ext>
+    </p:extLst>
+  </p:cSld>
+  <p:clrMapOvr>
+    <a:masterClrMapping/>
+  </p:clrMapOvr>
+</p:sld>
+</file>
+
+<file path=ppt/slides/slide15.xml><?xml version="1.0" encoding="utf-8"?>
 <p:sld xmlns:a="http://schemas.openxmlformats.org/drawingml/2006/main" xmlns:r="http://schemas.openxmlformats.org/officeDocument/2006/relationships" xmlns:p="http://schemas.openxmlformats.org/presentationml/2006/main">
   <p:cSld>
     <p:bg>
@@ -6066,7 +10431,7 @@
           <p:spPr>
             <a:xfrm>
               <a:off x="795130" y="1643690"/>
-              <a:ext cx="1236236" cy="769441"/>
+              <a:ext cx="2321469" cy="769441"/>
             </a:xfrm>
             <a:prstGeom prst="rect">
               <a:avLst/>
@@ -6080,12 +10445,12 @@
             <a:lstStyle/>
             <a:p>
               <a:r>
-                <a:rPr kumimoji="1" lang="ko-KR" altLang="en-US" sz="4400" b="1" spc="-300" dirty="0">
+                <a:rPr kumimoji="1" lang="en-US" altLang="ko-KR" sz="4400" b="1" spc="-300" dirty="0">
                   <a:solidFill>
                     <a:srgbClr val="1F3359"/>
                   </a:solidFill>
                 </a:rPr>
-                <a:t>목차</a:t>
+                <a:t>Contents</a:t>
               </a:r>
               <a:endParaRPr kumimoji="1" lang="ja-JP" altLang="en-US" sz="4400" b="1" spc="-300" dirty="0">
                 <a:solidFill>
@@ -7839,7 +12204,15 @@
               </a:pPr>
               <a:r>
                 <a:rPr lang="en-US" altLang="ko-KR" dirty="0"/>
-                <a:t>3rd Grade</a:t>
+                <a:t>4</a:t>
+              </a:r>
+              <a:r>
+                <a:rPr lang="en-US" altLang="ko-KR" baseline="30000" dirty="0"/>
+                <a:t>th</a:t>
+              </a:r>
+              <a:r>
+                <a:rPr lang="en-US" altLang="ko-KR" dirty="0"/>
+                <a:t> Grade</a:t>
               </a:r>
             </a:p>
             <a:p>
@@ -7972,6 +12345,54 @@
           <a:xfrm>
             <a:off x="2910978" y="4137492"/>
             <a:ext cx="486563" cy="400237"/>
+          </a:xfrm>
+          <a:prstGeom prst="rect">
+            <a:avLst/>
+          </a:prstGeom>
+          <a:noFill/>
+          <a:extLst>
+            <a:ext uri="{909E8E84-426E-40DD-AFC4-6F175D3DCCD1}">
+              <a14:hiddenFill xmlns:a14="http://schemas.microsoft.com/office/drawing/2010/main">
+                <a:solidFill>
+                  <a:srgbClr val="FFFFFF"/>
+                </a:solidFill>
+              </a14:hiddenFill>
+            </a:ext>
+          </a:extLst>
+        </p:spPr>
+      </p:pic>
+      <p:pic>
+        <p:nvPicPr>
+          <p:cNvPr id="16" name="Picture 6">
+            <a:extLst>
+              <a:ext uri="{FF2B5EF4-FFF2-40B4-BE49-F238E27FC236}">
+                <a16:creationId xmlns:a16="http://schemas.microsoft.com/office/drawing/2014/main" id="{AD5196CF-7650-4551-9C6B-D55DB3CEB38B}"/>
+              </a:ext>
+            </a:extLst>
+          </p:cNvPr>
+          <p:cNvPicPr>
+            <a:picLocks noChangeAspect="1" noChangeArrowheads="1"/>
+          </p:cNvPicPr>
+          <p:nvPr/>
+        </p:nvPicPr>
+        <p:blipFill>
+          <a:blip r:embed="rId5">
+            <a:extLst>
+              <a:ext uri="{28A0092B-C50C-407E-A947-70E740481C1C}">
+                <a14:useLocalDpi xmlns:a14="http://schemas.microsoft.com/office/drawing/2010/main" val="0"/>
+              </a:ext>
+              <a:ext uri="{837473B0-CC2E-450A-ABE3-18F120FF3D39}">
+                <a1611:picAttrSrcUrl xmlns:a1611="http://schemas.microsoft.com/office/drawing/2016/11/main" r:id="rId6"/>
+              </a:ext>
+            </a:extLst>
+          </a:blip>
+          <a:srcRect/>
+          <a:stretch/>
+        </p:blipFill>
+        <p:spPr bwMode="auto">
+          <a:xfrm>
+            <a:off x="8399346" y="4175462"/>
+            <a:ext cx="486563" cy="324294"/>
           </a:xfrm>
           <a:prstGeom prst="rect">
             <a:avLst/>

--- a/TEAM 11.pptx
+++ b/TEAM 11.pptx
@@ -15,11 +15,12 @@
     <p:sldId id="286" r:id="rId9"/>
     <p:sldId id="285" r:id="rId10"/>
     <p:sldId id="284" r:id="rId11"/>
-    <p:sldId id="281" r:id="rId12"/>
-    <p:sldId id="287" r:id="rId13"/>
-    <p:sldId id="279" r:id="rId14"/>
-    <p:sldId id="288" r:id="rId15"/>
-    <p:sldId id="273" r:id="rId16"/>
+    <p:sldId id="289" r:id="rId12"/>
+    <p:sldId id="281" r:id="rId13"/>
+    <p:sldId id="287" r:id="rId14"/>
+    <p:sldId id="279" r:id="rId15"/>
+    <p:sldId id="288" r:id="rId16"/>
+    <p:sldId id="273" r:id="rId17"/>
   </p:sldIdLst>
   <p:sldSz cx="12192000" cy="6858000"/>
   <p:notesSz cx="6858000" cy="9144000"/>
@@ -301,7 +302,7 @@
           <a:p>
             <a:fld id="{386CB99C-9B6F-4B9E-A2C8-D50A6870A801}" type="datetimeFigureOut">
               <a:rPr lang="ko-KR" altLang="en-US" smtClean="0"/>
-              <a:t>2019-11-17</a:t>
+              <a:t>2019-11-18</a:t>
             </a:fld>
             <a:endParaRPr lang="ko-KR" altLang="en-US"/>
           </a:p>
@@ -499,7 +500,7 @@
           <a:p>
             <a:fld id="{386CB99C-9B6F-4B9E-A2C8-D50A6870A801}" type="datetimeFigureOut">
               <a:rPr lang="ko-KR" altLang="en-US" smtClean="0"/>
-              <a:t>2019-11-17</a:t>
+              <a:t>2019-11-18</a:t>
             </a:fld>
             <a:endParaRPr lang="ko-KR" altLang="en-US"/>
           </a:p>
@@ -707,7 +708,7 @@
           <a:p>
             <a:fld id="{386CB99C-9B6F-4B9E-A2C8-D50A6870A801}" type="datetimeFigureOut">
               <a:rPr lang="ko-KR" altLang="en-US" smtClean="0"/>
-              <a:t>2019-11-17</a:t>
+              <a:t>2019-11-18</a:t>
             </a:fld>
             <a:endParaRPr lang="ko-KR" altLang="en-US"/>
           </a:p>
@@ -905,7 +906,7 @@
           <a:p>
             <a:fld id="{386CB99C-9B6F-4B9E-A2C8-D50A6870A801}" type="datetimeFigureOut">
               <a:rPr lang="ko-KR" altLang="en-US" smtClean="0"/>
-              <a:t>2019-11-17</a:t>
+              <a:t>2019-11-18</a:t>
             </a:fld>
             <a:endParaRPr lang="ko-KR" altLang="en-US"/>
           </a:p>
@@ -1180,7 +1181,7 @@
           <a:p>
             <a:fld id="{386CB99C-9B6F-4B9E-A2C8-D50A6870A801}" type="datetimeFigureOut">
               <a:rPr lang="ko-KR" altLang="en-US" smtClean="0"/>
-              <a:t>2019-11-17</a:t>
+              <a:t>2019-11-18</a:t>
             </a:fld>
             <a:endParaRPr lang="ko-KR" altLang="en-US"/>
           </a:p>
@@ -1445,7 +1446,7 @@
           <a:p>
             <a:fld id="{386CB99C-9B6F-4B9E-A2C8-D50A6870A801}" type="datetimeFigureOut">
               <a:rPr lang="ko-KR" altLang="en-US" smtClean="0"/>
-              <a:t>2019-11-17</a:t>
+              <a:t>2019-11-18</a:t>
             </a:fld>
             <a:endParaRPr lang="ko-KR" altLang="en-US"/>
           </a:p>
@@ -1857,7 +1858,7 @@
           <a:p>
             <a:fld id="{386CB99C-9B6F-4B9E-A2C8-D50A6870A801}" type="datetimeFigureOut">
               <a:rPr lang="ko-KR" altLang="en-US" smtClean="0"/>
-              <a:t>2019-11-17</a:t>
+              <a:t>2019-11-18</a:t>
             </a:fld>
             <a:endParaRPr lang="ko-KR" altLang="en-US"/>
           </a:p>
@@ -1998,7 +1999,7 @@
           <a:p>
             <a:fld id="{386CB99C-9B6F-4B9E-A2C8-D50A6870A801}" type="datetimeFigureOut">
               <a:rPr lang="ko-KR" altLang="en-US" smtClean="0"/>
-              <a:t>2019-11-17</a:t>
+              <a:t>2019-11-18</a:t>
             </a:fld>
             <a:endParaRPr lang="ko-KR" altLang="en-US"/>
           </a:p>
@@ -2111,7 +2112,7 @@
           <a:p>
             <a:fld id="{386CB99C-9B6F-4B9E-A2C8-D50A6870A801}" type="datetimeFigureOut">
               <a:rPr lang="ko-KR" altLang="en-US" smtClean="0"/>
-              <a:t>2019-11-17</a:t>
+              <a:t>2019-11-18</a:t>
             </a:fld>
             <a:endParaRPr lang="ko-KR" altLang="en-US"/>
           </a:p>
@@ -2422,7 +2423,7 @@
           <a:p>
             <a:fld id="{386CB99C-9B6F-4B9E-A2C8-D50A6870A801}" type="datetimeFigureOut">
               <a:rPr lang="ko-KR" altLang="en-US" smtClean="0"/>
-              <a:t>2019-11-17</a:t>
+              <a:t>2019-11-18</a:t>
             </a:fld>
             <a:endParaRPr lang="ko-KR" altLang="en-US"/>
           </a:p>
@@ -2710,7 +2711,7 @@
           <a:p>
             <a:fld id="{386CB99C-9B6F-4B9E-A2C8-D50A6870A801}" type="datetimeFigureOut">
               <a:rPr lang="ko-KR" altLang="en-US" smtClean="0"/>
-              <a:t>2019-11-17</a:t>
+              <a:t>2019-11-18</a:t>
             </a:fld>
             <a:endParaRPr lang="ko-KR" altLang="en-US"/>
           </a:p>
@@ -2951,7 +2952,7 @@
           <a:p>
             <a:fld id="{386CB99C-9B6F-4B9E-A2C8-D50A6870A801}" type="datetimeFigureOut">
               <a:rPr lang="ko-KR" altLang="en-US" smtClean="0"/>
-              <a:t>2019-11-17</a:t>
+              <a:t>2019-11-18</a:t>
             </a:fld>
             <a:endParaRPr lang="ko-KR" altLang="en-US"/>
           </a:p>
@@ -4248,8 +4249,8 @@
         </p:nvSpPr>
         <p:spPr>
           <a:xfrm>
-            <a:off x="520810" y="1318663"/>
-            <a:ext cx="6409379" cy="5909310"/>
+            <a:off x="282271" y="1219783"/>
+            <a:ext cx="5497744" cy="5909310"/>
           </a:xfrm>
           <a:prstGeom prst="rect">
             <a:avLst/>
@@ -4358,6 +4359,127 @@
             <a:r>
               <a:rPr lang="en-US" altLang="ko-KR" b="1" dirty="0"/>
               <a:t>You can type ‘d’ to delete a project</a:t>
+            </a:r>
+          </a:p>
+          <a:p>
+            <a:endParaRPr lang="en-US" altLang="ko-KR" b="1" dirty="0"/>
+          </a:p>
+          <a:p>
+            <a:endParaRPr lang="en-US" altLang="ko-KR" b="1" dirty="0"/>
+          </a:p>
+          <a:p>
+            <a:endParaRPr lang="en-US" altLang="ko-KR" b="1" dirty="0"/>
+          </a:p>
+        </p:txBody>
+      </p:sp>
+      <p:sp>
+        <p:nvSpPr>
+          <p:cNvPr id="10" name="TextBox 9">
+            <a:extLst>
+              <a:ext uri="{FF2B5EF4-FFF2-40B4-BE49-F238E27FC236}">
+                <a16:creationId xmlns:a16="http://schemas.microsoft.com/office/drawing/2014/main" id="{820BB2F6-1DA3-45B6-B7CB-A94B8D2A7D87}"/>
+              </a:ext>
+            </a:extLst>
+          </p:cNvPr>
+          <p:cNvSpPr txBox="1"/>
+          <p:nvPr/>
+        </p:nvSpPr>
+        <p:spPr>
+          <a:xfrm>
+            <a:off x="6313955" y="1219783"/>
+            <a:ext cx="5497744" cy="6001643"/>
+          </a:xfrm>
+          <a:prstGeom prst="rect">
+            <a:avLst/>
+          </a:prstGeom>
+          <a:noFill/>
+        </p:spPr>
+        <p:txBody>
+          <a:bodyPr wrap="square" rtlCol="0">
+            <a:spAutoFit/>
+          </a:bodyPr>
+          <a:lstStyle/>
+          <a:p>
+            <a:pPr marL="342900" indent="-342900">
+              <a:buFont typeface="Wingdings" panose="05000000000000000000" pitchFamily="2" charset="2"/>
+              <a:buChar char="l"/>
+            </a:pPr>
+            <a:r>
+              <a:rPr lang="en-US" altLang="ko-KR" sz="2400" b="1" dirty="0"/>
+              <a:t>TASK BLOCK</a:t>
+            </a:r>
+          </a:p>
+          <a:p>
+            <a:endParaRPr lang="en-US" altLang="ko-KR" sz="2400" b="1" dirty="0"/>
+          </a:p>
+          <a:p>
+            <a:pPr marL="457200" indent="-457200">
+              <a:buAutoNum type="arabicPeriod"/>
+            </a:pPr>
+            <a:r>
+              <a:rPr lang="en-US" altLang="ko-KR" b="1" dirty="0"/>
+              <a:t>You can add Task Block, delete Task Block by type or click</a:t>
+            </a:r>
+          </a:p>
+          <a:p>
+            <a:pPr marL="457200" indent="-457200">
+              <a:buAutoNum type="arabicPeriod"/>
+            </a:pPr>
+            <a:r>
+              <a:rPr lang="en-US" altLang="ko-KR" b="1" dirty="0"/>
+              <a:t>Task block can be shown to every online users</a:t>
+            </a:r>
+          </a:p>
+          <a:p>
+            <a:pPr marL="457200" indent="-457200">
+              <a:buAutoNum type="arabicPeriod"/>
+            </a:pPr>
+            <a:r>
+              <a:rPr lang="en-US" altLang="ko-KR" b="1" dirty="0"/>
+              <a:t>If you type specific character, TO DO BLOCK change to DOING BLOCK, also DOING BLOCK to DONE BLOCK</a:t>
+            </a:r>
+          </a:p>
+          <a:p>
+            <a:pPr marL="457200" indent="-457200">
+              <a:buAutoNum type="arabicPeriod"/>
+            </a:pPr>
+            <a:r>
+              <a:rPr lang="en-US" altLang="ko-KR" b="1" dirty="0"/>
+              <a:t>You can add your comment under the TASK BLOCK </a:t>
+            </a:r>
+          </a:p>
+          <a:p>
+            <a:endParaRPr lang="en-US" altLang="ko-KR" b="1" dirty="0"/>
+          </a:p>
+          <a:p>
+            <a:pPr marL="342900" indent="-342900">
+              <a:buFont typeface="Wingdings" panose="05000000000000000000" pitchFamily="2" charset="2"/>
+              <a:buChar char="l"/>
+            </a:pPr>
+            <a:r>
+              <a:rPr lang="en-US" altLang="ko-KR" sz="2400" b="1" dirty="0"/>
+              <a:t>USER STATUS BAR</a:t>
+            </a:r>
+          </a:p>
+          <a:p>
+            <a:endParaRPr lang="en-US" altLang="ko-KR" sz="2400" b="1" dirty="0"/>
+          </a:p>
+          <a:p>
+            <a:pPr marL="342900" indent="-342900">
+              <a:buAutoNum type="arabicPeriod"/>
+            </a:pPr>
+            <a:r>
+              <a:rPr lang="en-US" altLang="ko-KR" b="1" dirty="0"/>
+              <a:t>Print user`s name who is on your project</a:t>
+            </a:r>
+          </a:p>
+          <a:p>
+            <a:pPr marL="342900" indent="-342900">
+              <a:buAutoNum type="arabicPeriod"/>
+            </a:pPr>
+            <a:r>
+              <a:rPr lang="en-US" altLang="ko-KR" b="1" dirty="0"/>
+              <a:t>Green circle means user is online, Red circle means user is offline</a:t>
             </a:r>
           </a:p>
           <a:p>
@@ -4385,6 +4507,318 @@
 </file>
 
 <file path=ppt/slides/slide11.xml><?xml version="1.0" encoding="utf-8"?>
+<p:sld xmlns:a="http://schemas.openxmlformats.org/drawingml/2006/main" xmlns:r="http://schemas.openxmlformats.org/officeDocument/2006/relationships" xmlns:p="http://schemas.openxmlformats.org/presentationml/2006/main">
+  <p:cSld>
+    <p:spTree>
+      <p:nvGrpSpPr>
+        <p:cNvPr id="1" name=""/>
+        <p:cNvGrpSpPr/>
+        <p:nvPr/>
+      </p:nvGrpSpPr>
+      <p:grpSpPr>
+        <a:xfrm>
+          <a:off x="0" y="0"/>
+          <a:ext cx="0" cy="0"/>
+          <a:chOff x="0" y="0"/>
+          <a:chExt cx="0" cy="0"/>
+        </a:xfrm>
+      </p:grpSpPr>
+      <p:sp>
+        <p:nvSpPr>
+          <p:cNvPr id="5" name="正方形/長方形 4"/>
+          <p:cNvSpPr/>
+          <p:nvPr/>
+        </p:nvSpPr>
+        <p:spPr>
+          <a:xfrm>
+            <a:off x="0" y="0"/>
+            <a:ext cx="12192000" cy="1141993"/>
+          </a:xfrm>
+          <a:prstGeom prst="rect">
+            <a:avLst/>
+          </a:prstGeom>
+          <a:solidFill>
+            <a:srgbClr val="22578B"/>
+          </a:solidFill>
+          <a:ln>
+            <a:noFill/>
+          </a:ln>
+        </p:spPr>
+        <p:style>
+          <a:lnRef idx="2">
+            <a:schemeClr val="accent1">
+              <a:shade val="50000"/>
+            </a:schemeClr>
+          </a:lnRef>
+          <a:fillRef idx="1">
+            <a:schemeClr val="accent1"/>
+          </a:fillRef>
+          <a:effectRef idx="0">
+            <a:schemeClr val="accent1"/>
+          </a:effectRef>
+          <a:fontRef idx="minor">
+            <a:schemeClr val="lt1"/>
+          </a:fontRef>
+        </p:style>
+        <p:txBody>
+          <a:bodyPr rtlCol="0" anchor="ctr"/>
+          <a:lstStyle/>
+          <a:p>
+            <a:pPr algn="ctr"/>
+            <a:endParaRPr kumimoji="1" lang="ja-JP" altLang="en-US"/>
+          </a:p>
+        </p:txBody>
+      </p:sp>
+      <p:grpSp>
+        <p:nvGrpSpPr>
+          <p:cNvPr id="2" name="グループ化 1"/>
+          <p:cNvGrpSpPr/>
+          <p:nvPr/>
+        </p:nvGrpSpPr>
+        <p:grpSpPr>
+          <a:xfrm>
+            <a:off x="282270" y="199128"/>
+            <a:ext cx="2110410" cy="740357"/>
+            <a:chOff x="556590" y="1460994"/>
+            <a:chExt cx="2110410" cy="904199"/>
+          </a:xfrm>
+        </p:grpSpPr>
+        <p:sp>
+          <p:nvSpPr>
+            <p:cNvPr id="3" name="ホームベース 2"/>
+            <p:cNvSpPr/>
+            <p:nvPr/>
+          </p:nvSpPr>
+          <p:spPr>
+            <a:xfrm>
+              <a:off x="556590" y="1460994"/>
+              <a:ext cx="2110410" cy="904199"/>
+            </a:xfrm>
+            <a:prstGeom prst="homePlate">
+              <a:avLst/>
+            </a:prstGeom>
+            <a:solidFill>
+              <a:schemeClr val="bg1"/>
+            </a:solidFill>
+            <a:ln w="76200">
+              <a:solidFill>
+                <a:srgbClr val="1F3359"/>
+              </a:solidFill>
+            </a:ln>
+          </p:spPr>
+          <p:style>
+            <a:lnRef idx="2">
+              <a:schemeClr val="accent1">
+                <a:shade val="50000"/>
+              </a:schemeClr>
+            </a:lnRef>
+            <a:fillRef idx="1">
+              <a:schemeClr val="accent1"/>
+            </a:fillRef>
+            <a:effectRef idx="0">
+              <a:schemeClr val="accent1"/>
+            </a:effectRef>
+            <a:fontRef idx="minor">
+              <a:schemeClr val="lt1"/>
+            </a:fontRef>
+          </p:style>
+          <p:txBody>
+            <a:bodyPr rtlCol="0" anchor="ctr"/>
+            <a:lstStyle/>
+            <a:p>
+              <a:pPr algn="ctr"/>
+              <a:endParaRPr kumimoji="1" lang="ja-JP" altLang="en-US"/>
+            </a:p>
+          </p:txBody>
+        </p:sp>
+        <p:sp>
+          <p:nvSpPr>
+            <p:cNvPr id="4" name="テキスト ボックス 3"/>
+            <p:cNvSpPr txBox="1"/>
+            <p:nvPr/>
+          </p:nvSpPr>
+          <p:spPr>
+            <a:xfrm>
+              <a:off x="795130" y="1555999"/>
+              <a:ext cx="1324402" cy="714186"/>
+            </a:xfrm>
+            <a:prstGeom prst="rect">
+              <a:avLst/>
+            </a:prstGeom>
+            <a:noFill/>
+          </p:spPr>
+          <p:txBody>
+            <a:bodyPr wrap="none" rtlCol="0">
+              <a:spAutoFit/>
+            </a:bodyPr>
+            <a:lstStyle/>
+            <a:p>
+              <a:r>
+                <a:rPr kumimoji="1" lang="en-US" altLang="ko-KR" sz="3200" b="1" dirty="0">
+                  <a:solidFill>
+                    <a:srgbClr val="1F3359"/>
+                  </a:solidFill>
+                </a:rPr>
+                <a:t>Part 2</a:t>
+              </a:r>
+              <a:endParaRPr kumimoji="1" lang="ja-JP" altLang="en-US" sz="3200" b="1" dirty="0">
+                <a:solidFill>
+                  <a:srgbClr val="1F3359"/>
+                </a:solidFill>
+              </a:endParaRPr>
+            </a:p>
+          </p:txBody>
+        </p:sp>
+      </p:grpSp>
+      <p:sp>
+        <p:nvSpPr>
+          <p:cNvPr id="6" name="テキスト ボックス 5"/>
+          <p:cNvSpPr txBox="1"/>
+          <p:nvPr/>
+        </p:nvSpPr>
+        <p:spPr>
+          <a:xfrm>
+            <a:off x="2573241" y="30696"/>
+            <a:ext cx="7045518" cy="830997"/>
+          </a:xfrm>
+          <a:prstGeom prst="rect">
+            <a:avLst/>
+          </a:prstGeom>
+          <a:noFill/>
+        </p:spPr>
+        <p:txBody>
+          <a:bodyPr wrap="none" rtlCol="0">
+            <a:spAutoFit/>
+          </a:bodyPr>
+          <a:lstStyle/>
+          <a:p>
+            <a:r>
+              <a:rPr kumimoji="1" lang="en-US" altLang="ja-JP" sz="4800" b="1" spc="-300" dirty="0">
+                <a:solidFill>
+                  <a:schemeClr val="bg1"/>
+                </a:solidFill>
+              </a:rPr>
+              <a:t>PROGRAM</a:t>
+            </a:r>
+            <a:r>
+              <a:rPr kumimoji="1" lang="ko-KR" altLang="en-US" sz="4800" b="1" spc="-300" dirty="0">
+                <a:solidFill>
+                  <a:schemeClr val="bg1"/>
+                </a:solidFill>
+              </a:rPr>
+              <a:t> </a:t>
+            </a:r>
+            <a:r>
+              <a:rPr kumimoji="1" lang="en-US" altLang="ko-KR" sz="4800" b="1" spc="-300" dirty="0">
+                <a:solidFill>
+                  <a:schemeClr val="bg1"/>
+                </a:solidFill>
+              </a:rPr>
+              <a:t>DESCRIPTION</a:t>
+            </a:r>
+            <a:endParaRPr kumimoji="1" lang="ja-JP" altLang="en-US" sz="4800" b="1" spc="-300" dirty="0">
+              <a:solidFill>
+                <a:schemeClr val="bg1"/>
+              </a:solidFill>
+            </a:endParaRPr>
+          </a:p>
+        </p:txBody>
+      </p:sp>
+      <p:sp>
+        <p:nvSpPr>
+          <p:cNvPr id="11" name="TextBox 10">
+            <a:extLst>
+              <a:ext uri="{FF2B5EF4-FFF2-40B4-BE49-F238E27FC236}">
+                <a16:creationId xmlns:a16="http://schemas.microsoft.com/office/drawing/2014/main" id="{22F57C7E-99E2-4DD6-89B0-E29E3E3636F3}"/>
+              </a:ext>
+            </a:extLst>
+          </p:cNvPr>
+          <p:cNvSpPr txBox="1"/>
+          <p:nvPr/>
+        </p:nvSpPr>
+        <p:spPr>
+          <a:xfrm>
+            <a:off x="2573241" y="714041"/>
+            <a:ext cx="7164198" cy="369332"/>
+          </a:xfrm>
+          <a:prstGeom prst="rect">
+            <a:avLst/>
+          </a:prstGeom>
+          <a:noFill/>
+        </p:spPr>
+        <p:txBody>
+          <a:bodyPr wrap="square" rtlCol="0">
+            <a:spAutoFit/>
+          </a:bodyPr>
+          <a:lstStyle/>
+          <a:p>
+            <a:r>
+              <a:rPr lang="en-US" altLang="ko-KR" b="1" dirty="0">
+                <a:solidFill>
+                  <a:schemeClr val="bg1"/>
+                </a:solidFill>
+              </a:rPr>
+              <a:t>Warnings</a:t>
+            </a:r>
+            <a:endParaRPr lang="ko-KR" altLang="en-US" b="1" dirty="0">
+              <a:solidFill>
+                <a:schemeClr val="bg1"/>
+              </a:solidFill>
+            </a:endParaRPr>
+          </a:p>
+        </p:txBody>
+      </p:sp>
+      <p:sp>
+        <p:nvSpPr>
+          <p:cNvPr id="8" name="TextBox 7">
+            <a:extLst>
+              <a:ext uri="{FF2B5EF4-FFF2-40B4-BE49-F238E27FC236}">
+                <a16:creationId xmlns:a16="http://schemas.microsoft.com/office/drawing/2014/main" id="{9955E0D5-40AF-4A77-8687-5D912AE452F4}"/>
+              </a:ext>
+            </a:extLst>
+          </p:cNvPr>
+          <p:cNvSpPr txBox="1"/>
+          <p:nvPr/>
+        </p:nvSpPr>
+        <p:spPr>
+          <a:xfrm>
+            <a:off x="1025472" y="2399250"/>
+            <a:ext cx="10259736" cy="2862322"/>
+          </a:xfrm>
+          <a:prstGeom prst="rect">
+            <a:avLst/>
+          </a:prstGeom>
+          <a:noFill/>
+        </p:spPr>
+        <p:txBody>
+          <a:bodyPr wrap="square" rtlCol="0">
+            <a:spAutoFit/>
+          </a:bodyPr>
+          <a:lstStyle/>
+          <a:p>
+            <a:pPr algn="ctr"/>
+            <a:r>
+              <a:rPr lang="en-US" altLang="ko-KR" sz="6000" dirty="0"/>
+              <a:t>Program can be changed due to our programming skill and schedule</a:t>
+            </a:r>
+            <a:endParaRPr lang="ko-KR" altLang="en-US" sz="6000" dirty="0"/>
+          </a:p>
+        </p:txBody>
+      </p:sp>
+    </p:spTree>
+    <p:extLst>
+      <p:ext uri="{BB962C8B-B14F-4D97-AF65-F5344CB8AC3E}">
+        <p14:creationId xmlns:p14="http://schemas.microsoft.com/office/powerpoint/2010/main" val="777312374"/>
+      </p:ext>
+    </p:extLst>
+  </p:cSld>
+  <p:clrMapOvr>
+    <a:masterClrMapping/>
+  </p:clrMapOvr>
+</p:sld>
+</file>
+
+<file path=ppt/slides/slide12.xml><?xml version="1.0" encoding="utf-8"?>
 <p:sld xmlns:a="http://schemas.openxmlformats.org/drawingml/2006/main" xmlns:r="http://schemas.openxmlformats.org/officeDocument/2006/relationships" xmlns:p="http://schemas.openxmlformats.org/presentationml/2006/main">
   <p:cSld>
     <p:spTree>
@@ -4993,7 +5427,7 @@
 </p:sld>
 </file>
 
-<file path=ppt/slides/slide12.xml><?xml version="1.0" encoding="utf-8"?>
+<file path=ppt/slides/slide13.xml><?xml version="1.0" encoding="utf-8"?>
 <p:sld xmlns:a="http://schemas.openxmlformats.org/drawingml/2006/main" xmlns:r="http://schemas.openxmlformats.org/officeDocument/2006/relationships" xmlns:p="http://schemas.openxmlformats.org/presentationml/2006/main">
   <p:cSld>
     <p:spTree>
@@ -5210,7 +5644,7 @@
           <p:nvPr>
             <p:extLst>
               <p:ext uri="{D42A27DB-BD31-4B8C-83A1-F6EECF244321}">
-                <p14:modId xmlns:p14="http://schemas.microsoft.com/office/powerpoint/2010/main" val="2738343032"/>
+                <p14:modId xmlns:p14="http://schemas.microsoft.com/office/powerpoint/2010/main" val="1362110041"/>
               </p:ext>
             </p:extLst>
           </p:nvPr>
@@ -5312,7 +5746,7 @@
                         </a:rPr>
                         <a:t>Task</a:t>
                       </a:r>
-                      <a:endParaRPr lang="en-US" dirty="0">
+                      <a:endParaRPr lang="en-US" b="1" dirty="0">
                         <a:solidFill>
                           <a:schemeClr val="bg1"/>
                         </a:solidFill>
@@ -5369,7 +5803,7 @@
                     <a:p>
                       <a:pPr algn="ctr"/>
                       <a:r>
-                        <a:rPr lang="en-US" dirty="0">
+                        <a:rPr lang="en-US" b="1" dirty="0">
                           <a:solidFill>
                             <a:schemeClr val="bg1"/>
                           </a:solidFill>
@@ -5523,14 +5957,14 @@
                         <a:defRPr/>
                       </a:pPr>
                       <a:r>
-                        <a:rPr lang="en-US" altLang="ko-KR" sz="1800" dirty="0">
+                        <a:rPr lang="en-US" altLang="ko-KR" sz="1800" b="1" dirty="0">
                           <a:solidFill>
                             <a:schemeClr val="bg1"/>
                           </a:solidFill>
                         </a:rPr>
                         <a:t>1    2    3    4</a:t>
                       </a:r>
-                      <a:endParaRPr lang="ko-KR" altLang="en-US" sz="1800" dirty="0">
+                      <a:endParaRPr lang="ko-KR" altLang="en-US" sz="1800" b="1" dirty="0">
                         <a:solidFill>
                           <a:schemeClr val="bg1"/>
                         </a:solidFill>
@@ -5634,14 +6068,14 @@
                         <a:defRPr/>
                       </a:pPr>
                       <a:r>
-                        <a:rPr lang="en-US" altLang="ko-KR" sz="1800" dirty="0">
+                        <a:rPr lang="en-US" altLang="ko-KR" sz="1800" b="1" dirty="0">
                           <a:solidFill>
                             <a:schemeClr val="bg1"/>
                           </a:solidFill>
                         </a:rPr>
                         <a:t>1    2    3    4</a:t>
                       </a:r>
-                      <a:endParaRPr lang="ko-KR" altLang="en-US" sz="1800" dirty="0">
+                      <a:endParaRPr lang="ko-KR" altLang="en-US" sz="1800" b="1" dirty="0">
                         <a:solidFill>
                           <a:schemeClr val="bg1"/>
                         </a:solidFill>
@@ -5741,7 +6175,7 @@
                         </a:spcAft>
                       </a:pPr>
                       <a:r>
-                        <a:rPr lang="en-US" sz="1800" b="0" i="0" u="none" strike="noStrike" dirty="0">
+                        <a:rPr lang="en-US" sz="1800" b="1" i="0" u="none" strike="noStrike" dirty="0">
                           <a:solidFill>
                             <a:srgbClr val="000000"/>
                           </a:solidFill>
@@ -5750,7 +6184,7 @@
                         </a:rPr>
                         <a:t>Planning and deciding features that can be implemented based on the time</a:t>
                       </a:r>
-                      <a:endParaRPr lang="en-US" dirty="0">
+                      <a:endParaRPr lang="en-US" b="1" dirty="0">
                         <a:effectLst/>
                       </a:endParaRPr>
                     </a:p>
@@ -5801,7 +6235,7 @@
                     <a:p>
                       <a:pPr fontAlgn="ctr"/>
                       <a:r>
-                        <a:rPr lang="en-US">
+                        <a:rPr lang="en-US" b="1">
                           <a:effectLst/>
                         </a:rPr>
                         <a:t> </a:t>
@@ -5857,7 +6291,7 @@
                     <a:p>
                       <a:pPr fontAlgn="ctr"/>
                       <a:r>
-                        <a:rPr lang="en-US" dirty="0">
+                        <a:rPr lang="en-US" b="1" dirty="0">
                           <a:effectLst/>
                         </a:rPr>
                         <a:t> </a:t>
@@ -5913,7 +6347,7 @@
                     <a:p>
                       <a:pPr fontAlgn="ctr"/>
                       <a:r>
-                        <a:rPr lang="en-US" dirty="0">
+                        <a:rPr lang="en-US" b="1" dirty="0">
                           <a:effectLst/>
                         </a:rPr>
                         <a:t> </a:t>
@@ -5969,7 +6403,7 @@
                     <a:p>
                       <a:pPr fontAlgn="ctr"/>
                       <a:r>
-                        <a:rPr lang="en-US" dirty="0">
+                        <a:rPr lang="en-US" b="1" dirty="0">
                           <a:effectLst/>
                         </a:rPr>
                         <a:t> </a:t>
@@ -6025,7 +6459,7 @@
                     <a:p>
                       <a:pPr fontAlgn="ctr"/>
                       <a:r>
-                        <a:rPr lang="en-US" dirty="0">
+                        <a:rPr lang="en-US" b="1" dirty="0">
                           <a:effectLst/>
                         </a:rPr>
                         <a:t> </a:t>
@@ -6081,7 +6515,7 @@
                     <a:p>
                       <a:pPr fontAlgn="ctr"/>
                       <a:r>
-                        <a:rPr lang="en-US" dirty="0">
+                        <a:rPr lang="en-US" b="1" dirty="0">
                           <a:effectLst/>
                         </a:rPr>
                         <a:t> </a:t>
@@ -6137,7 +6571,7 @@
                     <a:p>
                       <a:pPr fontAlgn="ctr"/>
                       <a:r>
-                        <a:rPr lang="en-US">
+                        <a:rPr lang="en-US" b="1">
                           <a:effectLst/>
                         </a:rPr>
                         <a:t> </a:t>
@@ -6193,7 +6627,7 @@
                     <a:p>
                       <a:pPr fontAlgn="ctr"/>
                       <a:r>
-                        <a:rPr lang="en-US">
+                        <a:rPr lang="en-US" b="1">
                           <a:effectLst/>
                         </a:rPr>
                         <a:t> </a:t>
@@ -6263,7 +6697,7 @@
                         </a:spcAft>
                       </a:pPr>
                       <a:r>
-                        <a:rPr lang="en-US" sz="1800" b="0" i="0" u="none" strike="noStrike" dirty="0">
+                        <a:rPr lang="en-US" sz="1800" b="1" i="0" u="none" strike="noStrike" dirty="0">
                           <a:solidFill>
                             <a:srgbClr val="000000"/>
                           </a:solidFill>
@@ -6272,7 +6706,7 @@
                         </a:rPr>
                         <a:t>Make a basic communication between client and server using sockets for a group</a:t>
                       </a:r>
-                      <a:endParaRPr lang="en-US" dirty="0">
+                      <a:endParaRPr lang="en-US" b="1" dirty="0">
                         <a:effectLst/>
                       </a:endParaRPr>
                     </a:p>
@@ -6321,7 +6755,7 @@
                     <a:bodyPr/>
                     <a:lstStyle/>
                     <a:p>
-                      <a:endParaRPr lang="en-US" dirty="0">
+                      <a:endParaRPr lang="en-US" b="1" dirty="0">
                         <a:solidFill>
                           <a:schemeClr val="bg1"/>
                         </a:solidFill>
@@ -6377,7 +6811,7 @@
                     <a:p>
                       <a:pPr fontAlgn="ctr"/>
                       <a:r>
-                        <a:rPr lang="en-US" dirty="0">
+                        <a:rPr lang="en-US" b="1" dirty="0">
                           <a:solidFill>
                             <a:schemeClr val="bg1"/>
                           </a:solidFill>
@@ -6436,7 +6870,7 @@
                     <a:p>
                       <a:pPr fontAlgn="ctr"/>
                       <a:r>
-                        <a:rPr lang="en-US" dirty="0">
+                        <a:rPr lang="en-US" b="1" dirty="0">
                           <a:effectLst/>
                         </a:rPr>
                         <a:t> </a:t>
@@ -6492,7 +6926,7 @@
                     <a:p>
                       <a:pPr fontAlgn="ctr"/>
                       <a:r>
-                        <a:rPr lang="en-US" dirty="0">
+                        <a:rPr lang="en-US" b="1" dirty="0">
                           <a:effectLst/>
                         </a:rPr>
                         <a:t> </a:t>
@@ -6548,7 +6982,7 @@
                     <a:p>
                       <a:pPr fontAlgn="ctr"/>
                       <a:r>
-                        <a:rPr lang="en-US">
+                        <a:rPr lang="en-US" b="1">
                           <a:effectLst/>
                         </a:rPr>
                         <a:t> </a:t>
@@ -6604,7 +7038,7 @@
                     <a:p>
                       <a:pPr fontAlgn="ctr"/>
                       <a:r>
-                        <a:rPr lang="en-US">
+                        <a:rPr lang="en-US" b="1">
                           <a:effectLst/>
                         </a:rPr>
                         <a:t> </a:t>
@@ -6660,7 +7094,7 @@
                     <a:p>
                       <a:pPr fontAlgn="ctr"/>
                       <a:r>
-                        <a:rPr lang="en-US">
+                        <a:rPr lang="en-US" b="1">
                           <a:effectLst/>
                         </a:rPr>
                         <a:t> </a:t>
@@ -6716,7 +7150,7 @@
                     <a:p>
                       <a:pPr fontAlgn="ctr"/>
                       <a:r>
-                        <a:rPr lang="en-US">
+                        <a:rPr lang="en-US" b="1">
                           <a:effectLst/>
                         </a:rPr>
                         <a:t> </a:t>
@@ -6786,7 +7220,7 @@
                         </a:spcAft>
                       </a:pPr>
                       <a:r>
-                        <a:rPr lang="en-US" sz="1800" b="0" i="0" u="none" strike="noStrike" dirty="0">
+                        <a:rPr lang="en-US" sz="1800" b="1" i="0" u="none" strike="noStrike" dirty="0">
                           <a:solidFill>
                             <a:srgbClr val="000000"/>
                           </a:solidFill>
@@ -6795,7 +7229,7 @@
                         </a:rPr>
                         <a:t>Add database so that the data can be stored in a file</a:t>
                       </a:r>
-                      <a:endParaRPr lang="en-US" dirty="0">
+                      <a:endParaRPr lang="en-US" b="1" dirty="0">
                         <a:effectLst/>
                       </a:endParaRPr>
                     </a:p>
@@ -6846,7 +7280,7 @@
                     <a:p>
                       <a:pPr fontAlgn="ctr"/>
                       <a:r>
-                        <a:rPr lang="en-US">
+                        <a:rPr lang="en-US" b="1">
                           <a:solidFill>
                             <a:schemeClr val="bg1"/>
                           </a:solidFill>
@@ -6905,7 +7339,7 @@
                     <a:p>
                       <a:pPr fontAlgn="ctr"/>
                       <a:r>
-                        <a:rPr lang="en-US" dirty="0">
+                        <a:rPr lang="en-US" b="1" dirty="0">
                           <a:solidFill>
                             <a:schemeClr val="bg1"/>
                           </a:solidFill>
@@ -6964,7 +7398,7 @@
                     <a:p>
                       <a:pPr fontAlgn="ctr"/>
                       <a:r>
-                        <a:rPr lang="en-US" dirty="0">
+                        <a:rPr lang="en-US" b="1" dirty="0">
                           <a:effectLst/>
                         </a:rPr>
                         <a:t> </a:t>
@@ -7020,7 +7454,7 @@
                     <a:p>
                       <a:pPr fontAlgn="ctr"/>
                       <a:r>
-                        <a:rPr lang="en-US" dirty="0">
+                        <a:rPr lang="en-US" b="1" dirty="0">
                           <a:effectLst/>
                         </a:rPr>
                         <a:t> </a:t>
@@ -7076,7 +7510,7 @@
                     <a:p>
                       <a:pPr fontAlgn="ctr"/>
                       <a:r>
-                        <a:rPr lang="en-US" dirty="0">
+                        <a:rPr lang="en-US" b="1" dirty="0">
                           <a:effectLst/>
                         </a:rPr>
                         <a:t> </a:t>
@@ -7132,7 +7566,7 @@
                     <a:p>
                       <a:pPr fontAlgn="ctr"/>
                       <a:r>
-                        <a:rPr lang="en-US">
+                        <a:rPr lang="en-US" b="1">
                           <a:effectLst/>
                         </a:rPr>
                         <a:t> </a:t>
@@ -7188,7 +7622,7 @@
                     <a:p>
                       <a:pPr fontAlgn="ctr"/>
                       <a:r>
-                        <a:rPr lang="en-US">
+                        <a:rPr lang="en-US" b="1">
                           <a:effectLst/>
                         </a:rPr>
                         <a:t> </a:t>
@@ -7244,7 +7678,7 @@
                     <a:p>
                       <a:pPr fontAlgn="ctr"/>
                       <a:r>
-                        <a:rPr lang="en-US">
+                        <a:rPr lang="en-US" b="1">
                           <a:effectLst/>
                         </a:rPr>
                         <a:t> </a:t>
@@ -7314,7 +7748,7 @@
                         </a:spcAft>
                       </a:pPr>
                       <a:r>
-                        <a:rPr lang="en-US" sz="1800" b="0" i="0" u="none" strike="noStrike" dirty="0">
+                        <a:rPr lang="en-US" sz="1800" b="1" i="0" u="none" strike="noStrike" dirty="0">
                           <a:solidFill>
                             <a:srgbClr val="000000"/>
                           </a:solidFill>
@@ -7371,7 +7805,7 @@
                     <a:p>
                       <a:pPr fontAlgn="ctr"/>
                       <a:r>
-                        <a:rPr lang="en-US">
+                        <a:rPr lang="en-US" b="1">
                           <a:solidFill>
                             <a:schemeClr val="bg1"/>
                           </a:solidFill>
@@ -7430,7 +7864,7 @@
                     <a:p>
                       <a:pPr fontAlgn="ctr"/>
                       <a:r>
-                        <a:rPr lang="en-US" dirty="0">
+                        <a:rPr lang="en-US" b="1" dirty="0">
                           <a:solidFill>
                             <a:schemeClr val="bg1"/>
                           </a:solidFill>
@@ -7489,7 +7923,7 @@
                     <a:p>
                       <a:pPr fontAlgn="ctr"/>
                       <a:r>
-                        <a:rPr lang="en-US" dirty="0">
+                        <a:rPr lang="en-US" b="1" dirty="0">
                           <a:effectLst/>
                         </a:rPr>
                         <a:t> </a:t>
@@ -7545,7 +7979,7 @@
                     <a:p>
                       <a:pPr fontAlgn="ctr"/>
                       <a:r>
-                        <a:rPr lang="en-US">
+                        <a:rPr lang="en-US" b="1">
                           <a:effectLst/>
                         </a:rPr>
                         <a:t> </a:t>
@@ -7601,7 +8035,7 @@
                     <a:p>
                       <a:pPr fontAlgn="ctr"/>
                       <a:r>
-                        <a:rPr lang="en-US" dirty="0">
+                        <a:rPr lang="en-US" b="1" dirty="0">
                           <a:effectLst/>
                         </a:rPr>
                         <a:t> </a:t>
@@ -7657,7 +8091,7 @@
                     <a:p>
                       <a:pPr fontAlgn="ctr"/>
                       <a:r>
-                        <a:rPr lang="en-US" dirty="0">
+                        <a:rPr lang="en-US" b="1" dirty="0">
                           <a:effectLst/>
                         </a:rPr>
                         <a:t> </a:t>
@@ -7713,7 +8147,7 @@
                     <a:p>
                       <a:pPr fontAlgn="ctr"/>
                       <a:r>
-                        <a:rPr lang="en-US">
+                        <a:rPr lang="en-US" b="1">
                           <a:effectLst/>
                         </a:rPr>
                         <a:t> </a:t>
@@ -7769,7 +8203,7 @@
                     <a:p>
                       <a:pPr fontAlgn="ctr"/>
                       <a:r>
-                        <a:rPr lang="en-US">
+                        <a:rPr lang="en-US" b="1">
                           <a:effectLst/>
                         </a:rPr>
                         <a:t> </a:t>
@@ -7839,7 +8273,7 @@
                         </a:spcAft>
                       </a:pPr>
                       <a:r>
-                        <a:rPr lang="en-US" sz="1800" b="0" i="0" u="none" strike="noStrike" dirty="0">
+                        <a:rPr lang="en-US" sz="1800" b="1" i="0" u="none" strike="noStrike" dirty="0">
                           <a:solidFill>
                             <a:srgbClr val="000000"/>
                           </a:solidFill>
@@ -7848,7 +8282,7 @@
                         </a:rPr>
                         <a:t>Add commenting functionality for users</a:t>
                       </a:r>
-                      <a:endParaRPr lang="en-US" dirty="0">
+                      <a:endParaRPr lang="en-US" b="1" dirty="0">
                         <a:effectLst/>
                       </a:endParaRPr>
                     </a:p>
@@ -7899,7 +8333,7 @@
                     <a:p>
                       <a:pPr fontAlgn="ctr"/>
                       <a:r>
-                        <a:rPr lang="en-US">
+                        <a:rPr lang="en-US" b="1">
                           <a:solidFill>
                             <a:schemeClr val="bg1"/>
                           </a:solidFill>
@@ -7958,7 +8392,7 @@
                     <a:p>
                       <a:pPr fontAlgn="ctr"/>
                       <a:r>
-                        <a:rPr lang="en-US" dirty="0">
+                        <a:rPr lang="en-US" b="1" dirty="0">
                           <a:solidFill>
                             <a:schemeClr val="bg1"/>
                           </a:solidFill>
@@ -8017,7 +8451,7 @@
                     <a:p>
                       <a:pPr fontAlgn="ctr"/>
                       <a:r>
-                        <a:rPr lang="en-US">
+                        <a:rPr lang="en-US" b="1">
                           <a:effectLst/>
                         </a:rPr>
                         <a:t> </a:t>
@@ -8073,7 +8507,7 @@
                     <a:p>
                       <a:pPr fontAlgn="ctr"/>
                       <a:r>
-                        <a:rPr lang="en-US">
+                        <a:rPr lang="en-US" b="1">
                           <a:effectLst/>
                         </a:rPr>
                         <a:t> </a:t>
@@ -8129,7 +8563,7 @@
                     <a:p>
                       <a:pPr fontAlgn="ctr"/>
                       <a:r>
-                        <a:rPr lang="en-US" dirty="0">
+                        <a:rPr lang="en-US" b="1" dirty="0">
                           <a:effectLst/>
                         </a:rPr>
                         <a:t> </a:t>
@@ -8185,7 +8619,7 @@
                     <a:p>
                       <a:pPr fontAlgn="ctr"/>
                       <a:r>
-                        <a:rPr lang="en-US" dirty="0">
+                        <a:rPr lang="en-US" b="1" dirty="0">
                           <a:effectLst/>
                         </a:rPr>
                         <a:t> </a:t>
@@ -8241,7 +8675,7 @@
                     <a:p>
                       <a:pPr fontAlgn="ctr"/>
                       <a:r>
-                        <a:rPr lang="en-US">
+                        <a:rPr lang="en-US" b="1">
                           <a:effectLst/>
                         </a:rPr>
                         <a:t> </a:t>
@@ -8297,7 +8731,7 @@
                     <a:p>
                       <a:pPr fontAlgn="ctr"/>
                       <a:r>
-                        <a:rPr lang="en-US">
+                        <a:rPr lang="en-US" b="1">
                           <a:effectLst/>
                         </a:rPr>
                         <a:t> </a:t>
@@ -8367,7 +8801,7 @@
                         </a:spcAft>
                       </a:pPr>
                       <a:r>
-                        <a:rPr lang="en-US" sz="1800" b="0" i="0" u="none" strike="noStrike" dirty="0">
+                        <a:rPr lang="en-US" sz="1800" b="1" i="0" u="none" strike="noStrike" dirty="0">
                           <a:solidFill>
                             <a:srgbClr val="000000"/>
                           </a:solidFill>
@@ -8376,7 +8810,7 @@
                         </a:rPr>
                         <a:t>GUI for the entire app (Based on the amount of time left)</a:t>
                       </a:r>
-                      <a:endParaRPr lang="en-US" dirty="0">
+                      <a:endParaRPr lang="en-US" b="1" dirty="0">
                         <a:effectLst/>
                       </a:endParaRPr>
                     </a:p>
@@ -8427,7 +8861,7 @@
                     <a:p>
                       <a:pPr fontAlgn="ctr"/>
                       <a:r>
-                        <a:rPr lang="en-US" dirty="0">
+                        <a:rPr lang="en-US" b="1" dirty="0">
                           <a:solidFill>
                             <a:schemeClr val="bg1"/>
                           </a:solidFill>
@@ -8486,7 +8920,7 @@
                     <a:p>
                       <a:pPr fontAlgn="ctr"/>
                       <a:r>
-                        <a:rPr lang="en-US" dirty="0">
+                        <a:rPr lang="en-US" b="1" dirty="0">
                           <a:solidFill>
                             <a:schemeClr val="bg1"/>
                           </a:solidFill>
@@ -8545,7 +8979,7 @@
                     <a:p>
                       <a:pPr fontAlgn="ctr"/>
                       <a:r>
-                        <a:rPr lang="en-US">
+                        <a:rPr lang="en-US" b="1">
                           <a:effectLst/>
                         </a:rPr>
                         <a:t> </a:t>
@@ -8601,7 +9035,7 @@
                     <a:p>
                       <a:pPr fontAlgn="ctr"/>
                       <a:r>
-                        <a:rPr lang="en-US">
+                        <a:rPr lang="en-US" b="1">
                           <a:effectLst/>
                         </a:rPr>
                         <a:t> </a:t>
@@ -8657,7 +9091,7 @@
                     <a:p>
                       <a:pPr fontAlgn="ctr"/>
                       <a:r>
-                        <a:rPr lang="en-US" dirty="0">
+                        <a:rPr lang="en-US" b="1" dirty="0">
                           <a:effectLst/>
                         </a:rPr>
                         <a:t> </a:t>
@@ -8713,7 +9147,7 @@
                     <a:p>
                       <a:pPr fontAlgn="ctr"/>
                       <a:r>
-                        <a:rPr lang="en-US" dirty="0">
+                        <a:rPr lang="en-US" b="1" dirty="0">
                           <a:effectLst/>
                         </a:rPr>
                         <a:t> </a:t>
@@ -8769,7 +9203,7 @@
                     <a:p>
                       <a:pPr fontAlgn="ctr"/>
                       <a:r>
-                        <a:rPr lang="en-US">
+                        <a:rPr lang="en-US" b="1">
                           <a:effectLst/>
                         </a:rPr>
                         <a:t> </a:t>
@@ -8825,7 +9259,7 @@
                     <a:p>
                       <a:pPr fontAlgn="ctr"/>
                       <a:r>
-                        <a:rPr lang="en-US" dirty="0">
+                        <a:rPr lang="en-US" b="1" dirty="0">
                           <a:effectLst/>
                         </a:rPr>
                         <a:t> </a:t>
@@ -8966,7 +9400,7 @@
 </p:sld>
 </file>
 
-<file path=ppt/slides/slide13.xml><?xml version="1.0" encoding="utf-8"?>
+<file path=ppt/slides/slide14.xml><?xml version="1.0" encoding="utf-8"?>
 <p:sld xmlns:a="http://schemas.openxmlformats.org/drawingml/2006/main" xmlns:r="http://schemas.openxmlformats.org/officeDocument/2006/relationships" xmlns:p="http://schemas.openxmlformats.org/presentationml/2006/main">
   <p:cSld>
     <p:spTree>
@@ -9575,7 +10009,7 @@
 </p:sld>
 </file>
 
-<file path=ppt/slides/slide14.xml><?xml version="1.0" encoding="utf-8"?>
+<file path=ppt/slides/slide15.xml><?xml version="1.0" encoding="utf-8"?>
 <p:sld xmlns:a="http://schemas.openxmlformats.org/drawingml/2006/main" xmlns:r="http://schemas.openxmlformats.org/officeDocument/2006/relationships" xmlns:p="http://schemas.openxmlformats.org/presentationml/2006/main">
   <p:cSld>
     <p:spTree>
@@ -9965,7 +10399,7 @@
 </p:sld>
 </file>
 
-<file path=ppt/slides/slide15.xml><?xml version="1.0" encoding="utf-8"?>
+<file path=ppt/slides/slide16.xml><?xml version="1.0" encoding="utf-8"?>
 <p:sld xmlns:a="http://schemas.openxmlformats.org/drawingml/2006/main" xmlns:r="http://schemas.openxmlformats.org/officeDocument/2006/relationships" xmlns:p="http://schemas.openxmlformats.org/presentationml/2006/main">
   <p:cSld>
     <p:bg>
@@ -16685,7 +17119,7 @@
                   <a:schemeClr val="tx1"/>
                 </a:solidFill>
               </a:rPr>
-              <a:t>You can see Online person here</a:t>
+              <a:t>You can see Online person here user status bar</a:t>
             </a:r>
             <a:endParaRPr lang="ko-KR" altLang="en-US" sz="1400" dirty="0">
               <a:solidFill>
